--- a/Power BI Report/Dashboard Layout.pptx
+++ b/Power BI Report/Dashboard Layout.pptx
@@ -244,7 +244,7 @@
           <a:p>
             <a:fld id="{7A2C6692-EA0D-4861-862E-DDC209ABBD47}" type="datetimeFigureOut">
               <a:rPr lang="en-US" smtClean="0"/>
-              <a:t>10/17/2025</a:t>
+              <a:t>10/19/2025</a:t>
             </a:fld>
             <a:endParaRPr lang="en-US"/>
           </a:p>
@@ -414,7 +414,7 @@
           <a:p>
             <a:fld id="{7A2C6692-EA0D-4861-862E-DDC209ABBD47}" type="datetimeFigureOut">
               <a:rPr lang="en-US" smtClean="0"/>
-              <a:t>10/17/2025</a:t>
+              <a:t>10/19/2025</a:t>
             </a:fld>
             <a:endParaRPr lang="en-US"/>
           </a:p>
@@ -594,7 +594,7 @@
           <a:p>
             <a:fld id="{7A2C6692-EA0D-4861-862E-DDC209ABBD47}" type="datetimeFigureOut">
               <a:rPr lang="en-US" smtClean="0"/>
-              <a:t>10/17/2025</a:t>
+              <a:t>10/19/2025</a:t>
             </a:fld>
             <a:endParaRPr lang="en-US"/>
           </a:p>
@@ -764,7 +764,7 @@
           <a:p>
             <a:fld id="{7A2C6692-EA0D-4861-862E-DDC209ABBD47}" type="datetimeFigureOut">
               <a:rPr lang="en-US" smtClean="0"/>
-              <a:t>10/17/2025</a:t>
+              <a:t>10/19/2025</a:t>
             </a:fld>
             <a:endParaRPr lang="en-US"/>
           </a:p>
@@ -1010,7 +1010,7 @@
           <a:p>
             <a:fld id="{7A2C6692-EA0D-4861-862E-DDC209ABBD47}" type="datetimeFigureOut">
               <a:rPr lang="en-US" smtClean="0"/>
-              <a:t>10/17/2025</a:t>
+              <a:t>10/19/2025</a:t>
             </a:fld>
             <a:endParaRPr lang="en-US"/>
           </a:p>
@@ -1242,7 +1242,7 @@
           <a:p>
             <a:fld id="{7A2C6692-EA0D-4861-862E-DDC209ABBD47}" type="datetimeFigureOut">
               <a:rPr lang="en-US" smtClean="0"/>
-              <a:t>10/17/2025</a:t>
+              <a:t>10/19/2025</a:t>
             </a:fld>
             <a:endParaRPr lang="en-US"/>
           </a:p>
@@ -1609,7 +1609,7 @@
           <a:p>
             <a:fld id="{7A2C6692-EA0D-4861-862E-DDC209ABBD47}" type="datetimeFigureOut">
               <a:rPr lang="en-US" smtClean="0"/>
-              <a:t>10/17/2025</a:t>
+              <a:t>10/19/2025</a:t>
             </a:fld>
             <a:endParaRPr lang="en-US"/>
           </a:p>
@@ -1727,7 +1727,7 @@
           <a:p>
             <a:fld id="{7A2C6692-EA0D-4861-862E-DDC209ABBD47}" type="datetimeFigureOut">
               <a:rPr lang="en-US" smtClean="0"/>
-              <a:t>10/17/2025</a:t>
+              <a:t>10/19/2025</a:t>
             </a:fld>
             <a:endParaRPr lang="en-US"/>
           </a:p>
@@ -1822,7 +1822,7 @@
           <a:p>
             <a:fld id="{7A2C6692-EA0D-4861-862E-DDC209ABBD47}" type="datetimeFigureOut">
               <a:rPr lang="en-US" smtClean="0"/>
-              <a:t>10/17/2025</a:t>
+              <a:t>10/19/2025</a:t>
             </a:fld>
             <a:endParaRPr lang="en-US"/>
           </a:p>
@@ -2099,7 +2099,7 @@
           <a:p>
             <a:fld id="{7A2C6692-EA0D-4861-862E-DDC209ABBD47}" type="datetimeFigureOut">
               <a:rPr lang="en-US" smtClean="0"/>
-              <a:t>10/17/2025</a:t>
+              <a:t>10/19/2025</a:t>
             </a:fld>
             <a:endParaRPr lang="en-US"/>
           </a:p>
@@ -2356,7 +2356,7 @@
           <a:p>
             <a:fld id="{7A2C6692-EA0D-4861-862E-DDC209ABBD47}" type="datetimeFigureOut">
               <a:rPr lang="en-US" smtClean="0"/>
-              <a:t>10/17/2025</a:t>
+              <a:t>10/19/2025</a:t>
             </a:fld>
             <a:endParaRPr lang="en-US"/>
           </a:p>
@@ -2569,7 +2569,7 @@
           <a:p>
             <a:fld id="{7A2C6692-EA0D-4861-862E-DDC209ABBD47}" type="datetimeFigureOut">
               <a:rPr lang="en-US" smtClean="0"/>
-              <a:t>10/17/2025</a:t>
+              <a:t>10/19/2025</a:t>
             </a:fld>
             <a:endParaRPr lang="en-US"/>
           </a:p>
@@ -4257,10 +4257,10 @@
       </p:sp>
       <p:sp>
         <p:nvSpPr>
-          <p:cNvPr id="16" name="Rectangle: Rounded Corners 15">
+          <p:cNvPr id="18" name="Rectangle: Rounded Corners 17">
             <a:extLst>
               <a:ext uri="{FF2B5EF4-FFF2-40B4-BE49-F238E27FC236}">
-                <a16:creationId xmlns:a16="http://schemas.microsoft.com/office/drawing/2014/main" id="{33A32737-D20A-ED23-693E-C62AB8913CE3}"/>
+                <a16:creationId xmlns:a16="http://schemas.microsoft.com/office/drawing/2014/main" id="{EAF2E494-E3B9-ACC2-797D-CF932C0C30D1}"/>
               </a:ext>
             </a:extLst>
           </p:cNvPr>
@@ -4271,12 +4271,12 @@
         </p:nvSpPr>
         <p:spPr>
           <a:xfrm>
-            <a:off x="2694357" y="1393035"/>
-            <a:ext cx="5266614" cy="7339481"/>
+            <a:off x="8385488" y="1393036"/>
+            <a:ext cx="8258786" cy="2645564"/>
           </a:xfrm>
           <a:prstGeom prst="roundRect">
             <a:avLst>
-              <a:gd name="adj" fmla="val 4246"/>
+              <a:gd name="adj" fmla="val 2037"/>
             </a:avLst>
           </a:prstGeom>
           <a:solidFill>
@@ -4291,6 +4291,7 @@
                 <a:alpha val="10000"/>
               </a:srgbClr>
             </a:outerShdw>
+            <a:softEdge rad="0"/>
           </a:effectLst>
         </p:spPr>
         <p:style>
@@ -4324,57 +4325,74 @@
           </a:p>
         </p:txBody>
       </p:sp>
-      <p:cxnSp>
-        <p:nvCxnSpPr>
-          <p:cNvPr id="8" name="Straight Arrow Connector 7">
+      <p:sp>
+        <p:nvSpPr>
+          <p:cNvPr id="19" name="Rectangle 18" hidden="1">
             <a:extLst>
               <a:ext uri="{FF2B5EF4-FFF2-40B4-BE49-F238E27FC236}">
-                <a16:creationId xmlns:a16="http://schemas.microsoft.com/office/drawing/2014/main" id="{DE85CCF1-E8FB-FB87-5802-2541254A1DD7}"/>
+                <a16:creationId xmlns:a16="http://schemas.microsoft.com/office/drawing/2014/main" id="{FD0C806B-82B3-DEAB-C2F8-313624EA9529}"/>
               </a:ext>
             </a:extLst>
           </p:cNvPr>
-          <p:cNvCxnSpPr>
-            <a:cxnSpLocks/>
-          </p:cNvCxnSpPr>
+          <p:cNvSpPr>
+            <a:spLocks/>
+          </p:cNvSpPr>
           <p:nvPr/>
-        </p:nvCxnSpPr>
-        <p:spPr>
-          <a:xfrm flipH="1">
-            <a:off x="2961558" y="3351550"/>
-            <a:ext cx="4732211" cy="0"/>
-          </a:xfrm>
-          <a:prstGeom prst="straightConnector1">
+        </p:nvSpPr>
+        <p:spPr>
+          <a:xfrm>
+            <a:off x="7994921" y="0"/>
+            <a:ext cx="356616" cy="9144000"/>
+          </a:xfrm>
+          <a:prstGeom prst="rect">
             <a:avLst/>
           </a:prstGeom>
-          <a:ln w="25400">
+          <a:solidFill>
+            <a:srgbClr val="C00000"/>
+          </a:solidFill>
+          <a:ln>
             <a:solidFill>
-              <a:schemeClr val="bg1">
-                <a:lumMod val="85000"/>
-              </a:schemeClr>
+              <a:schemeClr val="tx1"/>
             </a:solidFill>
           </a:ln>
         </p:spPr>
         <p:style>
           <a:lnRef idx="2">
-            <a:schemeClr val="accent1"/>
+            <a:schemeClr val="accent1">
+              <a:shade val="15000"/>
+            </a:schemeClr>
           </a:lnRef>
-          <a:fillRef idx="0">
+          <a:fillRef idx="1">
             <a:schemeClr val="accent1"/>
           </a:fillRef>
-          <a:effectRef idx="1">
+          <a:effectRef idx="0">
             <a:schemeClr val="accent1"/>
           </a:effectRef>
           <a:fontRef idx="minor">
-            <a:schemeClr val="tx1"/>
+            <a:schemeClr val="lt1"/>
           </a:fontRef>
         </p:style>
-      </p:cxnSp>
-      <p:sp>
-        <p:nvSpPr>
-          <p:cNvPr id="18" name="Rectangle: Rounded Corners 17">
+        <p:txBody>
+          <a:bodyPr rtlCol="0" anchor="ctr"/>
+          <a:lstStyle/>
+          <a:p>
+            <a:endParaRPr lang="en-US" sz="3200" b="1">
+              <a:solidFill>
+                <a:schemeClr val="tx1"/>
+              </a:solidFill>
+              <a:latin typeface="Segoe UI Variable Text" pitchFamily="2" charset="0"/>
+              <a:ea typeface="Segoe UI Black" panose="020B0A02040204020203" pitchFamily="34" charset="0"/>
+              <a:cs typeface="Segoe UI Semibold" panose="020B0702040204020203" pitchFamily="34" charset="0"/>
+            </a:endParaRPr>
+          </a:p>
+        </p:txBody>
+      </p:sp>
+      <p:sp>
+        <p:nvSpPr>
+          <p:cNvPr id="39" name="Rectangle 38" hidden="1">
             <a:extLst>
               <a:ext uri="{FF2B5EF4-FFF2-40B4-BE49-F238E27FC236}">
-                <a16:creationId xmlns:a16="http://schemas.microsoft.com/office/drawing/2014/main" id="{EAF2E494-E3B9-ACC2-797D-CF932C0C30D1}"/>
+                <a16:creationId xmlns:a16="http://schemas.microsoft.com/office/drawing/2014/main" id="{869A89D8-FE3D-EE6C-68C0-ACE2B031CE05}"/>
               </a:ext>
             </a:extLst>
           </p:cNvPr>
@@ -4385,8 +4403,204 @@
         </p:nvSpPr>
         <p:spPr>
           <a:xfrm>
-            <a:off x="8385488" y="1393036"/>
-            <a:ext cx="3632341" cy="7339480"/>
+            <a:off x="12056609" y="0"/>
+            <a:ext cx="356616" cy="9144000"/>
+          </a:xfrm>
+          <a:prstGeom prst="rect">
+            <a:avLst/>
+          </a:prstGeom>
+          <a:solidFill>
+            <a:srgbClr val="C00000"/>
+          </a:solidFill>
+          <a:ln>
+            <a:solidFill>
+              <a:schemeClr val="tx1"/>
+            </a:solidFill>
+          </a:ln>
+        </p:spPr>
+        <p:style>
+          <a:lnRef idx="2">
+            <a:schemeClr val="accent1">
+              <a:shade val="15000"/>
+            </a:schemeClr>
+          </a:lnRef>
+          <a:fillRef idx="1">
+            <a:schemeClr val="accent1"/>
+          </a:fillRef>
+          <a:effectRef idx="0">
+            <a:schemeClr val="accent1"/>
+          </a:effectRef>
+          <a:fontRef idx="minor">
+            <a:schemeClr val="lt1"/>
+          </a:fontRef>
+        </p:style>
+        <p:txBody>
+          <a:bodyPr rtlCol="0" anchor="ctr"/>
+          <a:lstStyle/>
+          <a:p>
+            <a:endParaRPr lang="en-US" sz="3200" b="1">
+              <a:solidFill>
+                <a:schemeClr val="tx1"/>
+              </a:solidFill>
+              <a:latin typeface="Segoe UI Variable Text" pitchFamily="2" charset="0"/>
+              <a:ea typeface="Segoe UI Black" panose="020B0A02040204020203" pitchFamily="34" charset="0"/>
+              <a:cs typeface="Segoe UI Semibold" panose="020B0702040204020203" pitchFamily="34" charset="0"/>
+            </a:endParaRPr>
+          </a:p>
+        </p:txBody>
+      </p:sp>
+      <p:sp>
+        <p:nvSpPr>
+          <p:cNvPr id="3" name="Rectangle: Rounded Corners 2">
+            <a:extLst>
+              <a:ext uri="{FF2B5EF4-FFF2-40B4-BE49-F238E27FC236}">
+                <a16:creationId xmlns:a16="http://schemas.microsoft.com/office/drawing/2014/main" id="{8C0D8FAD-C655-3AC5-3289-6291B2470D66}"/>
+              </a:ext>
+            </a:extLst>
+          </p:cNvPr>
+          <p:cNvSpPr>
+            <a:spLocks/>
+          </p:cNvSpPr>
+          <p:nvPr/>
+        </p:nvSpPr>
+        <p:spPr>
+          <a:xfrm>
+            <a:off x="2694357" y="1393036"/>
+            <a:ext cx="5256953" cy="7339480"/>
+          </a:xfrm>
+          <a:prstGeom prst="roundRect">
+            <a:avLst>
+              <a:gd name="adj" fmla="val 2037"/>
+            </a:avLst>
+          </a:prstGeom>
+          <a:solidFill>
+            <a:schemeClr val="bg1"/>
+          </a:solidFill>
+          <a:ln>
+            <a:noFill/>
+          </a:ln>
+          <a:effectLst>
+            <a:outerShdw blurRad="50800" dist="50800" dir="5400000" sx="102000" sy="102000" algn="ctr" rotWithShape="0">
+              <a:srgbClr val="000000">
+                <a:alpha val="10000"/>
+              </a:srgbClr>
+            </a:outerShdw>
+            <a:softEdge rad="0"/>
+          </a:effectLst>
+        </p:spPr>
+        <p:style>
+          <a:lnRef idx="2">
+            <a:schemeClr val="accent1">
+              <a:shade val="15000"/>
+            </a:schemeClr>
+          </a:lnRef>
+          <a:fillRef idx="1">
+            <a:schemeClr val="accent1"/>
+          </a:fillRef>
+          <a:effectRef idx="0">
+            <a:schemeClr val="accent1"/>
+          </a:effectRef>
+          <a:fontRef idx="minor">
+            <a:schemeClr val="lt1"/>
+          </a:fontRef>
+        </p:style>
+        <p:txBody>
+          <a:bodyPr rtlCol="0" anchor="ctr"/>
+          <a:lstStyle/>
+          <a:p>
+            <a:endParaRPr lang="en-US" sz="3200" b="1">
+              <a:solidFill>
+                <a:schemeClr val="tx1"/>
+              </a:solidFill>
+              <a:latin typeface="Segoe UI Variable Text" pitchFamily="2" charset="0"/>
+              <a:ea typeface="Segoe UI Black" panose="020B0A02040204020203" pitchFamily="34" charset="0"/>
+              <a:cs typeface="Segoe UI Semibold" panose="020B0702040204020203" pitchFamily="34" charset="0"/>
+            </a:endParaRPr>
+          </a:p>
+        </p:txBody>
+      </p:sp>
+      <p:sp>
+        <p:nvSpPr>
+          <p:cNvPr id="40" name="Rectangle 39">
+            <a:extLst>
+              <a:ext uri="{FF2B5EF4-FFF2-40B4-BE49-F238E27FC236}">
+                <a16:creationId xmlns:a16="http://schemas.microsoft.com/office/drawing/2014/main" id="{D7892DCC-7549-B044-3D30-C3B66FC5FA54}"/>
+              </a:ext>
+            </a:extLst>
+          </p:cNvPr>
+          <p:cNvSpPr/>
+          <p:nvPr/>
+        </p:nvSpPr>
+        <p:spPr>
+          <a:xfrm>
+            <a:off x="2961558" y="1393035"/>
+            <a:ext cx="4989753" cy="566394"/>
+          </a:xfrm>
+          <a:prstGeom prst="rect">
+            <a:avLst/>
+          </a:prstGeom>
+          <a:noFill/>
+          <a:ln>
+            <a:noFill/>
+          </a:ln>
+        </p:spPr>
+        <p:style>
+          <a:lnRef idx="2">
+            <a:schemeClr val="accent1">
+              <a:shade val="15000"/>
+            </a:schemeClr>
+          </a:lnRef>
+          <a:fillRef idx="1">
+            <a:schemeClr val="accent1"/>
+          </a:fillRef>
+          <a:effectRef idx="0">
+            <a:schemeClr val="accent1"/>
+          </a:effectRef>
+          <a:fontRef idx="minor">
+            <a:schemeClr val="lt1"/>
+          </a:fontRef>
+        </p:style>
+        <p:txBody>
+          <a:bodyPr rtlCol="0" anchor="ctr"/>
+          <a:lstStyle/>
+          <a:p>
+            <a:pPr>
+              <a:lnSpc>
+                <a:spcPts val="3000"/>
+              </a:lnSpc>
+            </a:pPr>
+            <a:r>
+              <a:rPr lang="en-US" b="1" dirty="0">
+                <a:solidFill>
+                  <a:schemeClr val="tx1"/>
+                </a:solidFill>
+                <a:latin typeface="Segoe UI Variable Display Semib" pitchFamily="2" charset="0"/>
+                <a:ea typeface="Segoe UI Black" panose="020B0A02040204020203" pitchFamily="34" charset="0"/>
+                <a:cs typeface="Segoe UI Semibold" panose="020B0702040204020203" pitchFamily="34" charset="0"/>
+              </a:rPr>
+              <a:t>Overview</a:t>
+            </a:r>
+          </a:p>
+        </p:txBody>
+      </p:sp>
+      <p:sp>
+        <p:nvSpPr>
+          <p:cNvPr id="2" name="Rectangle: Rounded Corners 1">
+            <a:extLst>
+              <a:ext uri="{FF2B5EF4-FFF2-40B4-BE49-F238E27FC236}">
+                <a16:creationId xmlns:a16="http://schemas.microsoft.com/office/drawing/2014/main" id="{0BA7737F-A36F-ACD0-3F8F-3B756F09059A}"/>
+              </a:ext>
+            </a:extLst>
+          </p:cNvPr>
+          <p:cNvSpPr>
+            <a:spLocks/>
+          </p:cNvSpPr>
+          <p:nvPr/>
+        </p:nvSpPr>
+        <p:spPr>
+          <a:xfrm>
+            <a:off x="8385488" y="4301336"/>
+            <a:ext cx="8258786" cy="4431180"/>
           </a:xfrm>
           <a:prstGeom prst="roundRect">
             <a:avLst>
@@ -4438,338 +4652,12 @@
           </a:p>
         </p:txBody>
       </p:sp>
-      <p:sp>
-        <p:nvSpPr>
-          <p:cNvPr id="22" name="Rectangle: Rounded Corners 21">
+      <p:cxnSp>
+        <p:nvCxnSpPr>
+          <p:cNvPr id="8" name="Straight Arrow Connector 7">
             <a:extLst>
               <a:ext uri="{FF2B5EF4-FFF2-40B4-BE49-F238E27FC236}">
-                <a16:creationId xmlns:a16="http://schemas.microsoft.com/office/drawing/2014/main" id="{855EFD4B-B32B-A21E-C64F-E24274CB5318}"/>
-              </a:ext>
-            </a:extLst>
-          </p:cNvPr>
-          <p:cNvSpPr>
-            <a:spLocks/>
-          </p:cNvSpPr>
-          <p:nvPr/>
-        </p:nvSpPr>
-        <p:spPr>
-          <a:xfrm>
-            <a:off x="12420543" y="1393035"/>
-            <a:ext cx="4192266" cy="3474720"/>
-          </a:xfrm>
-          <a:prstGeom prst="roundRect">
-            <a:avLst>
-              <a:gd name="adj" fmla="val 2037"/>
-            </a:avLst>
-          </a:prstGeom>
-          <a:solidFill>
-            <a:schemeClr val="bg1"/>
-          </a:solidFill>
-          <a:ln>
-            <a:noFill/>
-          </a:ln>
-          <a:effectLst>
-            <a:outerShdw blurRad="50800" dist="50800" dir="5400000" sx="102000" sy="102000" algn="ctr" rotWithShape="0">
-              <a:srgbClr val="000000">
-                <a:alpha val="10000"/>
-              </a:srgbClr>
-            </a:outerShdw>
-          </a:effectLst>
-        </p:spPr>
-        <p:style>
-          <a:lnRef idx="2">
-            <a:schemeClr val="accent1">
-              <a:shade val="15000"/>
-            </a:schemeClr>
-          </a:lnRef>
-          <a:fillRef idx="1">
-            <a:schemeClr val="accent1"/>
-          </a:fillRef>
-          <a:effectRef idx="0">
-            <a:schemeClr val="accent1"/>
-          </a:effectRef>
-          <a:fontRef idx="minor">
-            <a:schemeClr val="lt1"/>
-          </a:fontRef>
-        </p:style>
-        <p:txBody>
-          <a:bodyPr rtlCol="0" anchor="ctr"/>
-          <a:lstStyle/>
-          <a:p>
-            <a:endParaRPr lang="en-US" sz="3200" b="1">
-              <a:solidFill>
-                <a:schemeClr val="tx1"/>
-              </a:solidFill>
-              <a:latin typeface="Segoe UI Variable Text" pitchFamily="2" charset="0"/>
-              <a:ea typeface="Segoe UI Black" panose="020B0A02040204020203" pitchFamily="34" charset="0"/>
-              <a:cs typeface="Segoe UI Semibold" panose="020B0702040204020203" pitchFamily="34" charset="0"/>
-            </a:endParaRPr>
-          </a:p>
-        </p:txBody>
-      </p:sp>
-      <p:sp>
-        <p:nvSpPr>
-          <p:cNvPr id="25" name="Rectangle: Rounded Corners 24">
-            <a:extLst>
-              <a:ext uri="{FF2B5EF4-FFF2-40B4-BE49-F238E27FC236}">
-                <a16:creationId xmlns:a16="http://schemas.microsoft.com/office/drawing/2014/main" id="{633DD2B5-B5C4-80C1-E98D-F040032BFEB1}"/>
-              </a:ext>
-            </a:extLst>
-          </p:cNvPr>
-          <p:cNvSpPr>
-            <a:spLocks/>
-          </p:cNvSpPr>
-          <p:nvPr/>
-        </p:nvSpPr>
-        <p:spPr>
-          <a:xfrm>
-            <a:off x="12420543" y="5257796"/>
-            <a:ext cx="4192266" cy="3474720"/>
-          </a:xfrm>
-          <a:prstGeom prst="roundRect">
-            <a:avLst>
-              <a:gd name="adj" fmla="val 2037"/>
-            </a:avLst>
-          </a:prstGeom>
-          <a:solidFill>
-            <a:schemeClr val="bg1"/>
-          </a:solidFill>
-          <a:ln>
-            <a:noFill/>
-          </a:ln>
-          <a:effectLst>
-            <a:outerShdw blurRad="50800" dist="50800" dir="5400000" sx="102000" sy="102000" algn="ctr" rotWithShape="0">
-              <a:srgbClr val="000000">
-                <a:alpha val="10000"/>
-              </a:srgbClr>
-            </a:outerShdw>
-          </a:effectLst>
-        </p:spPr>
-        <p:style>
-          <a:lnRef idx="2">
-            <a:schemeClr val="accent1">
-              <a:shade val="15000"/>
-            </a:schemeClr>
-          </a:lnRef>
-          <a:fillRef idx="1">
-            <a:schemeClr val="accent1"/>
-          </a:fillRef>
-          <a:effectRef idx="0">
-            <a:schemeClr val="accent1"/>
-          </a:effectRef>
-          <a:fontRef idx="minor">
-            <a:schemeClr val="lt1"/>
-          </a:fontRef>
-        </p:style>
-        <p:txBody>
-          <a:bodyPr rtlCol="0" anchor="ctr"/>
-          <a:lstStyle/>
-          <a:p>
-            <a:endParaRPr lang="en-US" sz="3200" b="1" dirty="0">
-              <a:solidFill>
-                <a:schemeClr val="tx1"/>
-              </a:solidFill>
-              <a:latin typeface="Segoe UI Variable Text" pitchFamily="2" charset="0"/>
-              <a:ea typeface="Segoe UI Black" panose="020B0A02040204020203" pitchFamily="34" charset="0"/>
-              <a:cs typeface="Segoe UI Semibold" panose="020B0702040204020203" pitchFamily="34" charset="0"/>
-            </a:endParaRPr>
-          </a:p>
-        </p:txBody>
-      </p:sp>
-      <p:sp>
-        <p:nvSpPr>
-          <p:cNvPr id="19" name="Rectangle 18" hidden="1">
-            <a:extLst>
-              <a:ext uri="{FF2B5EF4-FFF2-40B4-BE49-F238E27FC236}">
-                <a16:creationId xmlns:a16="http://schemas.microsoft.com/office/drawing/2014/main" id="{FD0C806B-82B3-DEAB-C2F8-313624EA9529}"/>
-              </a:ext>
-            </a:extLst>
-          </p:cNvPr>
-          <p:cNvSpPr>
-            <a:spLocks/>
-          </p:cNvSpPr>
-          <p:nvPr/>
-        </p:nvSpPr>
-        <p:spPr>
-          <a:xfrm>
-            <a:off x="7994921" y="0"/>
-            <a:ext cx="356616" cy="9144000"/>
-          </a:xfrm>
-          <a:prstGeom prst="rect">
-            <a:avLst/>
-          </a:prstGeom>
-          <a:solidFill>
-            <a:srgbClr val="C00000"/>
-          </a:solidFill>
-          <a:ln>
-            <a:solidFill>
-              <a:schemeClr val="tx1"/>
-            </a:solidFill>
-          </a:ln>
-        </p:spPr>
-        <p:style>
-          <a:lnRef idx="2">
-            <a:schemeClr val="accent1">
-              <a:shade val="15000"/>
-            </a:schemeClr>
-          </a:lnRef>
-          <a:fillRef idx="1">
-            <a:schemeClr val="accent1"/>
-          </a:fillRef>
-          <a:effectRef idx="0">
-            <a:schemeClr val="accent1"/>
-          </a:effectRef>
-          <a:fontRef idx="minor">
-            <a:schemeClr val="lt1"/>
-          </a:fontRef>
-        </p:style>
-        <p:txBody>
-          <a:bodyPr rtlCol="0" anchor="ctr"/>
-          <a:lstStyle/>
-          <a:p>
-            <a:endParaRPr lang="en-US" sz="3200" b="1">
-              <a:solidFill>
-                <a:schemeClr val="tx1"/>
-              </a:solidFill>
-              <a:latin typeface="Segoe UI Variable Text" pitchFamily="2" charset="0"/>
-              <a:ea typeface="Segoe UI Black" panose="020B0A02040204020203" pitchFamily="34" charset="0"/>
-              <a:cs typeface="Segoe UI Semibold" panose="020B0702040204020203" pitchFamily="34" charset="0"/>
-            </a:endParaRPr>
-          </a:p>
-        </p:txBody>
-      </p:sp>
-      <p:sp>
-        <p:nvSpPr>
-          <p:cNvPr id="39" name="Rectangle 38" hidden="1">
-            <a:extLst>
-              <a:ext uri="{FF2B5EF4-FFF2-40B4-BE49-F238E27FC236}">
-                <a16:creationId xmlns:a16="http://schemas.microsoft.com/office/drawing/2014/main" id="{869A89D8-FE3D-EE6C-68C0-ACE2B031CE05}"/>
-              </a:ext>
-            </a:extLst>
-          </p:cNvPr>
-          <p:cNvSpPr>
-            <a:spLocks/>
-          </p:cNvSpPr>
-          <p:nvPr/>
-        </p:nvSpPr>
-        <p:spPr>
-          <a:xfrm>
-            <a:off x="12056609" y="0"/>
-            <a:ext cx="356616" cy="9144000"/>
-          </a:xfrm>
-          <a:prstGeom prst="rect">
-            <a:avLst/>
-          </a:prstGeom>
-          <a:solidFill>
-            <a:srgbClr val="C00000"/>
-          </a:solidFill>
-          <a:ln>
-            <a:solidFill>
-              <a:schemeClr val="tx1"/>
-            </a:solidFill>
-          </a:ln>
-        </p:spPr>
-        <p:style>
-          <a:lnRef idx="2">
-            <a:schemeClr val="accent1">
-              <a:shade val="15000"/>
-            </a:schemeClr>
-          </a:lnRef>
-          <a:fillRef idx="1">
-            <a:schemeClr val="accent1"/>
-          </a:fillRef>
-          <a:effectRef idx="0">
-            <a:schemeClr val="accent1"/>
-          </a:effectRef>
-          <a:fontRef idx="minor">
-            <a:schemeClr val="lt1"/>
-          </a:fontRef>
-        </p:style>
-        <p:txBody>
-          <a:bodyPr rtlCol="0" anchor="ctr"/>
-          <a:lstStyle/>
-          <a:p>
-            <a:endParaRPr lang="en-US" sz="3200" b="1">
-              <a:solidFill>
-                <a:schemeClr val="tx1"/>
-              </a:solidFill>
-              <a:latin typeface="Segoe UI Variable Text" pitchFamily="2" charset="0"/>
-              <a:ea typeface="Segoe UI Black" panose="020B0A02040204020203" pitchFamily="34" charset="0"/>
-              <a:cs typeface="Segoe UI Semibold" panose="020B0702040204020203" pitchFamily="34" charset="0"/>
-            </a:endParaRPr>
-          </a:p>
-        </p:txBody>
-      </p:sp>
-      <p:sp>
-        <p:nvSpPr>
-          <p:cNvPr id="40" name="Rectangle 39">
-            <a:extLst>
-              <a:ext uri="{FF2B5EF4-FFF2-40B4-BE49-F238E27FC236}">
-                <a16:creationId xmlns:a16="http://schemas.microsoft.com/office/drawing/2014/main" id="{D7892DCC-7549-B044-3D30-C3B66FC5FA54}"/>
-              </a:ext>
-            </a:extLst>
-          </p:cNvPr>
-          <p:cNvSpPr/>
-          <p:nvPr/>
-        </p:nvSpPr>
-        <p:spPr>
-          <a:xfrm>
-            <a:off x="2961558" y="1393035"/>
-            <a:ext cx="4989753" cy="566394"/>
-          </a:xfrm>
-          <a:prstGeom prst="rect">
-            <a:avLst/>
-          </a:prstGeom>
-          <a:noFill/>
-          <a:ln>
-            <a:noFill/>
-          </a:ln>
-        </p:spPr>
-        <p:style>
-          <a:lnRef idx="2">
-            <a:schemeClr val="accent1">
-              <a:shade val="15000"/>
-            </a:schemeClr>
-          </a:lnRef>
-          <a:fillRef idx="1">
-            <a:schemeClr val="accent1"/>
-          </a:fillRef>
-          <a:effectRef idx="0">
-            <a:schemeClr val="accent1"/>
-          </a:effectRef>
-          <a:fontRef idx="minor">
-            <a:schemeClr val="lt1"/>
-          </a:fontRef>
-        </p:style>
-        <p:txBody>
-          <a:bodyPr rtlCol="0" anchor="ctr"/>
-          <a:lstStyle/>
-          <a:p>
-            <a:pPr>
-              <a:lnSpc>
-                <a:spcPts val="3000"/>
-              </a:lnSpc>
-            </a:pPr>
-            <a:r>
-              <a:rPr lang="en-US" b="1" dirty="0">
-                <a:solidFill>
-                  <a:schemeClr val="tx1"/>
-                </a:solidFill>
-                <a:latin typeface="Segoe UI Variable Display Semib" pitchFamily="2" charset="0"/>
-                <a:ea typeface="Segoe UI Black" panose="020B0A02040204020203" pitchFamily="34" charset="0"/>
-                <a:cs typeface="Segoe UI Semibold" panose="020B0702040204020203" pitchFamily="34" charset="0"/>
-              </a:rPr>
-              <a:t>Overview</a:t>
-            </a:r>
-          </a:p>
-        </p:txBody>
-      </p:sp>
-      <p:cxnSp>
-        <p:nvCxnSpPr>
-          <p:cNvPr id="41" name="Straight Arrow Connector 40" hidden="1">
-            <a:extLst>
-              <a:ext uri="{FF2B5EF4-FFF2-40B4-BE49-F238E27FC236}">
-                <a16:creationId xmlns:a16="http://schemas.microsoft.com/office/drawing/2014/main" id="{48C8B39B-2980-A089-D915-6BB29D48FB89}"/>
+                <a16:creationId xmlns:a16="http://schemas.microsoft.com/office/drawing/2014/main" id="{DE85CCF1-E8FB-FB87-5802-2541254A1DD7}"/>
               </a:ext>
             </a:extLst>
           </p:cNvPr>
@@ -4779,63 +4667,30 @@
           <p:nvPr/>
         </p:nvCxnSpPr>
         <p:spPr>
-          <a:xfrm>
-            <a:off x="2964099" y="1959429"/>
-            <a:ext cx="0" cy="1205943"/>
+          <a:xfrm flipH="1">
+            <a:off x="2961558" y="3224550"/>
+            <a:ext cx="4732211" cy="0"/>
           </a:xfrm>
           <a:prstGeom prst="straightConnector1">
             <a:avLst/>
           </a:prstGeom>
-          <a:ln/>
+          <a:ln w="25400">
+            <a:solidFill>
+              <a:schemeClr val="bg1">
+                <a:lumMod val="85000"/>
+              </a:schemeClr>
+            </a:solidFill>
+          </a:ln>
         </p:spPr>
         <p:style>
-          <a:lnRef idx="1">
-            <a:schemeClr val="dk1"/>
+          <a:lnRef idx="2">
+            <a:schemeClr val="accent1"/>
           </a:lnRef>
           <a:fillRef idx="0">
-            <a:schemeClr val="dk1"/>
+            <a:schemeClr val="accent1"/>
           </a:fillRef>
-          <a:effectRef idx="0">
-            <a:schemeClr val="dk1"/>
-          </a:effectRef>
-          <a:fontRef idx="minor">
-            <a:schemeClr val="tx1"/>
-          </a:fontRef>
-        </p:style>
-      </p:cxnSp>
-      <p:cxnSp>
-        <p:nvCxnSpPr>
-          <p:cNvPr id="44" name="Straight Arrow Connector 43" hidden="1">
-            <a:extLst>
-              <a:ext uri="{FF2B5EF4-FFF2-40B4-BE49-F238E27FC236}">
-                <a16:creationId xmlns:a16="http://schemas.microsoft.com/office/drawing/2014/main" id="{95B18635-7AB6-CF99-20D2-B70800653C63}"/>
-              </a:ext>
-            </a:extLst>
-          </p:cNvPr>
-          <p:cNvCxnSpPr>
-            <a:cxnSpLocks/>
-          </p:cNvCxnSpPr>
-          <p:nvPr/>
-        </p:nvCxnSpPr>
-        <p:spPr>
-          <a:xfrm>
-            <a:off x="7699461" y="1959429"/>
-            <a:ext cx="0" cy="1205943"/>
-          </a:xfrm>
-          <a:prstGeom prst="straightConnector1">
-            <a:avLst/>
-          </a:prstGeom>
-          <a:ln/>
-        </p:spPr>
-        <p:style>
-          <a:lnRef idx="1">
-            <a:schemeClr val="dk1"/>
-          </a:lnRef>
-          <a:fillRef idx="0">
-            <a:schemeClr val="dk1"/>
-          </a:fillRef>
-          <a:effectRef idx="0">
-            <a:schemeClr val="dk1"/>
+          <a:effectRef idx="1">
+            <a:schemeClr val="accent1"/>
           </a:effectRef>
           <a:fontRef idx="minor">
             <a:schemeClr val="tx1"/>

--- a/Power BI Report/Dashboard Layout.pptx
+++ b/Power BI Report/Dashboard Layout.pptx
@@ -5,8 +5,9 @@
     <p:sldMasterId id="2147483672" r:id="rId1"/>
   </p:sldMasterIdLst>
   <p:sldIdLst>
-    <p:sldId id="256" r:id="rId2"/>
+    <p:sldId id="258" r:id="rId2"/>
     <p:sldId id="257" r:id="rId3"/>
+    <p:sldId id="256" r:id="rId4"/>
   </p:sldIdLst>
   <p:sldSz cx="17373600" cy="9144000"/>
   <p:notesSz cx="6858000" cy="9144000"/>
@@ -244,7 +245,7 @@
           <a:p>
             <a:fld id="{7A2C6692-EA0D-4861-862E-DDC209ABBD47}" type="datetimeFigureOut">
               <a:rPr lang="en-US" smtClean="0"/>
-              <a:t>10/19/2025</a:t>
+              <a:t>10/20/2025</a:t>
             </a:fld>
             <a:endParaRPr lang="en-US"/>
           </a:p>
@@ -414,7 +415,7 @@
           <a:p>
             <a:fld id="{7A2C6692-EA0D-4861-862E-DDC209ABBD47}" type="datetimeFigureOut">
               <a:rPr lang="en-US" smtClean="0"/>
-              <a:t>10/19/2025</a:t>
+              <a:t>10/20/2025</a:t>
             </a:fld>
             <a:endParaRPr lang="en-US"/>
           </a:p>
@@ -594,7 +595,7 @@
           <a:p>
             <a:fld id="{7A2C6692-EA0D-4861-862E-DDC209ABBD47}" type="datetimeFigureOut">
               <a:rPr lang="en-US" smtClean="0"/>
-              <a:t>10/19/2025</a:t>
+              <a:t>10/20/2025</a:t>
             </a:fld>
             <a:endParaRPr lang="en-US"/>
           </a:p>
@@ -764,7 +765,7 @@
           <a:p>
             <a:fld id="{7A2C6692-EA0D-4861-862E-DDC209ABBD47}" type="datetimeFigureOut">
               <a:rPr lang="en-US" smtClean="0"/>
-              <a:t>10/19/2025</a:t>
+              <a:t>10/20/2025</a:t>
             </a:fld>
             <a:endParaRPr lang="en-US"/>
           </a:p>
@@ -1010,7 +1011,7 @@
           <a:p>
             <a:fld id="{7A2C6692-EA0D-4861-862E-DDC209ABBD47}" type="datetimeFigureOut">
               <a:rPr lang="en-US" smtClean="0"/>
-              <a:t>10/19/2025</a:t>
+              <a:t>10/20/2025</a:t>
             </a:fld>
             <a:endParaRPr lang="en-US"/>
           </a:p>
@@ -1242,7 +1243,7 @@
           <a:p>
             <a:fld id="{7A2C6692-EA0D-4861-862E-DDC209ABBD47}" type="datetimeFigureOut">
               <a:rPr lang="en-US" smtClean="0"/>
-              <a:t>10/19/2025</a:t>
+              <a:t>10/20/2025</a:t>
             </a:fld>
             <a:endParaRPr lang="en-US"/>
           </a:p>
@@ -1609,7 +1610,7 @@
           <a:p>
             <a:fld id="{7A2C6692-EA0D-4861-862E-DDC209ABBD47}" type="datetimeFigureOut">
               <a:rPr lang="en-US" smtClean="0"/>
-              <a:t>10/19/2025</a:t>
+              <a:t>10/20/2025</a:t>
             </a:fld>
             <a:endParaRPr lang="en-US"/>
           </a:p>
@@ -1727,7 +1728,7 @@
           <a:p>
             <a:fld id="{7A2C6692-EA0D-4861-862E-DDC209ABBD47}" type="datetimeFigureOut">
               <a:rPr lang="en-US" smtClean="0"/>
-              <a:t>10/19/2025</a:t>
+              <a:t>10/20/2025</a:t>
             </a:fld>
             <a:endParaRPr lang="en-US"/>
           </a:p>
@@ -1822,7 +1823,7 @@
           <a:p>
             <a:fld id="{7A2C6692-EA0D-4861-862E-DDC209ABBD47}" type="datetimeFigureOut">
               <a:rPr lang="en-US" smtClean="0"/>
-              <a:t>10/19/2025</a:t>
+              <a:t>10/20/2025</a:t>
             </a:fld>
             <a:endParaRPr lang="en-US"/>
           </a:p>
@@ -2099,7 +2100,7 @@
           <a:p>
             <a:fld id="{7A2C6692-EA0D-4861-862E-DDC209ABBD47}" type="datetimeFigureOut">
               <a:rPr lang="en-US" smtClean="0"/>
-              <a:t>10/19/2025</a:t>
+              <a:t>10/20/2025</a:t>
             </a:fld>
             <a:endParaRPr lang="en-US"/>
           </a:p>
@@ -2356,7 +2357,7 @@
           <a:p>
             <a:fld id="{7A2C6692-EA0D-4861-862E-DDC209ABBD47}" type="datetimeFigureOut">
               <a:rPr lang="en-US" smtClean="0"/>
-              <a:t>10/19/2025</a:t>
+              <a:t>10/20/2025</a:t>
             </a:fld>
             <a:endParaRPr lang="en-US"/>
           </a:p>
@@ -2569,7 +2570,7 @@
           <a:p>
             <a:fld id="{7A2C6692-EA0D-4861-862E-DDC209ABBD47}" type="datetimeFigureOut">
               <a:rPr lang="en-US" smtClean="0"/>
-              <a:t>10/19/2025</a:t>
+              <a:t>10/20/2025</a:t>
             </a:fld>
             <a:endParaRPr lang="en-US"/>
           </a:p>
@@ -2970,7 +2971,13 @@
     </p:bg>
     <p:spTree>
       <p:nvGrpSpPr>
-        <p:cNvPr id="1" name=""/>
+        <p:cNvPr id="1" name="">
+          <a:extLst>
+            <a:ext uri="{FF2B5EF4-FFF2-40B4-BE49-F238E27FC236}">
+              <a16:creationId xmlns:a16="http://schemas.microsoft.com/office/drawing/2014/main" id="{2A77DAB6-B037-4C45-A085-1B4F3C537F12}"/>
+            </a:ext>
+          </a:extLst>
+        </p:cNvPr>
         <p:cNvGrpSpPr/>
         <p:nvPr/>
       </p:nvGrpSpPr>
@@ -2987,7 +2994,7 @@
           <p:cNvPr id="4" name="Rectangle: Rounded Corners 3">
             <a:extLst>
               <a:ext uri="{FF2B5EF4-FFF2-40B4-BE49-F238E27FC236}">
-                <a16:creationId xmlns:a16="http://schemas.microsoft.com/office/drawing/2014/main" id="{D1FC6296-D434-692C-6061-B07579B5615B}"/>
+                <a16:creationId xmlns:a16="http://schemas.microsoft.com/office/drawing/2014/main" id="{EB847A09-D76E-0C6D-480A-7D38A67C37EC}"/>
               </a:ext>
             </a:extLst>
           </p:cNvPr>
@@ -3050,7 +3057,7 @@
           <p:cNvPr id="5" name="Straight Arrow Connector 4">
             <a:extLst>
               <a:ext uri="{FF2B5EF4-FFF2-40B4-BE49-F238E27FC236}">
-                <a16:creationId xmlns:a16="http://schemas.microsoft.com/office/drawing/2014/main" id="{53B5EA2F-139A-7FC6-3140-38EFB2A357E4}"/>
+                <a16:creationId xmlns:a16="http://schemas.microsoft.com/office/drawing/2014/main" id="{6895C263-55EB-93F9-DF6A-5477876A080C}"/>
               </a:ext>
             </a:extLst>
           </p:cNvPr>
@@ -3092,39 +3099,116 @@
       </p:cxnSp>
       <p:sp>
         <p:nvSpPr>
-          <p:cNvPr id="12" name="Rectangle: Rounded Corners 11">
+          <p:cNvPr id="11" name="Rectangle 10">
             <a:extLst>
               <a:ext uri="{FF2B5EF4-FFF2-40B4-BE49-F238E27FC236}">
-                <a16:creationId xmlns:a16="http://schemas.microsoft.com/office/drawing/2014/main" id="{BB3CB571-8888-09CE-00E6-4EFB52DA5C0B}"/>
+                <a16:creationId xmlns:a16="http://schemas.microsoft.com/office/drawing/2014/main" id="{A66938A8-75DD-4E48-7C15-02C30B9388B4}"/>
               </a:ext>
             </a:extLst>
           </p:cNvPr>
-          <p:cNvSpPr/>
+          <p:cNvSpPr>
+            <a:spLocks noGrp="1" noRot="1" noMove="1" noResize="1" noEditPoints="1" noAdjustHandles="1" noChangeArrowheads="1" noChangeShapeType="1"/>
+          </p:cNvSpPr>
           <p:nvPr/>
         </p:nvSpPr>
         <p:spPr>
           <a:xfrm>
-            <a:off x="2694357" y="1393036"/>
-            <a:ext cx="7194688" cy="3845169"/>
-          </a:xfrm>
-          <a:prstGeom prst="roundRect">
-            <a:avLst>
-              <a:gd name="adj" fmla="val 4246"/>
-            </a:avLst>
+            <a:off x="2694357" y="411480"/>
+            <a:ext cx="13949917" cy="816819"/>
+          </a:xfrm>
+          <a:prstGeom prst="rect">
+            <a:avLst/>
           </a:prstGeom>
-          <a:solidFill>
-            <a:schemeClr val="bg1"/>
-          </a:solidFill>
+          <a:noFill/>
           <a:ln>
             <a:noFill/>
           </a:ln>
-          <a:effectLst>
-            <a:outerShdw blurRad="50800" dist="50800" dir="5400000" sx="102000" sy="102000" algn="ctr" rotWithShape="0">
-              <a:srgbClr val="000000">
-                <a:alpha val="10000"/>
-              </a:srgbClr>
-            </a:outerShdw>
-          </a:effectLst>
+        </p:spPr>
+        <p:style>
+          <a:lnRef idx="2">
+            <a:schemeClr val="accent1">
+              <a:shade val="15000"/>
+            </a:schemeClr>
+          </a:lnRef>
+          <a:fillRef idx="1">
+            <a:schemeClr val="accent1"/>
+          </a:fillRef>
+          <a:effectRef idx="0">
+            <a:schemeClr val="accent1"/>
+          </a:effectRef>
+          <a:fontRef idx="minor">
+            <a:schemeClr val="lt1"/>
+          </a:fontRef>
+        </p:style>
+        <p:txBody>
+          <a:bodyPr rtlCol="0" anchor="ctr"/>
+          <a:lstStyle/>
+          <a:p>
+            <a:pPr>
+              <a:lnSpc>
+                <a:spcPts val="3000"/>
+              </a:lnSpc>
+            </a:pPr>
+            <a:r>
+              <a:rPr lang="en-US" sz="3200" b="1" dirty="0">
+                <a:solidFill>
+                  <a:schemeClr val="tx1"/>
+                </a:solidFill>
+                <a:latin typeface="Segoe UI Variable Text" pitchFamily="2" charset="0"/>
+                <a:ea typeface="Segoe UI Black" panose="020B0A02040204020203" pitchFamily="34" charset="0"/>
+                <a:cs typeface="Segoe UI Semibold" panose="020B0702040204020203" pitchFamily="34" charset="0"/>
+              </a:rPr>
+              <a:t>Overview Dashboard</a:t>
+            </a:r>
+          </a:p>
+          <a:p>
+            <a:pPr>
+              <a:lnSpc>
+                <a:spcPts val="3000"/>
+              </a:lnSpc>
+            </a:pPr>
+            <a:r>
+              <a:rPr lang="en-US" dirty="0">
+                <a:solidFill>
+                  <a:schemeClr val="tx1"/>
+                </a:solidFill>
+                <a:latin typeface="Segoe UI Variable Display Light" pitchFamily="2" charset="0"/>
+                <a:ea typeface="Segoe UI Black" panose="020B0A02040204020203" pitchFamily="34" charset="0"/>
+                <a:cs typeface="Segoe UI Semibold" panose="020B0702040204020203" pitchFamily="34" charset="0"/>
+              </a:rPr>
+              <a:t>Summarize the number of respondents and their demographics.</a:t>
+            </a:r>
+          </a:p>
+        </p:txBody>
+      </p:sp>
+      <p:sp>
+        <p:nvSpPr>
+          <p:cNvPr id="14" name="Rectangle 13" hidden="1">
+            <a:extLst>
+              <a:ext uri="{FF2B5EF4-FFF2-40B4-BE49-F238E27FC236}">
+                <a16:creationId xmlns:a16="http://schemas.microsoft.com/office/drawing/2014/main" id="{02382650-8D3A-D450-06B5-B385165B4CF2}"/>
+              </a:ext>
+            </a:extLst>
+          </p:cNvPr>
+          <p:cNvSpPr>
+            <a:spLocks noGrp="1" noRot="1" noMove="1" noResize="1" noEditPoints="1" noAdjustHandles="1" noChangeArrowheads="1" noChangeShapeType="1"/>
+          </p:cNvSpPr>
+          <p:nvPr/>
+        </p:nvSpPr>
+        <p:spPr>
+          <a:xfrm>
+            <a:off x="217716" y="0"/>
+            <a:ext cx="417282" cy="9144000"/>
+          </a:xfrm>
+          <a:prstGeom prst="rect">
+            <a:avLst/>
+          </a:prstGeom>
+          <a:noFill/>
+          <a:ln>
+            <a:solidFill>
+              <a:schemeClr val="tx1"/>
+            </a:solidFill>
+          </a:ln>
         </p:spPr>
         <p:style>
           <a:lnRef idx="2">
@@ -3159,39 +3243,34 @@
       </p:sp>
       <p:sp>
         <p:nvSpPr>
-          <p:cNvPr id="31" name="Rectangle: Rounded Corners 30">
+          <p:cNvPr id="15" name="Rectangle 14" hidden="1">
             <a:extLst>
               <a:ext uri="{FF2B5EF4-FFF2-40B4-BE49-F238E27FC236}">
-                <a16:creationId xmlns:a16="http://schemas.microsoft.com/office/drawing/2014/main" id="{7121A5A1-9CE8-24B0-3C23-07573C4EFBD8}"/>
+                <a16:creationId xmlns:a16="http://schemas.microsoft.com/office/drawing/2014/main" id="{4C41E758-44D1-5038-4D1B-9BEA19C90416}"/>
               </a:ext>
             </a:extLst>
           </p:cNvPr>
-          <p:cNvSpPr/>
+          <p:cNvSpPr>
+            <a:spLocks/>
+          </p:cNvSpPr>
           <p:nvPr/>
         </p:nvSpPr>
         <p:spPr>
           <a:xfrm>
-            <a:off x="2694357" y="5572563"/>
-            <a:ext cx="7194687" cy="3159956"/>
-          </a:xfrm>
-          <a:prstGeom prst="roundRect">
-            <a:avLst>
-              <a:gd name="adj" fmla="val 4246"/>
-            </a:avLst>
+            <a:off x="16651518" y="0"/>
+            <a:ext cx="417282" cy="9144000"/>
+          </a:xfrm>
+          <a:prstGeom prst="rect">
+            <a:avLst/>
           </a:prstGeom>
           <a:solidFill>
-            <a:schemeClr val="bg1"/>
+            <a:srgbClr val="C00000"/>
           </a:solidFill>
           <a:ln>
-            <a:noFill/>
+            <a:solidFill>
+              <a:schemeClr val="tx1"/>
+            </a:solidFill>
           </a:ln>
-          <a:effectLst>
-            <a:outerShdw blurRad="50800" dist="50800" dir="5400000" sx="102000" sy="102000" algn="ctr" rotWithShape="0">
-              <a:srgbClr val="000000">
-                <a:alpha val="10000"/>
-              </a:srgbClr>
-            </a:outerShdw>
-          </a:effectLst>
         </p:spPr>
         <p:style>
           <a:lnRef idx="2">
@@ -3226,20 +3305,146 @@
       </p:sp>
       <p:sp>
         <p:nvSpPr>
-          <p:cNvPr id="32" name="Rectangle: Rounded Corners 31">
+          <p:cNvPr id="17" name="Rectangle 16" hidden="1">
             <a:extLst>
               <a:ext uri="{FF2B5EF4-FFF2-40B4-BE49-F238E27FC236}">
-                <a16:creationId xmlns:a16="http://schemas.microsoft.com/office/drawing/2014/main" id="{4164E6FF-A23C-274C-21E6-3009BF008BEF}"/>
+                <a16:creationId xmlns:a16="http://schemas.microsoft.com/office/drawing/2014/main" id="{D172085B-A693-795F-8BBB-10BE08076608}"/>
               </a:ext>
             </a:extLst>
           </p:cNvPr>
-          <p:cNvSpPr/>
+          <p:cNvSpPr>
+            <a:spLocks/>
+          </p:cNvSpPr>
           <p:nvPr/>
         </p:nvSpPr>
         <p:spPr>
           <a:xfrm>
-            <a:off x="10313568" y="1393037"/>
-            <a:ext cx="6330711" cy="7339482"/>
+            <a:off x="2269839" y="0"/>
+            <a:ext cx="417282" cy="9144000"/>
+          </a:xfrm>
+          <a:prstGeom prst="rect">
+            <a:avLst/>
+          </a:prstGeom>
+          <a:solidFill>
+            <a:srgbClr val="C00000"/>
+          </a:solidFill>
+          <a:ln>
+            <a:solidFill>
+              <a:schemeClr val="tx1"/>
+            </a:solidFill>
+          </a:ln>
+        </p:spPr>
+        <p:style>
+          <a:lnRef idx="2">
+            <a:schemeClr val="accent1">
+              <a:shade val="15000"/>
+            </a:schemeClr>
+          </a:lnRef>
+          <a:fillRef idx="1">
+            <a:schemeClr val="accent1"/>
+          </a:fillRef>
+          <a:effectRef idx="0">
+            <a:schemeClr val="accent1"/>
+          </a:effectRef>
+          <a:fontRef idx="minor">
+            <a:schemeClr val="lt1"/>
+          </a:fontRef>
+        </p:style>
+        <p:txBody>
+          <a:bodyPr rtlCol="0" anchor="ctr"/>
+          <a:lstStyle/>
+          <a:p>
+            <a:endParaRPr lang="en-US" sz="3200" b="1">
+              <a:solidFill>
+                <a:schemeClr val="tx1"/>
+              </a:solidFill>
+              <a:latin typeface="Segoe UI Variable Text" pitchFamily="2" charset="0"/>
+              <a:ea typeface="Segoe UI Black" panose="020B0A02040204020203" pitchFamily="34" charset="0"/>
+              <a:cs typeface="Segoe UI Semibold" panose="020B0702040204020203" pitchFamily="34" charset="0"/>
+            </a:endParaRPr>
+          </a:p>
+        </p:txBody>
+      </p:sp>
+      <p:sp>
+        <p:nvSpPr>
+          <p:cNvPr id="20" name="Rectangle 19" hidden="1">
+            <a:extLst>
+              <a:ext uri="{FF2B5EF4-FFF2-40B4-BE49-F238E27FC236}">
+                <a16:creationId xmlns:a16="http://schemas.microsoft.com/office/drawing/2014/main" id="{F64EB523-7817-0357-4F4C-B1E2EF579D54}"/>
+              </a:ext>
+            </a:extLst>
+          </p:cNvPr>
+          <p:cNvSpPr>
+            <a:spLocks/>
+          </p:cNvSpPr>
+          <p:nvPr/>
+        </p:nvSpPr>
+        <p:spPr>
+          <a:xfrm>
+            <a:off x="2694357" y="4803035"/>
+            <a:ext cx="13964397" cy="352188"/>
+          </a:xfrm>
+          <a:prstGeom prst="rect">
+            <a:avLst/>
+          </a:prstGeom>
+          <a:solidFill>
+            <a:srgbClr val="C00000"/>
+          </a:solidFill>
+          <a:ln>
+            <a:solidFill>
+              <a:schemeClr val="tx1"/>
+            </a:solidFill>
+          </a:ln>
+        </p:spPr>
+        <p:style>
+          <a:lnRef idx="2">
+            <a:schemeClr val="accent1">
+              <a:shade val="15000"/>
+            </a:schemeClr>
+          </a:lnRef>
+          <a:fillRef idx="1">
+            <a:schemeClr val="accent1"/>
+          </a:fillRef>
+          <a:effectRef idx="0">
+            <a:schemeClr val="accent1"/>
+          </a:effectRef>
+          <a:fontRef idx="minor">
+            <a:schemeClr val="lt1"/>
+          </a:fontRef>
+        </p:style>
+        <p:txBody>
+          <a:bodyPr rtlCol="0" anchor="ctr"/>
+          <a:lstStyle/>
+          <a:p>
+            <a:endParaRPr lang="en-US" sz="3200" b="1" dirty="0">
+              <a:solidFill>
+                <a:schemeClr val="tx1"/>
+              </a:solidFill>
+              <a:latin typeface="Segoe UI Variable Text" pitchFamily="2" charset="0"/>
+              <a:ea typeface="Segoe UI Black" panose="020B0A02040204020203" pitchFamily="34" charset="0"/>
+              <a:cs typeface="Segoe UI Semibold" panose="020B0702040204020203" pitchFamily="34" charset="0"/>
+            </a:endParaRPr>
+          </a:p>
+        </p:txBody>
+      </p:sp>
+      <p:sp>
+        <p:nvSpPr>
+          <p:cNvPr id="18" name="Rectangle: Rounded Corners 17">
+            <a:extLst>
+              <a:ext uri="{FF2B5EF4-FFF2-40B4-BE49-F238E27FC236}">
+                <a16:creationId xmlns:a16="http://schemas.microsoft.com/office/drawing/2014/main" id="{4FBF2C50-ED5B-64AB-EE1F-286FA2EBFAD9}"/>
+              </a:ext>
+            </a:extLst>
+          </p:cNvPr>
+          <p:cNvSpPr>
+            <a:spLocks/>
+          </p:cNvSpPr>
+          <p:nvPr/>
+        </p:nvSpPr>
+        <p:spPr>
+          <a:xfrm>
+            <a:off x="8385488" y="1393035"/>
+            <a:ext cx="8258786" cy="7339480"/>
           </a:xfrm>
           <a:prstGeom prst="roundRect">
             <a:avLst>
@@ -3258,6 +3463,7 @@
                 <a:alpha val="10000"/>
               </a:srgbClr>
             </a:outerShdw>
+            <a:softEdge rad="0"/>
           </a:effectLst>
         </p:spPr>
         <p:style>
@@ -3293,166 +3499,22 @@
       </p:sp>
       <p:sp>
         <p:nvSpPr>
-          <p:cNvPr id="11" name="Rectangle 10">
+          <p:cNvPr id="19" name="Rectangle 18" hidden="1">
             <a:extLst>
               <a:ext uri="{FF2B5EF4-FFF2-40B4-BE49-F238E27FC236}">
-                <a16:creationId xmlns:a16="http://schemas.microsoft.com/office/drawing/2014/main" id="{720ED2C9-B975-500E-89AE-0E66A02DA409}"/>
+                <a16:creationId xmlns:a16="http://schemas.microsoft.com/office/drawing/2014/main" id="{9E13F975-B5B0-810F-B1FF-E6C8D1EF9F26}"/>
               </a:ext>
             </a:extLst>
           </p:cNvPr>
           <p:cNvSpPr>
-            <a:spLocks noGrp="1" noRot="1" noMove="1" noResize="1" noEditPoints="1" noAdjustHandles="1" noChangeArrowheads="1" noChangeShapeType="1"/>
+            <a:spLocks/>
           </p:cNvSpPr>
           <p:nvPr/>
         </p:nvSpPr>
         <p:spPr>
           <a:xfrm>
-            <a:off x="2694357" y="411480"/>
-            <a:ext cx="13949917" cy="816819"/>
-          </a:xfrm>
-          <a:prstGeom prst="rect">
-            <a:avLst/>
-          </a:prstGeom>
-          <a:noFill/>
-          <a:ln>
-            <a:noFill/>
-          </a:ln>
-        </p:spPr>
-        <p:style>
-          <a:lnRef idx="2">
-            <a:schemeClr val="accent1">
-              <a:shade val="15000"/>
-            </a:schemeClr>
-          </a:lnRef>
-          <a:fillRef idx="1">
-            <a:schemeClr val="accent1"/>
-          </a:fillRef>
-          <a:effectRef idx="0">
-            <a:schemeClr val="accent1"/>
-          </a:effectRef>
-          <a:fontRef idx="minor">
-            <a:schemeClr val="lt1"/>
-          </a:fontRef>
-        </p:style>
-        <p:txBody>
-          <a:bodyPr rtlCol="0" anchor="ctr"/>
-          <a:lstStyle/>
-          <a:p>
-            <a:pPr>
-              <a:lnSpc>
-                <a:spcPts val="3000"/>
-              </a:lnSpc>
-            </a:pPr>
-            <a:r>
-              <a:rPr lang="en-US" sz="3200" b="1" dirty="0">
-                <a:solidFill>
-                  <a:schemeClr val="tx1"/>
-                </a:solidFill>
-                <a:latin typeface="Segoe UI Variable Text" pitchFamily="2" charset="0"/>
-                <a:ea typeface="Segoe UI Black" panose="020B0A02040204020203" pitchFamily="34" charset="0"/>
-                <a:cs typeface="Segoe UI Semibold" panose="020B0702040204020203" pitchFamily="34" charset="0"/>
-              </a:rPr>
-              <a:t>Conversion Analysis Dashboard</a:t>
-            </a:r>
-          </a:p>
-          <a:p>
-            <a:pPr>
-              <a:lnSpc>
-                <a:spcPts val="3000"/>
-              </a:lnSpc>
-            </a:pPr>
-            <a:r>
-              <a:rPr lang="en-US" dirty="0">
-                <a:solidFill>
-                  <a:schemeClr val="tx1"/>
-                </a:solidFill>
-                <a:latin typeface="Segoe UI Variable Display Light" pitchFamily="2" charset="0"/>
-                <a:ea typeface="Segoe UI Black" panose="020B0A02040204020203" pitchFamily="34" charset="0"/>
-                <a:cs typeface="Segoe UI Semibold" panose="020B0702040204020203" pitchFamily="34" charset="0"/>
-              </a:rPr>
-              <a:t>Uncover key leakage points and understand what drives or hinders customer retention.</a:t>
-            </a:r>
-          </a:p>
-        </p:txBody>
-      </p:sp>
-      <p:sp>
-        <p:nvSpPr>
-          <p:cNvPr id="14" name="Rectangle 13" hidden="1">
-            <a:extLst>
-              <a:ext uri="{FF2B5EF4-FFF2-40B4-BE49-F238E27FC236}">
-                <a16:creationId xmlns:a16="http://schemas.microsoft.com/office/drawing/2014/main" id="{3048FB67-8C5A-E2FF-ADD0-0488D996B4C7}"/>
-              </a:ext>
-            </a:extLst>
-          </p:cNvPr>
-          <p:cNvSpPr>
-            <a:spLocks noGrp="1" noRot="1" noMove="1" noResize="1" noEditPoints="1" noAdjustHandles="1" noChangeArrowheads="1" noChangeShapeType="1"/>
-          </p:cNvSpPr>
-          <p:nvPr/>
-        </p:nvSpPr>
-        <p:spPr>
-          <a:xfrm>
-            <a:off x="217716" y="0"/>
-            <a:ext cx="417282" cy="9144000"/>
-          </a:xfrm>
-          <a:prstGeom prst="rect">
-            <a:avLst/>
-          </a:prstGeom>
-          <a:noFill/>
-          <a:ln>
-            <a:solidFill>
-              <a:schemeClr val="tx1"/>
-            </a:solidFill>
-          </a:ln>
-        </p:spPr>
-        <p:style>
-          <a:lnRef idx="2">
-            <a:schemeClr val="accent1">
-              <a:shade val="15000"/>
-            </a:schemeClr>
-          </a:lnRef>
-          <a:fillRef idx="1">
-            <a:schemeClr val="accent1"/>
-          </a:fillRef>
-          <a:effectRef idx="0">
-            <a:schemeClr val="accent1"/>
-          </a:effectRef>
-          <a:fontRef idx="minor">
-            <a:schemeClr val="lt1"/>
-          </a:fontRef>
-        </p:style>
-        <p:txBody>
-          <a:bodyPr rtlCol="0" anchor="ctr"/>
-          <a:lstStyle/>
-          <a:p>
-            <a:endParaRPr lang="en-US" sz="3200" b="1">
-              <a:solidFill>
-                <a:schemeClr val="tx1"/>
-              </a:solidFill>
-              <a:latin typeface="Segoe UI Variable Text" pitchFamily="2" charset="0"/>
-              <a:ea typeface="Segoe UI Black" panose="020B0A02040204020203" pitchFamily="34" charset="0"/>
-              <a:cs typeface="Segoe UI Semibold" panose="020B0702040204020203" pitchFamily="34" charset="0"/>
-            </a:endParaRPr>
-          </a:p>
-        </p:txBody>
-      </p:sp>
-      <p:sp>
-        <p:nvSpPr>
-          <p:cNvPr id="15" name="Rectangle 14" hidden="1">
-            <a:extLst>
-              <a:ext uri="{FF2B5EF4-FFF2-40B4-BE49-F238E27FC236}">
-                <a16:creationId xmlns:a16="http://schemas.microsoft.com/office/drawing/2014/main" id="{91525071-8521-C2C4-A948-4F2A5D06E9FA}"/>
-              </a:ext>
-            </a:extLst>
-          </p:cNvPr>
-          <p:cNvSpPr>
-            <a:spLocks/>
-          </p:cNvSpPr>
-          <p:nvPr/>
-        </p:nvSpPr>
-        <p:spPr>
-          <a:xfrm>
-            <a:off x="16651518" y="0"/>
-            <a:ext cx="417282" cy="9144000"/>
+            <a:off x="7994921" y="0"/>
+            <a:ext cx="356616" cy="9144000"/>
           </a:xfrm>
           <a:prstGeom prst="rect">
             <a:avLst/>
@@ -3499,10 +3561,10 @@
       </p:sp>
       <p:sp>
         <p:nvSpPr>
-          <p:cNvPr id="17" name="Rectangle 16" hidden="1">
+          <p:cNvPr id="39" name="Rectangle 38" hidden="1">
             <a:extLst>
               <a:ext uri="{FF2B5EF4-FFF2-40B4-BE49-F238E27FC236}">
-                <a16:creationId xmlns:a16="http://schemas.microsoft.com/office/drawing/2014/main" id="{2E210C70-E6BC-01E8-69AA-6B3DDF8E00E9}"/>
+                <a16:creationId xmlns:a16="http://schemas.microsoft.com/office/drawing/2014/main" id="{3F34A920-07BA-88CD-3AEC-C13A85FBA900}"/>
               </a:ext>
             </a:extLst>
           </p:cNvPr>
@@ -3513,8 +3575,8 @@
         </p:nvSpPr>
         <p:spPr>
           <a:xfrm>
-            <a:off x="2269839" y="0"/>
-            <a:ext cx="417282" cy="9144000"/>
+            <a:off x="12056609" y="0"/>
+            <a:ext cx="356616" cy="9144000"/>
           </a:xfrm>
           <a:prstGeom prst="rect">
             <a:avLst/>
@@ -3561,10 +3623,10 @@
       </p:sp>
       <p:sp>
         <p:nvSpPr>
-          <p:cNvPr id="19" name="Rectangle 18" hidden="1">
+          <p:cNvPr id="3" name="Rectangle: Rounded Corners 2">
             <a:extLst>
               <a:ext uri="{FF2B5EF4-FFF2-40B4-BE49-F238E27FC236}">
-                <a16:creationId xmlns:a16="http://schemas.microsoft.com/office/drawing/2014/main" id="{2EC6817F-21FC-D1F9-6950-E2B3E8BEC0A1}"/>
+                <a16:creationId xmlns:a16="http://schemas.microsoft.com/office/drawing/2014/main" id="{484E1DC3-3EE8-68C5-B5BC-21A7110939C3}"/>
               </a:ext>
             </a:extLst>
           </p:cNvPr>
@@ -3575,20 +3637,28 @@
         </p:nvSpPr>
         <p:spPr>
           <a:xfrm>
-            <a:off x="9491011" y="0"/>
-            <a:ext cx="356616" cy="9144000"/>
-          </a:xfrm>
-          <a:prstGeom prst="rect">
-            <a:avLst/>
+            <a:off x="2694357" y="1393036"/>
+            <a:ext cx="5256953" cy="7339480"/>
+          </a:xfrm>
+          <a:prstGeom prst="roundRect">
+            <a:avLst>
+              <a:gd name="adj" fmla="val 2037"/>
+            </a:avLst>
           </a:prstGeom>
           <a:solidFill>
-            <a:srgbClr val="C00000"/>
+            <a:schemeClr val="bg1"/>
           </a:solidFill>
           <a:ln>
-            <a:solidFill>
-              <a:schemeClr val="tx1"/>
-            </a:solidFill>
+            <a:noFill/>
           </a:ln>
+          <a:effectLst>
+            <a:outerShdw blurRad="50800" dist="50800" dir="5400000" sx="102000" sy="102000" algn="ctr" rotWithShape="0">
+              <a:srgbClr val="000000">
+                <a:alpha val="10000"/>
+              </a:srgbClr>
+            </a:outerShdw>
+            <a:softEdge rad="0"/>
+          </a:effectLst>
         </p:spPr>
         <p:style>
           <a:lnRef idx="2">
@@ -3621,162 +3691,145 @@
           </a:p>
         </p:txBody>
       </p:sp>
-      <p:sp>
-        <p:nvSpPr>
-          <p:cNvPr id="20" name="Rectangle 19" hidden="1">
+      <p:cxnSp>
+        <p:nvCxnSpPr>
+          <p:cNvPr id="8" name="Straight Arrow Connector 7">
             <a:extLst>
               <a:ext uri="{FF2B5EF4-FFF2-40B4-BE49-F238E27FC236}">
-                <a16:creationId xmlns:a16="http://schemas.microsoft.com/office/drawing/2014/main" id="{B4AE4608-C8F6-AB35-07A8-FF1BDDFE6257}"/>
+                <a16:creationId xmlns:a16="http://schemas.microsoft.com/office/drawing/2014/main" id="{F37658D7-5FAC-C214-A7CC-DD2804CCA6EB}"/>
               </a:ext>
             </a:extLst>
           </p:cNvPr>
-          <p:cNvSpPr>
-            <a:spLocks/>
-          </p:cNvSpPr>
+          <p:cNvCxnSpPr>
+            <a:cxnSpLocks/>
+          </p:cNvCxnSpPr>
           <p:nvPr/>
-        </p:nvSpPr>
-        <p:spPr>
-          <a:xfrm>
-            <a:off x="2687120" y="4902200"/>
-            <a:ext cx="13964397" cy="352188"/>
-          </a:xfrm>
-          <a:prstGeom prst="rect">
+        </p:nvCxnSpPr>
+        <p:spPr>
+          <a:xfrm flipH="1">
+            <a:off x="2961558" y="3224550"/>
+            <a:ext cx="4732211" cy="0"/>
+          </a:xfrm>
+          <a:prstGeom prst="straightConnector1">
             <a:avLst/>
           </a:prstGeom>
-          <a:solidFill>
-            <a:srgbClr val="C00000"/>
-          </a:solidFill>
-          <a:ln>
+          <a:ln w="25400">
             <a:solidFill>
-              <a:schemeClr val="tx1"/>
+              <a:schemeClr val="bg1">
+                <a:lumMod val="85000"/>
+              </a:schemeClr>
             </a:solidFill>
           </a:ln>
         </p:spPr>
         <p:style>
           <a:lnRef idx="2">
-            <a:schemeClr val="accent1">
-              <a:shade val="15000"/>
-            </a:schemeClr>
+            <a:schemeClr val="accent1"/>
           </a:lnRef>
-          <a:fillRef idx="1">
+          <a:fillRef idx="0">
             <a:schemeClr val="accent1"/>
           </a:fillRef>
-          <a:effectRef idx="0">
+          <a:effectRef idx="1">
             <a:schemeClr val="accent1"/>
           </a:effectRef>
           <a:fontRef idx="minor">
-            <a:schemeClr val="lt1"/>
+            <a:schemeClr val="tx1"/>
           </a:fontRef>
         </p:style>
-        <p:txBody>
-          <a:bodyPr rtlCol="0" anchor="ctr"/>
-          <a:lstStyle/>
-          <a:p>
-            <a:endParaRPr lang="en-US" sz="3200" b="1" dirty="0">
-              <a:solidFill>
-                <a:schemeClr val="tx1"/>
-              </a:solidFill>
-              <a:latin typeface="Segoe UI Variable Text" pitchFamily="2" charset="0"/>
-              <a:ea typeface="Segoe UI Black" panose="020B0A02040204020203" pitchFamily="34" charset="0"/>
-              <a:cs typeface="Segoe UI Semibold" panose="020B0702040204020203" pitchFamily="34" charset="0"/>
-            </a:endParaRPr>
-          </a:p>
-        </p:txBody>
-      </p:sp>
-      <p:pic>
-        <p:nvPicPr>
-          <p:cNvPr id="24" name="Picture 23" hidden="1">
+      </p:cxnSp>
+      <p:cxnSp>
+        <p:nvCxnSpPr>
+          <p:cNvPr id="6" name="Straight Arrow Connector 5">
             <a:extLst>
               <a:ext uri="{FF2B5EF4-FFF2-40B4-BE49-F238E27FC236}">
-                <a16:creationId xmlns:a16="http://schemas.microsoft.com/office/drawing/2014/main" id="{EE774686-AA33-8334-71C0-A8CF9441982C}"/>
+                <a16:creationId xmlns:a16="http://schemas.microsoft.com/office/drawing/2014/main" id="{5F559CE7-F6FD-EBC7-EC25-9F919F84B40C}"/>
               </a:ext>
             </a:extLst>
           </p:cNvPr>
-          <p:cNvPicPr>
-            <a:picLocks noChangeAspect="1"/>
-          </p:cNvPicPr>
+          <p:cNvCxnSpPr>
+            <a:cxnSpLocks/>
+          </p:cNvCxnSpPr>
           <p:nvPr/>
-        </p:nvPicPr>
-        <p:blipFill>
-          <a:blip r:embed="rId2"/>
-          <a:stretch>
-            <a:fillRect/>
-          </a:stretch>
-        </p:blipFill>
-        <p:spPr>
-          <a:xfrm>
-            <a:off x="2694357" y="1393035"/>
-            <a:ext cx="6803889" cy="3845169"/>
-          </a:xfrm>
-          <a:prstGeom prst="rect">
+        </p:nvCxnSpPr>
+        <p:spPr>
+          <a:xfrm flipV="1">
+            <a:off x="11866071" y="2082800"/>
+            <a:ext cx="0" cy="6538686"/>
+          </a:xfrm>
+          <a:prstGeom prst="straightConnector1">
             <a:avLst/>
           </a:prstGeom>
-        </p:spPr>
-      </p:pic>
-      <p:pic>
-        <p:nvPicPr>
-          <p:cNvPr id="26" name="Picture 25" hidden="1">
+          <a:ln w="25400">
+            <a:solidFill>
+              <a:schemeClr val="bg1">
+                <a:lumMod val="85000"/>
+              </a:schemeClr>
+            </a:solidFill>
+          </a:ln>
+        </p:spPr>
+        <p:style>
+          <a:lnRef idx="2">
+            <a:schemeClr val="accent1"/>
+          </a:lnRef>
+          <a:fillRef idx="0">
+            <a:schemeClr val="accent1"/>
+          </a:fillRef>
+          <a:effectRef idx="1">
+            <a:schemeClr val="accent1"/>
+          </a:effectRef>
+          <a:fontRef idx="minor">
+            <a:schemeClr val="tx1"/>
+          </a:fontRef>
+        </p:style>
+      </p:cxnSp>
+      <p:cxnSp>
+        <p:nvCxnSpPr>
+          <p:cNvPr id="21" name="Straight Arrow Connector 20">
             <a:extLst>
               <a:ext uri="{FF2B5EF4-FFF2-40B4-BE49-F238E27FC236}">
-                <a16:creationId xmlns:a16="http://schemas.microsoft.com/office/drawing/2014/main" id="{3A8EDC3D-1D84-BE75-5140-634538337A53}"/>
+                <a16:creationId xmlns:a16="http://schemas.microsoft.com/office/drawing/2014/main" id="{67D42902-38D9-2D9E-5EDC-1C62F66B6210}"/>
               </a:ext>
             </a:extLst>
           </p:cNvPr>
-          <p:cNvPicPr>
-            <a:picLocks noChangeAspect="1"/>
-          </p:cNvPicPr>
+          <p:cNvCxnSpPr>
+            <a:cxnSpLocks/>
+          </p:cNvCxnSpPr>
           <p:nvPr/>
-        </p:nvPicPr>
-        <p:blipFill>
-          <a:blip r:embed="rId3"/>
-          <a:stretch>
-            <a:fillRect/>
-          </a:stretch>
-        </p:blipFill>
-        <p:spPr>
-          <a:xfrm>
-            <a:off x="9854862" y="1393035"/>
-            <a:ext cx="6796655" cy="7339484"/>
-          </a:xfrm>
-          <a:prstGeom prst="rect">
+        </p:nvCxnSpPr>
+        <p:spPr>
+          <a:xfrm flipH="1">
+            <a:off x="8634659" y="5009807"/>
+            <a:ext cx="7760445" cy="0"/>
+          </a:xfrm>
+          <a:prstGeom prst="straightConnector1">
             <a:avLst/>
           </a:prstGeom>
-        </p:spPr>
-      </p:pic>
-      <p:pic>
-        <p:nvPicPr>
-          <p:cNvPr id="28" name="Picture 27" hidden="1">
-            <a:extLst>
-              <a:ext uri="{FF2B5EF4-FFF2-40B4-BE49-F238E27FC236}">
-                <a16:creationId xmlns:a16="http://schemas.microsoft.com/office/drawing/2014/main" id="{DA017B61-8575-5925-3DBF-19D6D4220D98}"/>
-              </a:ext>
-            </a:extLst>
-          </p:cNvPr>
-          <p:cNvPicPr>
-            <a:picLocks noChangeAspect="1"/>
-          </p:cNvPicPr>
-          <p:nvPr/>
-        </p:nvPicPr>
-        <p:blipFill>
-          <a:blip r:embed="rId4"/>
-          <a:stretch>
-            <a:fillRect/>
-          </a:stretch>
-        </p:blipFill>
-        <p:spPr>
-          <a:xfrm>
-            <a:off x="2694357" y="5572561"/>
-            <a:ext cx="6803887" cy="3159957"/>
-          </a:xfrm>
-          <a:prstGeom prst="rect">
-            <a:avLst/>
-          </a:prstGeom>
-        </p:spPr>
-      </p:pic>
+          <a:ln w="25400">
+            <a:solidFill>
+              <a:schemeClr val="bg1">
+                <a:lumMod val="85000"/>
+              </a:schemeClr>
+            </a:solidFill>
+          </a:ln>
+        </p:spPr>
+        <p:style>
+          <a:lnRef idx="2">
+            <a:schemeClr val="accent1"/>
+          </a:lnRef>
+          <a:fillRef idx="0">
+            <a:schemeClr val="accent1"/>
+          </a:fillRef>
+          <a:effectRef idx="1">
+            <a:schemeClr val="accent1"/>
+          </a:effectRef>
+          <a:fontRef idx="minor">
+            <a:schemeClr val="tx1"/>
+          </a:fontRef>
+        </p:style>
+      </p:cxnSp>
     </p:spTree>
     <p:extLst>
       <p:ext uri="{BB962C8B-B14F-4D97-AF65-F5344CB8AC3E}">
-        <p14:creationId xmlns:p14="http://schemas.microsoft.com/office/powerpoint/2010/main" val="261949226"/>
+        <p14:creationId xmlns:p14="http://schemas.microsoft.com/office/powerpoint/2010/main" val="3356870021"/>
       </p:ext>
     </p:extLst>
   </p:cSld>
@@ -4004,7 +4057,7 @@
                 <a:ea typeface="Segoe UI Black" panose="020B0A02040204020203" pitchFamily="34" charset="0"/>
                 <a:cs typeface="Segoe UI Semibold" panose="020B0702040204020203" pitchFamily="34" charset="0"/>
               </a:rPr>
-              <a:t>Uncover key leakage points and understand what drives or hinders customer retention.</a:t>
+              <a:t>Understand how major coffee brands compete in scale, growth, and customer perception across key attributes.</a:t>
             </a:r>
           </a:p>
         </p:txBody>
@@ -4521,70 +4574,6 @@
       </p:sp>
       <p:sp>
         <p:nvSpPr>
-          <p:cNvPr id="40" name="Rectangle 39">
-            <a:extLst>
-              <a:ext uri="{FF2B5EF4-FFF2-40B4-BE49-F238E27FC236}">
-                <a16:creationId xmlns:a16="http://schemas.microsoft.com/office/drawing/2014/main" id="{D7892DCC-7549-B044-3D30-C3B66FC5FA54}"/>
-              </a:ext>
-            </a:extLst>
-          </p:cNvPr>
-          <p:cNvSpPr/>
-          <p:nvPr/>
-        </p:nvSpPr>
-        <p:spPr>
-          <a:xfrm>
-            <a:off x="2961558" y="1393035"/>
-            <a:ext cx="4989753" cy="566394"/>
-          </a:xfrm>
-          <a:prstGeom prst="rect">
-            <a:avLst/>
-          </a:prstGeom>
-          <a:noFill/>
-          <a:ln>
-            <a:noFill/>
-          </a:ln>
-        </p:spPr>
-        <p:style>
-          <a:lnRef idx="2">
-            <a:schemeClr val="accent1">
-              <a:shade val="15000"/>
-            </a:schemeClr>
-          </a:lnRef>
-          <a:fillRef idx="1">
-            <a:schemeClr val="accent1"/>
-          </a:fillRef>
-          <a:effectRef idx="0">
-            <a:schemeClr val="accent1"/>
-          </a:effectRef>
-          <a:fontRef idx="minor">
-            <a:schemeClr val="lt1"/>
-          </a:fontRef>
-        </p:style>
-        <p:txBody>
-          <a:bodyPr rtlCol="0" anchor="ctr"/>
-          <a:lstStyle/>
-          <a:p>
-            <a:pPr>
-              <a:lnSpc>
-                <a:spcPts val="3000"/>
-              </a:lnSpc>
-            </a:pPr>
-            <a:r>
-              <a:rPr lang="en-US" b="1" dirty="0">
-                <a:solidFill>
-                  <a:schemeClr val="tx1"/>
-                </a:solidFill>
-                <a:latin typeface="Segoe UI Variable Display Semib" pitchFamily="2" charset="0"/>
-                <a:ea typeface="Segoe UI Black" panose="020B0A02040204020203" pitchFamily="34" charset="0"/>
-                <a:cs typeface="Segoe UI Semibold" panose="020B0702040204020203" pitchFamily="34" charset="0"/>
-              </a:rPr>
-              <a:t>Overview</a:t>
-            </a:r>
-          </a:p>
-        </p:txBody>
-      </p:sp>
-      <p:sp>
-        <p:nvSpPr>
           <p:cNvPr id="2" name="Rectangle: Rounded Corners 1">
             <a:extLst>
               <a:ext uri="{FF2B5EF4-FFF2-40B4-BE49-F238E27FC236}">
@@ -4701,6 +4690,835 @@
     <p:extLst>
       <p:ext uri="{BB962C8B-B14F-4D97-AF65-F5344CB8AC3E}">
         <p14:creationId xmlns:p14="http://schemas.microsoft.com/office/powerpoint/2010/main" val="680108577"/>
+      </p:ext>
+    </p:extLst>
+  </p:cSld>
+  <p:clrMapOvr>
+    <a:masterClrMapping/>
+  </p:clrMapOvr>
+</p:sld>
+</file>
+
+<file path=ppt/slides/slide3.xml><?xml version="1.0" encoding="utf-8"?>
+<p:sld xmlns:a="http://schemas.openxmlformats.org/drawingml/2006/main" xmlns:r="http://schemas.openxmlformats.org/officeDocument/2006/relationships" xmlns:p="http://schemas.openxmlformats.org/presentationml/2006/main">
+  <p:cSld>
+    <p:bg>
+      <p:bgPr>
+        <a:solidFill>
+          <a:srgbClr val="B2292E"/>
+        </a:solidFill>
+        <a:effectLst/>
+      </p:bgPr>
+    </p:bg>
+    <p:spTree>
+      <p:nvGrpSpPr>
+        <p:cNvPr id="1" name=""/>
+        <p:cNvGrpSpPr/>
+        <p:nvPr/>
+      </p:nvGrpSpPr>
+      <p:grpSpPr>
+        <a:xfrm>
+          <a:off x="0" y="0"/>
+          <a:ext cx="0" cy="0"/>
+          <a:chOff x="0" y="0"/>
+          <a:chExt cx="0" cy="0"/>
+        </a:xfrm>
+      </p:grpSpPr>
+      <p:sp>
+        <p:nvSpPr>
+          <p:cNvPr id="4" name="Rectangle: Rounded Corners 3">
+            <a:extLst>
+              <a:ext uri="{FF2B5EF4-FFF2-40B4-BE49-F238E27FC236}">
+                <a16:creationId xmlns:a16="http://schemas.microsoft.com/office/drawing/2014/main" id="{D1FC6296-D434-692C-6061-B07579B5615B}"/>
+              </a:ext>
+            </a:extLst>
+          </p:cNvPr>
+          <p:cNvSpPr>
+            <a:spLocks noGrp="1" noRot="1" noMove="1" noResize="1" noEditPoints="1" noAdjustHandles="1" noChangeArrowheads="1" noChangeShapeType="1"/>
+          </p:cNvSpPr>
+          <p:nvPr/>
+        </p:nvSpPr>
+        <p:spPr>
+          <a:xfrm>
+            <a:off x="217716" y="246743"/>
+            <a:ext cx="16851084" cy="8650514"/>
+          </a:xfrm>
+          <a:prstGeom prst="roundRect">
+            <a:avLst>
+              <a:gd name="adj" fmla="val 4623"/>
+            </a:avLst>
+          </a:prstGeom>
+          <a:solidFill>
+            <a:srgbClr val="F7F7F7"/>
+          </a:solidFill>
+          <a:ln>
+            <a:noFill/>
+          </a:ln>
+          <a:effectLst>
+            <a:outerShdw blurRad="50800" dist="50800" dir="5400000" algn="ctr" rotWithShape="0">
+              <a:srgbClr val="000000">
+                <a:alpha val="11000"/>
+              </a:srgbClr>
+            </a:outerShdw>
+          </a:effectLst>
+        </p:spPr>
+        <p:style>
+          <a:lnRef idx="2">
+            <a:schemeClr val="accent1">
+              <a:shade val="15000"/>
+            </a:schemeClr>
+          </a:lnRef>
+          <a:fillRef idx="1">
+            <a:schemeClr val="accent1"/>
+          </a:fillRef>
+          <a:effectRef idx="0">
+            <a:schemeClr val="accent1"/>
+          </a:effectRef>
+          <a:fontRef idx="minor">
+            <a:schemeClr val="lt1"/>
+          </a:fontRef>
+        </p:style>
+        <p:txBody>
+          <a:bodyPr rtlCol="0" anchor="ctr"/>
+          <a:lstStyle/>
+          <a:p>
+            <a:pPr algn="ctr"/>
+            <a:endParaRPr lang="en-US" dirty="0"/>
+          </a:p>
+        </p:txBody>
+      </p:sp>
+      <p:cxnSp>
+        <p:nvCxnSpPr>
+          <p:cNvPr id="5" name="Straight Arrow Connector 4">
+            <a:extLst>
+              <a:ext uri="{FF2B5EF4-FFF2-40B4-BE49-F238E27FC236}">
+                <a16:creationId xmlns:a16="http://schemas.microsoft.com/office/drawing/2014/main" id="{53B5EA2F-139A-7FC6-3140-38EFB2A357E4}"/>
+              </a:ext>
+            </a:extLst>
+          </p:cNvPr>
+          <p:cNvCxnSpPr>
+            <a:cxnSpLocks noGrp="1" noRot="1" noMove="1" noResize="1" noEditPoints="1" noAdjustHandles="1" noChangeArrowheads="1" noChangeShapeType="1"/>
+          </p:cNvCxnSpPr>
+          <p:nvPr/>
+        </p:nvCxnSpPr>
+        <p:spPr>
+          <a:xfrm>
+            <a:off x="2269839" y="411480"/>
+            <a:ext cx="0" cy="8321040"/>
+          </a:xfrm>
+          <a:prstGeom prst="straightConnector1">
+            <a:avLst/>
+          </a:prstGeom>
+          <a:ln w="25400">
+            <a:solidFill>
+              <a:schemeClr val="bg1">
+                <a:lumMod val="85000"/>
+              </a:schemeClr>
+            </a:solidFill>
+          </a:ln>
+        </p:spPr>
+        <p:style>
+          <a:lnRef idx="2">
+            <a:schemeClr val="accent1"/>
+          </a:lnRef>
+          <a:fillRef idx="0">
+            <a:schemeClr val="accent1"/>
+          </a:fillRef>
+          <a:effectRef idx="1">
+            <a:schemeClr val="accent1"/>
+          </a:effectRef>
+          <a:fontRef idx="minor">
+            <a:schemeClr val="tx1"/>
+          </a:fontRef>
+        </p:style>
+      </p:cxnSp>
+      <p:sp>
+        <p:nvSpPr>
+          <p:cNvPr id="12" name="Rectangle: Rounded Corners 11">
+            <a:extLst>
+              <a:ext uri="{FF2B5EF4-FFF2-40B4-BE49-F238E27FC236}">
+                <a16:creationId xmlns:a16="http://schemas.microsoft.com/office/drawing/2014/main" id="{BB3CB571-8888-09CE-00E6-4EFB52DA5C0B}"/>
+              </a:ext>
+            </a:extLst>
+          </p:cNvPr>
+          <p:cNvSpPr/>
+          <p:nvPr/>
+        </p:nvSpPr>
+        <p:spPr>
+          <a:xfrm>
+            <a:off x="2694357" y="1393036"/>
+            <a:ext cx="7194688" cy="3845169"/>
+          </a:xfrm>
+          <a:prstGeom prst="roundRect">
+            <a:avLst>
+              <a:gd name="adj" fmla="val 4246"/>
+            </a:avLst>
+          </a:prstGeom>
+          <a:solidFill>
+            <a:schemeClr val="bg1"/>
+          </a:solidFill>
+          <a:ln>
+            <a:noFill/>
+          </a:ln>
+          <a:effectLst>
+            <a:outerShdw blurRad="50800" dist="50800" dir="5400000" sx="102000" sy="102000" algn="ctr" rotWithShape="0">
+              <a:srgbClr val="000000">
+                <a:alpha val="10000"/>
+              </a:srgbClr>
+            </a:outerShdw>
+          </a:effectLst>
+        </p:spPr>
+        <p:style>
+          <a:lnRef idx="2">
+            <a:schemeClr val="accent1">
+              <a:shade val="15000"/>
+            </a:schemeClr>
+          </a:lnRef>
+          <a:fillRef idx="1">
+            <a:schemeClr val="accent1"/>
+          </a:fillRef>
+          <a:effectRef idx="0">
+            <a:schemeClr val="accent1"/>
+          </a:effectRef>
+          <a:fontRef idx="minor">
+            <a:schemeClr val="lt1"/>
+          </a:fontRef>
+        </p:style>
+        <p:txBody>
+          <a:bodyPr rtlCol="0" anchor="ctr"/>
+          <a:lstStyle/>
+          <a:p>
+            <a:endParaRPr lang="en-US" sz="3200" b="1">
+              <a:solidFill>
+                <a:schemeClr val="tx1"/>
+              </a:solidFill>
+              <a:latin typeface="Segoe UI Variable Text" pitchFamily="2" charset="0"/>
+              <a:ea typeface="Segoe UI Black" panose="020B0A02040204020203" pitchFamily="34" charset="0"/>
+              <a:cs typeface="Segoe UI Semibold" panose="020B0702040204020203" pitchFamily="34" charset="0"/>
+            </a:endParaRPr>
+          </a:p>
+        </p:txBody>
+      </p:sp>
+      <p:sp>
+        <p:nvSpPr>
+          <p:cNvPr id="31" name="Rectangle: Rounded Corners 30">
+            <a:extLst>
+              <a:ext uri="{FF2B5EF4-FFF2-40B4-BE49-F238E27FC236}">
+                <a16:creationId xmlns:a16="http://schemas.microsoft.com/office/drawing/2014/main" id="{7121A5A1-9CE8-24B0-3C23-07573C4EFBD8}"/>
+              </a:ext>
+            </a:extLst>
+          </p:cNvPr>
+          <p:cNvSpPr/>
+          <p:nvPr/>
+        </p:nvSpPr>
+        <p:spPr>
+          <a:xfrm>
+            <a:off x="2694357" y="5572563"/>
+            <a:ext cx="7194687" cy="3159956"/>
+          </a:xfrm>
+          <a:prstGeom prst="roundRect">
+            <a:avLst>
+              <a:gd name="adj" fmla="val 4246"/>
+            </a:avLst>
+          </a:prstGeom>
+          <a:solidFill>
+            <a:schemeClr val="bg1"/>
+          </a:solidFill>
+          <a:ln>
+            <a:noFill/>
+          </a:ln>
+          <a:effectLst>
+            <a:outerShdw blurRad="50800" dist="50800" dir="5400000" sx="102000" sy="102000" algn="ctr" rotWithShape="0">
+              <a:srgbClr val="000000">
+                <a:alpha val="10000"/>
+              </a:srgbClr>
+            </a:outerShdw>
+          </a:effectLst>
+        </p:spPr>
+        <p:style>
+          <a:lnRef idx="2">
+            <a:schemeClr val="accent1">
+              <a:shade val="15000"/>
+            </a:schemeClr>
+          </a:lnRef>
+          <a:fillRef idx="1">
+            <a:schemeClr val="accent1"/>
+          </a:fillRef>
+          <a:effectRef idx="0">
+            <a:schemeClr val="accent1"/>
+          </a:effectRef>
+          <a:fontRef idx="minor">
+            <a:schemeClr val="lt1"/>
+          </a:fontRef>
+        </p:style>
+        <p:txBody>
+          <a:bodyPr rtlCol="0" anchor="ctr"/>
+          <a:lstStyle/>
+          <a:p>
+            <a:endParaRPr lang="en-US" sz="3200" b="1">
+              <a:solidFill>
+                <a:schemeClr val="tx1"/>
+              </a:solidFill>
+              <a:latin typeface="Segoe UI Variable Text" pitchFamily="2" charset="0"/>
+              <a:ea typeface="Segoe UI Black" panose="020B0A02040204020203" pitchFamily="34" charset="0"/>
+              <a:cs typeface="Segoe UI Semibold" panose="020B0702040204020203" pitchFamily="34" charset="0"/>
+            </a:endParaRPr>
+          </a:p>
+        </p:txBody>
+      </p:sp>
+      <p:sp>
+        <p:nvSpPr>
+          <p:cNvPr id="32" name="Rectangle: Rounded Corners 31">
+            <a:extLst>
+              <a:ext uri="{FF2B5EF4-FFF2-40B4-BE49-F238E27FC236}">
+                <a16:creationId xmlns:a16="http://schemas.microsoft.com/office/drawing/2014/main" id="{4164E6FF-A23C-274C-21E6-3009BF008BEF}"/>
+              </a:ext>
+            </a:extLst>
+          </p:cNvPr>
+          <p:cNvSpPr/>
+          <p:nvPr/>
+        </p:nvSpPr>
+        <p:spPr>
+          <a:xfrm>
+            <a:off x="10313568" y="1393037"/>
+            <a:ext cx="6330711" cy="7339482"/>
+          </a:xfrm>
+          <a:prstGeom prst="roundRect">
+            <a:avLst>
+              <a:gd name="adj" fmla="val 2037"/>
+            </a:avLst>
+          </a:prstGeom>
+          <a:solidFill>
+            <a:schemeClr val="bg1"/>
+          </a:solidFill>
+          <a:ln>
+            <a:noFill/>
+          </a:ln>
+          <a:effectLst>
+            <a:outerShdw blurRad="50800" dist="50800" dir="5400000" sx="102000" sy="102000" algn="ctr" rotWithShape="0">
+              <a:srgbClr val="000000">
+                <a:alpha val="10000"/>
+              </a:srgbClr>
+            </a:outerShdw>
+          </a:effectLst>
+        </p:spPr>
+        <p:style>
+          <a:lnRef idx="2">
+            <a:schemeClr val="accent1">
+              <a:shade val="15000"/>
+            </a:schemeClr>
+          </a:lnRef>
+          <a:fillRef idx="1">
+            <a:schemeClr val="accent1"/>
+          </a:fillRef>
+          <a:effectRef idx="0">
+            <a:schemeClr val="accent1"/>
+          </a:effectRef>
+          <a:fontRef idx="minor">
+            <a:schemeClr val="lt1"/>
+          </a:fontRef>
+        </p:style>
+        <p:txBody>
+          <a:bodyPr rtlCol="0" anchor="ctr"/>
+          <a:lstStyle/>
+          <a:p>
+            <a:endParaRPr lang="en-US" sz="3200" b="1">
+              <a:solidFill>
+                <a:schemeClr val="tx1"/>
+              </a:solidFill>
+              <a:latin typeface="Segoe UI Variable Text" pitchFamily="2" charset="0"/>
+              <a:ea typeface="Segoe UI Black" panose="020B0A02040204020203" pitchFamily="34" charset="0"/>
+              <a:cs typeface="Segoe UI Semibold" panose="020B0702040204020203" pitchFamily="34" charset="0"/>
+            </a:endParaRPr>
+          </a:p>
+        </p:txBody>
+      </p:sp>
+      <p:sp>
+        <p:nvSpPr>
+          <p:cNvPr id="11" name="Rectangle 10">
+            <a:extLst>
+              <a:ext uri="{FF2B5EF4-FFF2-40B4-BE49-F238E27FC236}">
+                <a16:creationId xmlns:a16="http://schemas.microsoft.com/office/drawing/2014/main" id="{720ED2C9-B975-500E-89AE-0E66A02DA409}"/>
+              </a:ext>
+            </a:extLst>
+          </p:cNvPr>
+          <p:cNvSpPr>
+            <a:spLocks noGrp="1" noRot="1" noMove="1" noResize="1" noEditPoints="1" noAdjustHandles="1" noChangeArrowheads="1" noChangeShapeType="1"/>
+          </p:cNvSpPr>
+          <p:nvPr/>
+        </p:nvSpPr>
+        <p:spPr>
+          <a:xfrm>
+            <a:off x="2694357" y="411480"/>
+            <a:ext cx="13949917" cy="816819"/>
+          </a:xfrm>
+          <a:prstGeom prst="rect">
+            <a:avLst/>
+          </a:prstGeom>
+          <a:noFill/>
+          <a:ln>
+            <a:noFill/>
+          </a:ln>
+        </p:spPr>
+        <p:style>
+          <a:lnRef idx="2">
+            <a:schemeClr val="accent1">
+              <a:shade val="15000"/>
+            </a:schemeClr>
+          </a:lnRef>
+          <a:fillRef idx="1">
+            <a:schemeClr val="accent1"/>
+          </a:fillRef>
+          <a:effectRef idx="0">
+            <a:schemeClr val="accent1"/>
+          </a:effectRef>
+          <a:fontRef idx="minor">
+            <a:schemeClr val="lt1"/>
+          </a:fontRef>
+        </p:style>
+        <p:txBody>
+          <a:bodyPr rtlCol="0" anchor="ctr"/>
+          <a:lstStyle/>
+          <a:p>
+            <a:pPr>
+              <a:lnSpc>
+                <a:spcPts val="3000"/>
+              </a:lnSpc>
+            </a:pPr>
+            <a:r>
+              <a:rPr lang="en-US" sz="3200" b="1" dirty="0">
+                <a:solidFill>
+                  <a:schemeClr val="tx1"/>
+                </a:solidFill>
+                <a:latin typeface="Segoe UI Variable Text" pitchFamily="2" charset="0"/>
+                <a:ea typeface="Segoe UI Black" panose="020B0A02040204020203" pitchFamily="34" charset="0"/>
+                <a:cs typeface="Segoe UI Semibold" panose="020B0702040204020203" pitchFamily="34" charset="0"/>
+              </a:rPr>
+              <a:t>Conversion Analysis Dashboard</a:t>
+            </a:r>
+          </a:p>
+          <a:p>
+            <a:pPr>
+              <a:lnSpc>
+                <a:spcPts val="3000"/>
+              </a:lnSpc>
+            </a:pPr>
+            <a:r>
+              <a:rPr lang="en-US" dirty="0">
+                <a:solidFill>
+                  <a:schemeClr val="tx1"/>
+                </a:solidFill>
+                <a:latin typeface="Segoe UI Variable Display Light" pitchFamily="2" charset="0"/>
+                <a:ea typeface="Segoe UI Black" panose="020B0A02040204020203" pitchFamily="34" charset="0"/>
+                <a:cs typeface="Segoe UI Semibold" panose="020B0702040204020203" pitchFamily="34" charset="0"/>
+              </a:rPr>
+              <a:t>Uncover key leakage points and understand what drives or hinders customer retention.</a:t>
+            </a:r>
+          </a:p>
+        </p:txBody>
+      </p:sp>
+      <p:sp>
+        <p:nvSpPr>
+          <p:cNvPr id="14" name="Rectangle 13" hidden="1">
+            <a:extLst>
+              <a:ext uri="{FF2B5EF4-FFF2-40B4-BE49-F238E27FC236}">
+                <a16:creationId xmlns:a16="http://schemas.microsoft.com/office/drawing/2014/main" id="{3048FB67-8C5A-E2FF-ADD0-0488D996B4C7}"/>
+              </a:ext>
+            </a:extLst>
+          </p:cNvPr>
+          <p:cNvSpPr>
+            <a:spLocks noGrp="1" noRot="1" noMove="1" noResize="1" noEditPoints="1" noAdjustHandles="1" noChangeArrowheads="1" noChangeShapeType="1"/>
+          </p:cNvSpPr>
+          <p:nvPr/>
+        </p:nvSpPr>
+        <p:spPr>
+          <a:xfrm>
+            <a:off x="217716" y="0"/>
+            <a:ext cx="417282" cy="9144000"/>
+          </a:xfrm>
+          <a:prstGeom prst="rect">
+            <a:avLst/>
+          </a:prstGeom>
+          <a:noFill/>
+          <a:ln>
+            <a:solidFill>
+              <a:schemeClr val="tx1"/>
+            </a:solidFill>
+          </a:ln>
+        </p:spPr>
+        <p:style>
+          <a:lnRef idx="2">
+            <a:schemeClr val="accent1">
+              <a:shade val="15000"/>
+            </a:schemeClr>
+          </a:lnRef>
+          <a:fillRef idx="1">
+            <a:schemeClr val="accent1"/>
+          </a:fillRef>
+          <a:effectRef idx="0">
+            <a:schemeClr val="accent1"/>
+          </a:effectRef>
+          <a:fontRef idx="minor">
+            <a:schemeClr val="lt1"/>
+          </a:fontRef>
+        </p:style>
+        <p:txBody>
+          <a:bodyPr rtlCol="0" anchor="ctr"/>
+          <a:lstStyle/>
+          <a:p>
+            <a:endParaRPr lang="en-US" sz="3200" b="1">
+              <a:solidFill>
+                <a:schemeClr val="tx1"/>
+              </a:solidFill>
+              <a:latin typeface="Segoe UI Variable Text" pitchFamily="2" charset="0"/>
+              <a:ea typeface="Segoe UI Black" panose="020B0A02040204020203" pitchFamily="34" charset="0"/>
+              <a:cs typeface="Segoe UI Semibold" panose="020B0702040204020203" pitchFamily="34" charset="0"/>
+            </a:endParaRPr>
+          </a:p>
+        </p:txBody>
+      </p:sp>
+      <p:sp>
+        <p:nvSpPr>
+          <p:cNvPr id="15" name="Rectangle 14" hidden="1">
+            <a:extLst>
+              <a:ext uri="{FF2B5EF4-FFF2-40B4-BE49-F238E27FC236}">
+                <a16:creationId xmlns:a16="http://schemas.microsoft.com/office/drawing/2014/main" id="{91525071-8521-C2C4-A948-4F2A5D06E9FA}"/>
+              </a:ext>
+            </a:extLst>
+          </p:cNvPr>
+          <p:cNvSpPr>
+            <a:spLocks/>
+          </p:cNvSpPr>
+          <p:nvPr/>
+        </p:nvSpPr>
+        <p:spPr>
+          <a:xfrm>
+            <a:off x="16651518" y="0"/>
+            <a:ext cx="417282" cy="9144000"/>
+          </a:xfrm>
+          <a:prstGeom prst="rect">
+            <a:avLst/>
+          </a:prstGeom>
+          <a:solidFill>
+            <a:srgbClr val="C00000"/>
+          </a:solidFill>
+          <a:ln>
+            <a:solidFill>
+              <a:schemeClr val="tx1"/>
+            </a:solidFill>
+          </a:ln>
+        </p:spPr>
+        <p:style>
+          <a:lnRef idx="2">
+            <a:schemeClr val="accent1">
+              <a:shade val="15000"/>
+            </a:schemeClr>
+          </a:lnRef>
+          <a:fillRef idx="1">
+            <a:schemeClr val="accent1"/>
+          </a:fillRef>
+          <a:effectRef idx="0">
+            <a:schemeClr val="accent1"/>
+          </a:effectRef>
+          <a:fontRef idx="minor">
+            <a:schemeClr val="lt1"/>
+          </a:fontRef>
+        </p:style>
+        <p:txBody>
+          <a:bodyPr rtlCol="0" anchor="ctr"/>
+          <a:lstStyle/>
+          <a:p>
+            <a:endParaRPr lang="en-US" sz="3200" b="1">
+              <a:solidFill>
+                <a:schemeClr val="tx1"/>
+              </a:solidFill>
+              <a:latin typeface="Segoe UI Variable Text" pitchFamily="2" charset="0"/>
+              <a:ea typeface="Segoe UI Black" panose="020B0A02040204020203" pitchFamily="34" charset="0"/>
+              <a:cs typeface="Segoe UI Semibold" panose="020B0702040204020203" pitchFamily="34" charset="0"/>
+            </a:endParaRPr>
+          </a:p>
+        </p:txBody>
+      </p:sp>
+      <p:sp>
+        <p:nvSpPr>
+          <p:cNvPr id="17" name="Rectangle 16" hidden="1">
+            <a:extLst>
+              <a:ext uri="{FF2B5EF4-FFF2-40B4-BE49-F238E27FC236}">
+                <a16:creationId xmlns:a16="http://schemas.microsoft.com/office/drawing/2014/main" id="{2E210C70-E6BC-01E8-69AA-6B3DDF8E00E9}"/>
+              </a:ext>
+            </a:extLst>
+          </p:cNvPr>
+          <p:cNvSpPr>
+            <a:spLocks/>
+          </p:cNvSpPr>
+          <p:nvPr/>
+        </p:nvSpPr>
+        <p:spPr>
+          <a:xfrm>
+            <a:off x="2269839" y="0"/>
+            <a:ext cx="417282" cy="9144000"/>
+          </a:xfrm>
+          <a:prstGeom prst="rect">
+            <a:avLst/>
+          </a:prstGeom>
+          <a:solidFill>
+            <a:srgbClr val="C00000"/>
+          </a:solidFill>
+          <a:ln>
+            <a:solidFill>
+              <a:schemeClr val="tx1"/>
+            </a:solidFill>
+          </a:ln>
+        </p:spPr>
+        <p:style>
+          <a:lnRef idx="2">
+            <a:schemeClr val="accent1">
+              <a:shade val="15000"/>
+            </a:schemeClr>
+          </a:lnRef>
+          <a:fillRef idx="1">
+            <a:schemeClr val="accent1"/>
+          </a:fillRef>
+          <a:effectRef idx="0">
+            <a:schemeClr val="accent1"/>
+          </a:effectRef>
+          <a:fontRef idx="minor">
+            <a:schemeClr val="lt1"/>
+          </a:fontRef>
+        </p:style>
+        <p:txBody>
+          <a:bodyPr rtlCol="0" anchor="ctr"/>
+          <a:lstStyle/>
+          <a:p>
+            <a:endParaRPr lang="en-US" sz="3200" b="1">
+              <a:solidFill>
+                <a:schemeClr val="tx1"/>
+              </a:solidFill>
+              <a:latin typeface="Segoe UI Variable Text" pitchFamily="2" charset="0"/>
+              <a:ea typeface="Segoe UI Black" panose="020B0A02040204020203" pitchFamily="34" charset="0"/>
+              <a:cs typeface="Segoe UI Semibold" panose="020B0702040204020203" pitchFamily="34" charset="0"/>
+            </a:endParaRPr>
+          </a:p>
+        </p:txBody>
+      </p:sp>
+      <p:sp>
+        <p:nvSpPr>
+          <p:cNvPr id="19" name="Rectangle 18" hidden="1">
+            <a:extLst>
+              <a:ext uri="{FF2B5EF4-FFF2-40B4-BE49-F238E27FC236}">
+                <a16:creationId xmlns:a16="http://schemas.microsoft.com/office/drawing/2014/main" id="{2EC6817F-21FC-D1F9-6950-E2B3E8BEC0A1}"/>
+              </a:ext>
+            </a:extLst>
+          </p:cNvPr>
+          <p:cNvSpPr>
+            <a:spLocks/>
+          </p:cNvSpPr>
+          <p:nvPr/>
+        </p:nvSpPr>
+        <p:spPr>
+          <a:xfrm>
+            <a:off x="9491011" y="0"/>
+            <a:ext cx="356616" cy="9144000"/>
+          </a:xfrm>
+          <a:prstGeom prst="rect">
+            <a:avLst/>
+          </a:prstGeom>
+          <a:solidFill>
+            <a:srgbClr val="C00000"/>
+          </a:solidFill>
+          <a:ln>
+            <a:solidFill>
+              <a:schemeClr val="tx1"/>
+            </a:solidFill>
+          </a:ln>
+        </p:spPr>
+        <p:style>
+          <a:lnRef idx="2">
+            <a:schemeClr val="accent1">
+              <a:shade val="15000"/>
+            </a:schemeClr>
+          </a:lnRef>
+          <a:fillRef idx="1">
+            <a:schemeClr val="accent1"/>
+          </a:fillRef>
+          <a:effectRef idx="0">
+            <a:schemeClr val="accent1"/>
+          </a:effectRef>
+          <a:fontRef idx="minor">
+            <a:schemeClr val="lt1"/>
+          </a:fontRef>
+        </p:style>
+        <p:txBody>
+          <a:bodyPr rtlCol="0" anchor="ctr"/>
+          <a:lstStyle/>
+          <a:p>
+            <a:endParaRPr lang="en-US" sz="3200" b="1">
+              <a:solidFill>
+                <a:schemeClr val="tx1"/>
+              </a:solidFill>
+              <a:latin typeface="Segoe UI Variable Text" pitchFamily="2" charset="0"/>
+              <a:ea typeface="Segoe UI Black" panose="020B0A02040204020203" pitchFamily="34" charset="0"/>
+              <a:cs typeface="Segoe UI Semibold" panose="020B0702040204020203" pitchFamily="34" charset="0"/>
+            </a:endParaRPr>
+          </a:p>
+        </p:txBody>
+      </p:sp>
+      <p:sp>
+        <p:nvSpPr>
+          <p:cNvPr id="20" name="Rectangle 19" hidden="1">
+            <a:extLst>
+              <a:ext uri="{FF2B5EF4-FFF2-40B4-BE49-F238E27FC236}">
+                <a16:creationId xmlns:a16="http://schemas.microsoft.com/office/drawing/2014/main" id="{B4AE4608-C8F6-AB35-07A8-FF1BDDFE6257}"/>
+              </a:ext>
+            </a:extLst>
+          </p:cNvPr>
+          <p:cNvSpPr>
+            <a:spLocks/>
+          </p:cNvSpPr>
+          <p:nvPr/>
+        </p:nvSpPr>
+        <p:spPr>
+          <a:xfrm>
+            <a:off x="2687120" y="4902200"/>
+            <a:ext cx="13964397" cy="352188"/>
+          </a:xfrm>
+          <a:prstGeom prst="rect">
+            <a:avLst/>
+          </a:prstGeom>
+          <a:solidFill>
+            <a:srgbClr val="C00000"/>
+          </a:solidFill>
+          <a:ln>
+            <a:solidFill>
+              <a:schemeClr val="tx1"/>
+            </a:solidFill>
+          </a:ln>
+        </p:spPr>
+        <p:style>
+          <a:lnRef idx="2">
+            <a:schemeClr val="accent1">
+              <a:shade val="15000"/>
+            </a:schemeClr>
+          </a:lnRef>
+          <a:fillRef idx="1">
+            <a:schemeClr val="accent1"/>
+          </a:fillRef>
+          <a:effectRef idx="0">
+            <a:schemeClr val="accent1"/>
+          </a:effectRef>
+          <a:fontRef idx="minor">
+            <a:schemeClr val="lt1"/>
+          </a:fontRef>
+        </p:style>
+        <p:txBody>
+          <a:bodyPr rtlCol="0" anchor="ctr"/>
+          <a:lstStyle/>
+          <a:p>
+            <a:endParaRPr lang="en-US" sz="3200" b="1" dirty="0">
+              <a:solidFill>
+                <a:schemeClr val="tx1"/>
+              </a:solidFill>
+              <a:latin typeface="Segoe UI Variable Text" pitchFamily="2" charset="0"/>
+              <a:ea typeface="Segoe UI Black" panose="020B0A02040204020203" pitchFamily="34" charset="0"/>
+              <a:cs typeface="Segoe UI Semibold" panose="020B0702040204020203" pitchFamily="34" charset="0"/>
+            </a:endParaRPr>
+          </a:p>
+        </p:txBody>
+      </p:sp>
+      <p:pic>
+        <p:nvPicPr>
+          <p:cNvPr id="24" name="Picture 23" hidden="1">
+            <a:extLst>
+              <a:ext uri="{FF2B5EF4-FFF2-40B4-BE49-F238E27FC236}">
+                <a16:creationId xmlns:a16="http://schemas.microsoft.com/office/drawing/2014/main" id="{EE774686-AA33-8334-71C0-A8CF9441982C}"/>
+              </a:ext>
+            </a:extLst>
+          </p:cNvPr>
+          <p:cNvPicPr>
+            <a:picLocks noChangeAspect="1"/>
+          </p:cNvPicPr>
+          <p:nvPr/>
+        </p:nvPicPr>
+        <p:blipFill>
+          <a:blip r:embed="rId2"/>
+          <a:stretch>
+            <a:fillRect/>
+          </a:stretch>
+        </p:blipFill>
+        <p:spPr>
+          <a:xfrm>
+            <a:off x="2694357" y="1393035"/>
+            <a:ext cx="6803889" cy="3845169"/>
+          </a:xfrm>
+          <a:prstGeom prst="rect">
+            <a:avLst/>
+          </a:prstGeom>
+        </p:spPr>
+      </p:pic>
+      <p:pic>
+        <p:nvPicPr>
+          <p:cNvPr id="26" name="Picture 25" hidden="1">
+            <a:extLst>
+              <a:ext uri="{FF2B5EF4-FFF2-40B4-BE49-F238E27FC236}">
+                <a16:creationId xmlns:a16="http://schemas.microsoft.com/office/drawing/2014/main" id="{3A8EDC3D-1D84-BE75-5140-634538337A53}"/>
+              </a:ext>
+            </a:extLst>
+          </p:cNvPr>
+          <p:cNvPicPr>
+            <a:picLocks noChangeAspect="1"/>
+          </p:cNvPicPr>
+          <p:nvPr/>
+        </p:nvPicPr>
+        <p:blipFill>
+          <a:blip r:embed="rId3"/>
+          <a:stretch>
+            <a:fillRect/>
+          </a:stretch>
+        </p:blipFill>
+        <p:spPr>
+          <a:xfrm>
+            <a:off x="9854862" y="1393035"/>
+            <a:ext cx="6796655" cy="7339484"/>
+          </a:xfrm>
+          <a:prstGeom prst="rect">
+            <a:avLst/>
+          </a:prstGeom>
+        </p:spPr>
+      </p:pic>
+      <p:pic>
+        <p:nvPicPr>
+          <p:cNvPr id="28" name="Picture 27" hidden="1">
+            <a:extLst>
+              <a:ext uri="{FF2B5EF4-FFF2-40B4-BE49-F238E27FC236}">
+                <a16:creationId xmlns:a16="http://schemas.microsoft.com/office/drawing/2014/main" id="{DA017B61-8575-5925-3DBF-19D6D4220D98}"/>
+              </a:ext>
+            </a:extLst>
+          </p:cNvPr>
+          <p:cNvPicPr>
+            <a:picLocks noChangeAspect="1"/>
+          </p:cNvPicPr>
+          <p:nvPr/>
+        </p:nvPicPr>
+        <p:blipFill>
+          <a:blip r:embed="rId4"/>
+          <a:stretch>
+            <a:fillRect/>
+          </a:stretch>
+        </p:blipFill>
+        <p:spPr>
+          <a:xfrm>
+            <a:off x="2694357" y="5572561"/>
+            <a:ext cx="6803887" cy="3159957"/>
+          </a:xfrm>
+          <a:prstGeom prst="rect">
+            <a:avLst/>
+          </a:prstGeom>
+        </p:spPr>
+      </p:pic>
+    </p:spTree>
+    <p:extLst>
+      <p:ext uri="{BB962C8B-B14F-4D97-AF65-F5344CB8AC3E}">
+        <p14:creationId xmlns:p14="http://schemas.microsoft.com/office/powerpoint/2010/main" val="261949226"/>
       </p:ext>
     </p:extLst>
   </p:cSld>

--- a/Power BI Report/Dashboard Layout.pptx
+++ b/Power BI Report/Dashboard Layout.pptx
@@ -8,6 +8,7 @@
     <p:sldId id="258" r:id="rId2"/>
     <p:sldId id="257" r:id="rId3"/>
     <p:sldId id="256" r:id="rId4"/>
+    <p:sldId id="259" r:id="rId5"/>
   </p:sldIdLst>
   <p:sldSz cx="17373600" cy="9144000"/>
   <p:notesSz cx="6858000" cy="9144000"/>
@@ -245,7 +246,7 @@
           <a:p>
             <a:fld id="{7A2C6692-EA0D-4861-862E-DDC209ABBD47}" type="datetimeFigureOut">
               <a:rPr lang="en-US" smtClean="0"/>
-              <a:t>10/20/2025</a:t>
+              <a:t>10/25/2025</a:t>
             </a:fld>
             <a:endParaRPr lang="en-US"/>
           </a:p>
@@ -415,7 +416,7 @@
           <a:p>
             <a:fld id="{7A2C6692-EA0D-4861-862E-DDC209ABBD47}" type="datetimeFigureOut">
               <a:rPr lang="en-US" smtClean="0"/>
-              <a:t>10/20/2025</a:t>
+              <a:t>10/25/2025</a:t>
             </a:fld>
             <a:endParaRPr lang="en-US"/>
           </a:p>
@@ -595,7 +596,7 @@
           <a:p>
             <a:fld id="{7A2C6692-EA0D-4861-862E-DDC209ABBD47}" type="datetimeFigureOut">
               <a:rPr lang="en-US" smtClean="0"/>
-              <a:t>10/20/2025</a:t>
+              <a:t>10/25/2025</a:t>
             </a:fld>
             <a:endParaRPr lang="en-US"/>
           </a:p>
@@ -765,7 +766,7 @@
           <a:p>
             <a:fld id="{7A2C6692-EA0D-4861-862E-DDC209ABBD47}" type="datetimeFigureOut">
               <a:rPr lang="en-US" smtClean="0"/>
-              <a:t>10/20/2025</a:t>
+              <a:t>10/25/2025</a:t>
             </a:fld>
             <a:endParaRPr lang="en-US"/>
           </a:p>
@@ -1011,7 +1012,7 @@
           <a:p>
             <a:fld id="{7A2C6692-EA0D-4861-862E-DDC209ABBD47}" type="datetimeFigureOut">
               <a:rPr lang="en-US" smtClean="0"/>
-              <a:t>10/20/2025</a:t>
+              <a:t>10/25/2025</a:t>
             </a:fld>
             <a:endParaRPr lang="en-US"/>
           </a:p>
@@ -1243,7 +1244,7 @@
           <a:p>
             <a:fld id="{7A2C6692-EA0D-4861-862E-DDC209ABBD47}" type="datetimeFigureOut">
               <a:rPr lang="en-US" smtClean="0"/>
-              <a:t>10/20/2025</a:t>
+              <a:t>10/25/2025</a:t>
             </a:fld>
             <a:endParaRPr lang="en-US"/>
           </a:p>
@@ -1610,7 +1611,7 @@
           <a:p>
             <a:fld id="{7A2C6692-EA0D-4861-862E-DDC209ABBD47}" type="datetimeFigureOut">
               <a:rPr lang="en-US" smtClean="0"/>
-              <a:t>10/20/2025</a:t>
+              <a:t>10/25/2025</a:t>
             </a:fld>
             <a:endParaRPr lang="en-US"/>
           </a:p>
@@ -1728,7 +1729,7 @@
           <a:p>
             <a:fld id="{7A2C6692-EA0D-4861-862E-DDC209ABBD47}" type="datetimeFigureOut">
               <a:rPr lang="en-US" smtClean="0"/>
-              <a:t>10/20/2025</a:t>
+              <a:t>10/25/2025</a:t>
             </a:fld>
             <a:endParaRPr lang="en-US"/>
           </a:p>
@@ -1823,7 +1824,7 @@
           <a:p>
             <a:fld id="{7A2C6692-EA0D-4861-862E-DDC209ABBD47}" type="datetimeFigureOut">
               <a:rPr lang="en-US" smtClean="0"/>
-              <a:t>10/20/2025</a:t>
+              <a:t>10/25/2025</a:t>
             </a:fld>
             <a:endParaRPr lang="en-US"/>
           </a:p>
@@ -2100,7 +2101,7 @@
           <a:p>
             <a:fld id="{7A2C6692-EA0D-4861-862E-DDC209ABBD47}" type="datetimeFigureOut">
               <a:rPr lang="en-US" smtClean="0"/>
-              <a:t>10/20/2025</a:t>
+              <a:t>10/25/2025</a:t>
             </a:fld>
             <a:endParaRPr lang="en-US"/>
           </a:p>
@@ -2357,7 +2358,7 @@
           <a:p>
             <a:fld id="{7A2C6692-EA0D-4861-862E-DDC209ABBD47}" type="datetimeFigureOut">
               <a:rPr lang="en-US" smtClean="0"/>
-              <a:t>10/20/2025</a:t>
+              <a:t>10/25/2025</a:t>
             </a:fld>
             <a:endParaRPr lang="en-US"/>
           </a:p>
@@ -2570,7 +2571,7 @@
           <a:p>
             <a:fld id="{7A2C6692-EA0D-4861-862E-DDC209ABBD47}" type="datetimeFigureOut">
               <a:rPr lang="en-US" smtClean="0"/>
-              <a:t>10/20/2025</a:t>
+              <a:t>10/25/2025</a:t>
             </a:fld>
             <a:endParaRPr lang="en-US"/>
           </a:p>
@@ -5528,6 +5529,975 @@
 </p:sld>
 </file>
 
+<file path=ppt/slides/slide4.xml><?xml version="1.0" encoding="utf-8"?>
+<p:sld xmlns:a="http://schemas.openxmlformats.org/drawingml/2006/main" xmlns:r="http://schemas.openxmlformats.org/officeDocument/2006/relationships" xmlns:p="http://schemas.openxmlformats.org/presentationml/2006/main">
+  <p:cSld>
+    <p:bg>
+      <p:bgPr>
+        <a:solidFill>
+          <a:srgbClr val="B2292E"/>
+        </a:solidFill>
+        <a:effectLst/>
+      </p:bgPr>
+    </p:bg>
+    <p:spTree>
+      <p:nvGrpSpPr>
+        <p:cNvPr id="1" name="">
+          <a:extLst>
+            <a:ext uri="{FF2B5EF4-FFF2-40B4-BE49-F238E27FC236}">
+              <a16:creationId xmlns:a16="http://schemas.microsoft.com/office/drawing/2014/main" id="{31E62497-8B87-6E88-3DDE-E0E8E74DA1B6}"/>
+            </a:ext>
+          </a:extLst>
+        </p:cNvPr>
+        <p:cNvGrpSpPr/>
+        <p:nvPr/>
+      </p:nvGrpSpPr>
+      <p:grpSpPr>
+        <a:xfrm>
+          <a:off x="0" y="0"/>
+          <a:ext cx="0" cy="0"/>
+          <a:chOff x="0" y="0"/>
+          <a:chExt cx="0" cy="0"/>
+        </a:xfrm>
+      </p:grpSpPr>
+      <p:sp>
+        <p:nvSpPr>
+          <p:cNvPr id="4" name="Rectangle: Rounded Corners 3">
+            <a:extLst>
+              <a:ext uri="{FF2B5EF4-FFF2-40B4-BE49-F238E27FC236}">
+                <a16:creationId xmlns:a16="http://schemas.microsoft.com/office/drawing/2014/main" id="{74F37936-A7E8-0F4A-E73D-CA511156851C}"/>
+              </a:ext>
+            </a:extLst>
+          </p:cNvPr>
+          <p:cNvSpPr>
+            <a:spLocks noGrp="1" noRot="1" noMove="1" noResize="1" noEditPoints="1" noAdjustHandles="1" noChangeArrowheads="1" noChangeShapeType="1"/>
+          </p:cNvSpPr>
+          <p:nvPr/>
+        </p:nvSpPr>
+        <p:spPr>
+          <a:xfrm>
+            <a:off x="217716" y="246743"/>
+            <a:ext cx="16851084" cy="8650514"/>
+          </a:xfrm>
+          <a:prstGeom prst="roundRect">
+            <a:avLst>
+              <a:gd name="adj" fmla="val 4623"/>
+            </a:avLst>
+          </a:prstGeom>
+          <a:solidFill>
+            <a:srgbClr val="F7F7F7"/>
+          </a:solidFill>
+          <a:ln>
+            <a:noFill/>
+          </a:ln>
+          <a:effectLst>
+            <a:outerShdw blurRad="50800" dist="50800" dir="5400000" algn="ctr" rotWithShape="0">
+              <a:srgbClr val="000000">
+                <a:alpha val="11000"/>
+              </a:srgbClr>
+            </a:outerShdw>
+          </a:effectLst>
+        </p:spPr>
+        <p:style>
+          <a:lnRef idx="2">
+            <a:schemeClr val="accent1">
+              <a:shade val="15000"/>
+            </a:schemeClr>
+          </a:lnRef>
+          <a:fillRef idx="1">
+            <a:schemeClr val="accent1"/>
+          </a:fillRef>
+          <a:effectRef idx="0">
+            <a:schemeClr val="accent1"/>
+          </a:effectRef>
+          <a:fontRef idx="minor">
+            <a:schemeClr val="lt1"/>
+          </a:fontRef>
+        </p:style>
+        <p:txBody>
+          <a:bodyPr rtlCol="0" anchor="ctr"/>
+          <a:lstStyle/>
+          <a:p>
+            <a:pPr algn="ctr"/>
+            <a:endParaRPr lang="en-US" dirty="0"/>
+          </a:p>
+        </p:txBody>
+      </p:sp>
+      <p:cxnSp>
+        <p:nvCxnSpPr>
+          <p:cNvPr id="5" name="Straight Arrow Connector 4">
+            <a:extLst>
+              <a:ext uri="{FF2B5EF4-FFF2-40B4-BE49-F238E27FC236}">
+                <a16:creationId xmlns:a16="http://schemas.microsoft.com/office/drawing/2014/main" id="{399BC86D-689A-20F9-372C-ECA70F23BE36}"/>
+              </a:ext>
+            </a:extLst>
+          </p:cNvPr>
+          <p:cNvCxnSpPr>
+            <a:cxnSpLocks noGrp="1" noRot="1" noMove="1" noResize="1" noEditPoints="1" noAdjustHandles="1" noChangeArrowheads="1" noChangeShapeType="1"/>
+          </p:cNvCxnSpPr>
+          <p:nvPr/>
+        </p:nvCxnSpPr>
+        <p:spPr>
+          <a:xfrm>
+            <a:off x="2269839" y="411480"/>
+            <a:ext cx="0" cy="8321040"/>
+          </a:xfrm>
+          <a:prstGeom prst="straightConnector1">
+            <a:avLst/>
+          </a:prstGeom>
+          <a:ln w="25400">
+            <a:solidFill>
+              <a:schemeClr val="bg1">
+                <a:lumMod val="85000"/>
+              </a:schemeClr>
+            </a:solidFill>
+          </a:ln>
+        </p:spPr>
+        <p:style>
+          <a:lnRef idx="2">
+            <a:schemeClr val="accent1"/>
+          </a:lnRef>
+          <a:fillRef idx="0">
+            <a:schemeClr val="accent1"/>
+          </a:fillRef>
+          <a:effectRef idx="1">
+            <a:schemeClr val="accent1"/>
+          </a:effectRef>
+          <a:fontRef idx="minor">
+            <a:schemeClr val="tx1"/>
+          </a:fontRef>
+        </p:style>
+      </p:cxnSp>
+      <p:sp>
+        <p:nvSpPr>
+          <p:cNvPr id="12" name="Rectangle: Rounded Corners 11">
+            <a:extLst>
+              <a:ext uri="{FF2B5EF4-FFF2-40B4-BE49-F238E27FC236}">
+                <a16:creationId xmlns:a16="http://schemas.microsoft.com/office/drawing/2014/main" id="{84327F47-AAB0-BBD2-7540-75A7D6F81466}"/>
+              </a:ext>
+            </a:extLst>
+          </p:cNvPr>
+          <p:cNvSpPr/>
+          <p:nvPr/>
+        </p:nvSpPr>
+        <p:spPr>
+          <a:xfrm>
+            <a:off x="2694358" y="1393036"/>
+            <a:ext cx="2017341" cy="7339482"/>
+          </a:xfrm>
+          <a:prstGeom prst="roundRect">
+            <a:avLst>
+              <a:gd name="adj" fmla="val 4246"/>
+            </a:avLst>
+          </a:prstGeom>
+          <a:solidFill>
+            <a:schemeClr val="bg1"/>
+          </a:solidFill>
+          <a:ln>
+            <a:noFill/>
+          </a:ln>
+          <a:effectLst>
+            <a:outerShdw blurRad="50800" dist="50800" dir="5400000" sx="102000" sy="102000" algn="ctr" rotWithShape="0">
+              <a:srgbClr val="000000">
+                <a:alpha val="10000"/>
+              </a:srgbClr>
+            </a:outerShdw>
+          </a:effectLst>
+        </p:spPr>
+        <p:style>
+          <a:lnRef idx="2">
+            <a:schemeClr val="accent1">
+              <a:shade val="15000"/>
+            </a:schemeClr>
+          </a:lnRef>
+          <a:fillRef idx="1">
+            <a:schemeClr val="accent1"/>
+          </a:fillRef>
+          <a:effectRef idx="0">
+            <a:schemeClr val="accent1"/>
+          </a:effectRef>
+          <a:fontRef idx="minor">
+            <a:schemeClr val="lt1"/>
+          </a:fontRef>
+        </p:style>
+        <p:txBody>
+          <a:bodyPr rtlCol="0" anchor="ctr"/>
+          <a:lstStyle/>
+          <a:p>
+            <a:endParaRPr lang="en-US" sz="3200" b="1">
+              <a:solidFill>
+                <a:schemeClr val="tx1"/>
+              </a:solidFill>
+              <a:latin typeface="Segoe UI Variable Text" pitchFamily="2" charset="0"/>
+              <a:ea typeface="Segoe UI Black" panose="020B0A02040204020203" pitchFamily="34" charset="0"/>
+              <a:cs typeface="Segoe UI Semibold" panose="020B0702040204020203" pitchFamily="34" charset="0"/>
+            </a:endParaRPr>
+          </a:p>
+        </p:txBody>
+      </p:sp>
+      <p:sp>
+        <p:nvSpPr>
+          <p:cNvPr id="32" name="Rectangle: Rounded Corners 31">
+            <a:extLst>
+              <a:ext uri="{FF2B5EF4-FFF2-40B4-BE49-F238E27FC236}">
+                <a16:creationId xmlns:a16="http://schemas.microsoft.com/office/drawing/2014/main" id="{35772C2E-2E0C-B23C-1201-52BA9173C4FD}"/>
+              </a:ext>
+            </a:extLst>
+          </p:cNvPr>
+          <p:cNvSpPr/>
+          <p:nvPr/>
+        </p:nvSpPr>
+        <p:spPr>
+          <a:xfrm>
+            <a:off x="12471400" y="1393037"/>
+            <a:ext cx="4172879" cy="7339482"/>
+          </a:xfrm>
+          <a:prstGeom prst="roundRect">
+            <a:avLst>
+              <a:gd name="adj" fmla="val 2037"/>
+            </a:avLst>
+          </a:prstGeom>
+          <a:solidFill>
+            <a:schemeClr val="bg1"/>
+          </a:solidFill>
+          <a:ln>
+            <a:noFill/>
+          </a:ln>
+          <a:effectLst>
+            <a:outerShdw blurRad="50800" dist="50800" dir="5400000" sx="102000" sy="102000" algn="ctr" rotWithShape="0">
+              <a:srgbClr val="000000">
+                <a:alpha val="10000"/>
+              </a:srgbClr>
+            </a:outerShdw>
+          </a:effectLst>
+        </p:spPr>
+        <p:style>
+          <a:lnRef idx="2">
+            <a:schemeClr val="accent1">
+              <a:shade val="15000"/>
+            </a:schemeClr>
+          </a:lnRef>
+          <a:fillRef idx="1">
+            <a:schemeClr val="accent1"/>
+          </a:fillRef>
+          <a:effectRef idx="0">
+            <a:schemeClr val="accent1"/>
+          </a:effectRef>
+          <a:fontRef idx="minor">
+            <a:schemeClr val="lt1"/>
+          </a:fontRef>
+        </p:style>
+        <p:txBody>
+          <a:bodyPr rtlCol="0" anchor="ctr"/>
+          <a:lstStyle/>
+          <a:p>
+            <a:endParaRPr lang="en-US" sz="3200" b="1">
+              <a:solidFill>
+                <a:schemeClr val="tx1"/>
+              </a:solidFill>
+              <a:latin typeface="Segoe UI Variable Text" pitchFamily="2" charset="0"/>
+              <a:ea typeface="Segoe UI Black" panose="020B0A02040204020203" pitchFamily="34" charset="0"/>
+              <a:cs typeface="Segoe UI Semibold" panose="020B0702040204020203" pitchFamily="34" charset="0"/>
+            </a:endParaRPr>
+          </a:p>
+        </p:txBody>
+      </p:sp>
+      <p:sp>
+        <p:nvSpPr>
+          <p:cNvPr id="11" name="Rectangle 10">
+            <a:extLst>
+              <a:ext uri="{FF2B5EF4-FFF2-40B4-BE49-F238E27FC236}">
+                <a16:creationId xmlns:a16="http://schemas.microsoft.com/office/drawing/2014/main" id="{3C7851FC-BFAC-8898-1006-41F5A7C419F8}"/>
+              </a:ext>
+            </a:extLst>
+          </p:cNvPr>
+          <p:cNvSpPr>
+            <a:spLocks noGrp="1" noRot="1" noMove="1" noResize="1" noEditPoints="1" noAdjustHandles="1" noChangeArrowheads="1" noChangeShapeType="1"/>
+          </p:cNvSpPr>
+          <p:nvPr/>
+        </p:nvSpPr>
+        <p:spPr>
+          <a:xfrm>
+            <a:off x="2694357" y="411480"/>
+            <a:ext cx="13949917" cy="816819"/>
+          </a:xfrm>
+          <a:prstGeom prst="rect">
+            <a:avLst/>
+          </a:prstGeom>
+          <a:noFill/>
+          <a:ln>
+            <a:noFill/>
+          </a:ln>
+        </p:spPr>
+        <p:style>
+          <a:lnRef idx="2">
+            <a:schemeClr val="accent1">
+              <a:shade val="15000"/>
+            </a:schemeClr>
+          </a:lnRef>
+          <a:fillRef idx="1">
+            <a:schemeClr val="accent1"/>
+          </a:fillRef>
+          <a:effectRef idx="0">
+            <a:schemeClr val="accent1"/>
+          </a:effectRef>
+          <a:fontRef idx="minor">
+            <a:schemeClr val="lt1"/>
+          </a:fontRef>
+        </p:style>
+        <p:txBody>
+          <a:bodyPr rtlCol="0" anchor="ctr"/>
+          <a:lstStyle/>
+          <a:p>
+            <a:pPr>
+              <a:lnSpc>
+                <a:spcPts val="3000"/>
+              </a:lnSpc>
+            </a:pPr>
+            <a:r>
+              <a:rPr lang="en-US" sz="3200" b="1" dirty="0">
+                <a:solidFill>
+                  <a:schemeClr val="tx1"/>
+                </a:solidFill>
+                <a:latin typeface="Segoe UI Variable Text" pitchFamily="2" charset="0"/>
+                <a:ea typeface="Segoe UI Black" panose="020B0A02040204020203" pitchFamily="34" charset="0"/>
+                <a:cs typeface="Segoe UI Semibold" panose="020B0702040204020203" pitchFamily="34" charset="0"/>
+              </a:rPr>
+              <a:t>Conversion Analysis Dashboard</a:t>
+            </a:r>
+          </a:p>
+          <a:p>
+            <a:pPr>
+              <a:lnSpc>
+                <a:spcPts val="3000"/>
+              </a:lnSpc>
+            </a:pPr>
+            <a:r>
+              <a:rPr lang="en-US" dirty="0">
+                <a:solidFill>
+                  <a:schemeClr val="tx1"/>
+                </a:solidFill>
+                <a:latin typeface="Segoe UI Variable Display Light" pitchFamily="2" charset="0"/>
+                <a:ea typeface="Segoe UI Black" panose="020B0A02040204020203" pitchFamily="34" charset="0"/>
+                <a:cs typeface="Segoe UI Semibold" panose="020B0702040204020203" pitchFamily="34" charset="0"/>
+              </a:rPr>
+              <a:t>Uncover key leakage points and understand what drives or hinders customer retention.</a:t>
+            </a:r>
+          </a:p>
+        </p:txBody>
+      </p:sp>
+      <p:sp>
+        <p:nvSpPr>
+          <p:cNvPr id="14" name="Rectangle 13" hidden="1">
+            <a:extLst>
+              <a:ext uri="{FF2B5EF4-FFF2-40B4-BE49-F238E27FC236}">
+                <a16:creationId xmlns:a16="http://schemas.microsoft.com/office/drawing/2014/main" id="{A7EDF8A4-EF5D-5376-2613-8B78EAA910E1}"/>
+              </a:ext>
+            </a:extLst>
+          </p:cNvPr>
+          <p:cNvSpPr>
+            <a:spLocks noGrp="1" noRot="1" noMove="1" noResize="1" noEditPoints="1" noAdjustHandles="1" noChangeArrowheads="1" noChangeShapeType="1"/>
+          </p:cNvSpPr>
+          <p:nvPr/>
+        </p:nvSpPr>
+        <p:spPr>
+          <a:xfrm>
+            <a:off x="217716" y="0"/>
+            <a:ext cx="417282" cy="9144000"/>
+          </a:xfrm>
+          <a:prstGeom prst="rect">
+            <a:avLst/>
+          </a:prstGeom>
+          <a:noFill/>
+          <a:ln>
+            <a:solidFill>
+              <a:schemeClr val="tx1"/>
+            </a:solidFill>
+          </a:ln>
+        </p:spPr>
+        <p:style>
+          <a:lnRef idx="2">
+            <a:schemeClr val="accent1">
+              <a:shade val="15000"/>
+            </a:schemeClr>
+          </a:lnRef>
+          <a:fillRef idx="1">
+            <a:schemeClr val="accent1"/>
+          </a:fillRef>
+          <a:effectRef idx="0">
+            <a:schemeClr val="accent1"/>
+          </a:effectRef>
+          <a:fontRef idx="minor">
+            <a:schemeClr val="lt1"/>
+          </a:fontRef>
+        </p:style>
+        <p:txBody>
+          <a:bodyPr rtlCol="0" anchor="ctr"/>
+          <a:lstStyle/>
+          <a:p>
+            <a:endParaRPr lang="en-US" sz="3200" b="1">
+              <a:solidFill>
+                <a:schemeClr val="tx1"/>
+              </a:solidFill>
+              <a:latin typeface="Segoe UI Variable Text" pitchFamily="2" charset="0"/>
+              <a:ea typeface="Segoe UI Black" panose="020B0A02040204020203" pitchFamily="34" charset="0"/>
+              <a:cs typeface="Segoe UI Semibold" panose="020B0702040204020203" pitchFamily="34" charset="0"/>
+            </a:endParaRPr>
+          </a:p>
+        </p:txBody>
+      </p:sp>
+      <p:sp>
+        <p:nvSpPr>
+          <p:cNvPr id="15" name="Rectangle 14" hidden="1">
+            <a:extLst>
+              <a:ext uri="{FF2B5EF4-FFF2-40B4-BE49-F238E27FC236}">
+                <a16:creationId xmlns:a16="http://schemas.microsoft.com/office/drawing/2014/main" id="{1BFA920A-7334-3120-7886-5415295DA717}"/>
+              </a:ext>
+            </a:extLst>
+          </p:cNvPr>
+          <p:cNvSpPr>
+            <a:spLocks/>
+          </p:cNvSpPr>
+          <p:nvPr/>
+        </p:nvSpPr>
+        <p:spPr>
+          <a:xfrm>
+            <a:off x="16651518" y="0"/>
+            <a:ext cx="417282" cy="9144000"/>
+          </a:xfrm>
+          <a:prstGeom prst="rect">
+            <a:avLst/>
+          </a:prstGeom>
+          <a:solidFill>
+            <a:srgbClr val="C00000"/>
+          </a:solidFill>
+          <a:ln>
+            <a:solidFill>
+              <a:schemeClr val="tx1"/>
+            </a:solidFill>
+          </a:ln>
+        </p:spPr>
+        <p:style>
+          <a:lnRef idx="2">
+            <a:schemeClr val="accent1">
+              <a:shade val="15000"/>
+            </a:schemeClr>
+          </a:lnRef>
+          <a:fillRef idx="1">
+            <a:schemeClr val="accent1"/>
+          </a:fillRef>
+          <a:effectRef idx="0">
+            <a:schemeClr val="accent1"/>
+          </a:effectRef>
+          <a:fontRef idx="minor">
+            <a:schemeClr val="lt1"/>
+          </a:fontRef>
+        </p:style>
+        <p:txBody>
+          <a:bodyPr rtlCol="0" anchor="ctr"/>
+          <a:lstStyle/>
+          <a:p>
+            <a:endParaRPr lang="en-US" sz="3200" b="1">
+              <a:solidFill>
+                <a:schemeClr val="tx1"/>
+              </a:solidFill>
+              <a:latin typeface="Segoe UI Variable Text" pitchFamily="2" charset="0"/>
+              <a:ea typeface="Segoe UI Black" panose="020B0A02040204020203" pitchFamily="34" charset="0"/>
+              <a:cs typeface="Segoe UI Semibold" panose="020B0702040204020203" pitchFamily="34" charset="0"/>
+            </a:endParaRPr>
+          </a:p>
+        </p:txBody>
+      </p:sp>
+      <p:sp>
+        <p:nvSpPr>
+          <p:cNvPr id="17" name="Rectangle 16" hidden="1">
+            <a:extLst>
+              <a:ext uri="{FF2B5EF4-FFF2-40B4-BE49-F238E27FC236}">
+                <a16:creationId xmlns:a16="http://schemas.microsoft.com/office/drawing/2014/main" id="{ABEFB464-4120-1C8F-DB6E-4E1F1D5D06DE}"/>
+              </a:ext>
+            </a:extLst>
+          </p:cNvPr>
+          <p:cNvSpPr>
+            <a:spLocks/>
+          </p:cNvSpPr>
+          <p:nvPr/>
+        </p:nvSpPr>
+        <p:spPr>
+          <a:xfrm>
+            <a:off x="2269839" y="0"/>
+            <a:ext cx="417282" cy="9144000"/>
+          </a:xfrm>
+          <a:prstGeom prst="rect">
+            <a:avLst/>
+          </a:prstGeom>
+          <a:solidFill>
+            <a:srgbClr val="C00000"/>
+          </a:solidFill>
+          <a:ln>
+            <a:solidFill>
+              <a:schemeClr val="tx1"/>
+            </a:solidFill>
+          </a:ln>
+        </p:spPr>
+        <p:style>
+          <a:lnRef idx="2">
+            <a:schemeClr val="accent1">
+              <a:shade val="15000"/>
+            </a:schemeClr>
+          </a:lnRef>
+          <a:fillRef idx="1">
+            <a:schemeClr val="accent1"/>
+          </a:fillRef>
+          <a:effectRef idx="0">
+            <a:schemeClr val="accent1"/>
+          </a:effectRef>
+          <a:fontRef idx="minor">
+            <a:schemeClr val="lt1"/>
+          </a:fontRef>
+        </p:style>
+        <p:txBody>
+          <a:bodyPr rtlCol="0" anchor="ctr"/>
+          <a:lstStyle/>
+          <a:p>
+            <a:endParaRPr lang="en-US" sz="3200" b="1">
+              <a:solidFill>
+                <a:schemeClr val="tx1"/>
+              </a:solidFill>
+              <a:latin typeface="Segoe UI Variable Text" pitchFamily="2" charset="0"/>
+              <a:ea typeface="Segoe UI Black" panose="020B0A02040204020203" pitchFamily="34" charset="0"/>
+              <a:cs typeface="Segoe UI Semibold" panose="020B0702040204020203" pitchFamily="34" charset="0"/>
+            </a:endParaRPr>
+          </a:p>
+        </p:txBody>
+      </p:sp>
+      <p:sp>
+        <p:nvSpPr>
+          <p:cNvPr id="19" name="Rectangle 18" hidden="1">
+            <a:extLst>
+              <a:ext uri="{FF2B5EF4-FFF2-40B4-BE49-F238E27FC236}">
+                <a16:creationId xmlns:a16="http://schemas.microsoft.com/office/drawing/2014/main" id="{99CCDCB0-91A2-6068-06D4-C2035F0F3E57}"/>
+              </a:ext>
+            </a:extLst>
+          </p:cNvPr>
+          <p:cNvSpPr>
+            <a:spLocks/>
+          </p:cNvSpPr>
+          <p:nvPr/>
+        </p:nvSpPr>
+        <p:spPr>
+          <a:xfrm>
+            <a:off x="9491011" y="0"/>
+            <a:ext cx="356616" cy="9144000"/>
+          </a:xfrm>
+          <a:prstGeom prst="rect">
+            <a:avLst/>
+          </a:prstGeom>
+          <a:solidFill>
+            <a:srgbClr val="C00000"/>
+          </a:solidFill>
+          <a:ln>
+            <a:solidFill>
+              <a:schemeClr val="tx1"/>
+            </a:solidFill>
+          </a:ln>
+        </p:spPr>
+        <p:style>
+          <a:lnRef idx="2">
+            <a:schemeClr val="accent1">
+              <a:shade val="15000"/>
+            </a:schemeClr>
+          </a:lnRef>
+          <a:fillRef idx="1">
+            <a:schemeClr val="accent1"/>
+          </a:fillRef>
+          <a:effectRef idx="0">
+            <a:schemeClr val="accent1"/>
+          </a:effectRef>
+          <a:fontRef idx="minor">
+            <a:schemeClr val="lt1"/>
+          </a:fontRef>
+        </p:style>
+        <p:txBody>
+          <a:bodyPr rtlCol="0" anchor="ctr"/>
+          <a:lstStyle/>
+          <a:p>
+            <a:endParaRPr lang="en-US" sz="3200" b="1">
+              <a:solidFill>
+                <a:schemeClr val="tx1"/>
+              </a:solidFill>
+              <a:latin typeface="Segoe UI Variable Text" pitchFamily="2" charset="0"/>
+              <a:ea typeface="Segoe UI Black" panose="020B0A02040204020203" pitchFamily="34" charset="0"/>
+              <a:cs typeface="Segoe UI Semibold" panose="020B0702040204020203" pitchFamily="34" charset="0"/>
+            </a:endParaRPr>
+          </a:p>
+        </p:txBody>
+      </p:sp>
+      <p:sp>
+        <p:nvSpPr>
+          <p:cNvPr id="20" name="Rectangle 19" hidden="1">
+            <a:extLst>
+              <a:ext uri="{FF2B5EF4-FFF2-40B4-BE49-F238E27FC236}">
+                <a16:creationId xmlns:a16="http://schemas.microsoft.com/office/drawing/2014/main" id="{8D6A04E3-B089-B3E1-1D9D-CF5833991CFF}"/>
+              </a:ext>
+            </a:extLst>
+          </p:cNvPr>
+          <p:cNvSpPr>
+            <a:spLocks/>
+          </p:cNvSpPr>
+          <p:nvPr/>
+        </p:nvSpPr>
+        <p:spPr>
+          <a:xfrm>
+            <a:off x="2687120" y="4902200"/>
+            <a:ext cx="13964397" cy="352188"/>
+          </a:xfrm>
+          <a:prstGeom prst="rect">
+            <a:avLst/>
+          </a:prstGeom>
+          <a:solidFill>
+            <a:srgbClr val="C00000"/>
+          </a:solidFill>
+          <a:ln>
+            <a:solidFill>
+              <a:schemeClr val="tx1"/>
+            </a:solidFill>
+          </a:ln>
+        </p:spPr>
+        <p:style>
+          <a:lnRef idx="2">
+            <a:schemeClr val="accent1">
+              <a:shade val="15000"/>
+            </a:schemeClr>
+          </a:lnRef>
+          <a:fillRef idx="1">
+            <a:schemeClr val="accent1"/>
+          </a:fillRef>
+          <a:effectRef idx="0">
+            <a:schemeClr val="accent1"/>
+          </a:effectRef>
+          <a:fontRef idx="minor">
+            <a:schemeClr val="lt1"/>
+          </a:fontRef>
+        </p:style>
+        <p:txBody>
+          <a:bodyPr rtlCol="0" anchor="ctr"/>
+          <a:lstStyle/>
+          <a:p>
+            <a:endParaRPr lang="en-US" sz="3200" b="1" dirty="0">
+              <a:solidFill>
+                <a:schemeClr val="tx1"/>
+              </a:solidFill>
+              <a:latin typeface="Segoe UI Variable Text" pitchFamily="2" charset="0"/>
+              <a:ea typeface="Segoe UI Black" panose="020B0A02040204020203" pitchFamily="34" charset="0"/>
+              <a:cs typeface="Segoe UI Semibold" panose="020B0702040204020203" pitchFamily="34" charset="0"/>
+            </a:endParaRPr>
+          </a:p>
+        </p:txBody>
+      </p:sp>
+      <p:pic>
+        <p:nvPicPr>
+          <p:cNvPr id="24" name="Picture 23" hidden="1">
+            <a:extLst>
+              <a:ext uri="{FF2B5EF4-FFF2-40B4-BE49-F238E27FC236}">
+                <a16:creationId xmlns:a16="http://schemas.microsoft.com/office/drawing/2014/main" id="{CC9CF4AD-3B1D-E527-9ADB-81BE2C1BBC70}"/>
+              </a:ext>
+            </a:extLst>
+          </p:cNvPr>
+          <p:cNvPicPr>
+            <a:picLocks noChangeAspect="1"/>
+          </p:cNvPicPr>
+          <p:nvPr/>
+        </p:nvPicPr>
+        <p:blipFill>
+          <a:blip r:embed="rId2"/>
+          <a:stretch>
+            <a:fillRect/>
+          </a:stretch>
+        </p:blipFill>
+        <p:spPr>
+          <a:xfrm>
+            <a:off x="2694357" y="1393035"/>
+            <a:ext cx="6803889" cy="3845169"/>
+          </a:xfrm>
+          <a:prstGeom prst="rect">
+            <a:avLst/>
+          </a:prstGeom>
+        </p:spPr>
+      </p:pic>
+      <p:pic>
+        <p:nvPicPr>
+          <p:cNvPr id="26" name="Picture 25" hidden="1">
+            <a:extLst>
+              <a:ext uri="{FF2B5EF4-FFF2-40B4-BE49-F238E27FC236}">
+                <a16:creationId xmlns:a16="http://schemas.microsoft.com/office/drawing/2014/main" id="{17D37E42-9B07-9F7C-43AB-420619CF30B1}"/>
+              </a:ext>
+            </a:extLst>
+          </p:cNvPr>
+          <p:cNvPicPr>
+            <a:picLocks noChangeAspect="1"/>
+          </p:cNvPicPr>
+          <p:nvPr/>
+        </p:nvPicPr>
+        <p:blipFill>
+          <a:blip r:embed="rId3"/>
+          <a:stretch>
+            <a:fillRect/>
+          </a:stretch>
+        </p:blipFill>
+        <p:spPr>
+          <a:xfrm>
+            <a:off x="9854862" y="1393035"/>
+            <a:ext cx="6796655" cy="7339484"/>
+          </a:xfrm>
+          <a:prstGeom prst="rect">
+            <a:avLst/>
+          </a:prstGeom>
+        </p:spPr>
+      </p:pic>
+      <p:pic>
+        <p:nvPicPr>
+          <p:cNvPr id="28" name="Picture 27" hidden="1">
+            <a:extLst>
+              <a:ext uri="{FF2B5EF4-FFF2-40B4-BE49-F238E27FC236}">
+                <a16:creationId xmlns:a16="http://schemas.microsoft.com/office/drawing/2014/main" id="{581ADD51-243C-C10D-D6C6-52621695CB15}"/>
+              </a:ext>
+            </a:extLst>
+          </p:cNvPr>
+          <p:cNvPicPr>
+            <a:picLocks noChangeAspect="1"/>
+          </p:cNvPicPr>
+          <p:nvPr/>
+        </p:nvPicPr>
+        <p:blipFill>
+          <a:blip r:embed="rId4"/>
+          <a:stretch>
+            <a:fillRect/>
+          </a:stretch>
+        </p:blipFill>
+        <p:spPr>
+          <a:xfrm>
+            <a:off x="2694357" y="5572561"/>
+            <a:ext cx="6803887" cy="3159957"/>
+          </a:xfrm>
+          <a:prstGeom prst="rect">
+            <a:avLst/>
+          </a:prstGeom>
+        </p:spPr>
+      </p:pic>
+      <p:sp>
+        <p:nvSpPr>
+          <p:cNvPr id="6" name="Rectangle: Rounded Corners 5">
+            <a:extLst>
+              <a:ext uri="{FF2B5EF4-FFF2-40B4-BE49-F238E27FC236}">
+                <a16:creationId xmlns:a16="http://schemas.microsoft.com/office/drawing/2014/main" id="{183464F4-D255-20BE-2E4D-56DB4D56CB3E}"/>
+              </a:ext>
+            </a:extLst>
+          </p:cNvPr>
+          <p:cNvSpPr/>
+          <p:nvPr/>
+        </p:nvSpPr>
+        <p:spPr>
+          <a:xfrm>
+            <a:off x="5136217" y="1393036"/>
+            <a:ext cx="2017341" cy="7339482"/>
+          </a:xfrm>
+          <a:prstGeom prst="roundRect">
+            <a:avLst>
+              <a:gd name="adj" fmla="val 4246"/>
+            </a:avLst>
+          </a:prstGeom>
+          <a:solidFill>
+            <a:schemeClr val="bg1"/>
+          </a:solidFill>
+          <a:ln>
+            <a:noFill/>
+          </a:ln>
+          <a:effectLst>
+            <a:outerShdw blurRad="50800" dist="50800" dir="5400000" sx="102000" sy="102000" algn="ctr" rotWithShape="0">
+              <a:srgbClr val="000000">
+                <a:alpha val="10000"/>
+              </a:srgbClr>
+            </a:outerShdw>
+          </a:effectLst>
+        </p:spPr>
+        <p:style>
+          <a:lnRef idx="2">
+            <a:schemeClr val="accent1">
+              <a:shade val="15000"/>
+            </a:schemeClr>
+          </a:lnRef>
+          <a:fillRef idx="1">
+            <a:schemeClr val="accent1"/>
+          </a:fillRef>
+          <a:effectRef idx="0">
+            <a:schemeClr val="accent1"/>
+          </a:effectRef>
+          <a:fontRef idx="minor">
+            <a:schemeClr val="lt1"/>
+          </a:fontRef>
+        </p:style>
+        <p:txBody>
+          <a:bodyPr rtlCol="0" anchor="ctr"/>
+          <a:lstStyle/>
+          <a:p>
+            <a:endParaRPr lang="en-US" sz="3200" b="1">
+              <a:solidFill>
+                <a:schemeClr val="tx1"/>
+              </a:solidFill>
+              <a:latin typeface="Segoe UI Variable Text" pitchFamily="2" charset="0"/>
+              <a:ea typeface="Segoe UI Black" panose="020B0A02040204020203" pitchFamily="34" charset="0"/>
+              <a:cs typeface="Segoe UI Semibold" panose="020B0702040204020203" pitchFamily="34" charset="0"/>
+            </a:endParaRPr>
+          </a:p>
+        </p:txBody>
+      </p:sp>
+      <p:sp>
+        <p:nvSpPr>
+          <p:cNvPr id="7" name="Rectangle: Rounded Corners 6">
+            <a:extLst>
+              <a:ext uri="{FF2B5EF4-FFF2-40B4-BE49-F238E27FC236}">
+                <a16:creationId xmlns:a16="http://schemas.microsoft.com/office/drawing/2014/main" id="{8FCBD1E4-7478-28F4-48DC-ECB23DA46E22}"/>
+              </a:ext>
+            </a:extLst>
+          </p:cNvPr>
+          <p:cNvSpPr/>
+          <p:nvPr/>
+        </p:nvSpPr>
+        <p:spPr>
+          <a:xfrm>
+            <a:off x="7578076" y="1393036"/>
+            <a:ext cx="2017341" cy="7339482"/>
+          </a:xfrm>
+          <a:prstGeom prst="roundRect">
+            <a:avLst>
+              <a:gd name="adj" fmla="val 4246"/>
+            </a:avLst>
+          </a:prstGeom>
+          <a:solidFill>
+            <a:schemeClr val="bg1"/>
+          </a:solidFill>
+          <a:ln>
+            <a:noFill/>
+          </a:ln>
+          <a:effectLst>
+            <a:outerShdw blurRad="50800" dist="50800" dir="5400000" sx="102000" sy="102000" algn="ctr" rotWithShape="0">
+              <a:srgbClr val="000000">
+                <a:alpha val="10000"/>
+              </a:srgbClr>
+            </a:outerShdw>
+          </a:effectLst>
+        </p:spPr>
+        <p:style>
+          <a:lnRef idx="2">
+            <a:schemeClr val="accent1">
+              <a:shade val="15000"/>
+            </a:schemeClr>
+          </a:lnRef>
+          <a:fillRef idx="1">
+            <a:schemeClr val="accent1"/>
+          </a:fillRef>
+          <a:effectRef idx="0">
+            <a:schemeClr val="accent1"/>
+          </a:effectRef>
+          <a:fontRef idx="minor">
+            <a:schemeClr val="lt1"/>
+          </a:fontRef>
+        </p:style>
+        <p:txBody>
+          <a:bodyPr rtlCol="0" anchor="ctr"/>
+          <a:lstStyle/>
+          <a:p>
+            <a:endParaRPr lang="en-US" sz="3200" b="1">
+              <a:solidFill>
+                <a:schemeClr val="tx1"/>
+              </a:solidFill>
+              <a:latin typeface="Segoe UI Variable Text" pitchFamily="2" charset="0"/>
+              <a:ea typeface="Segoe UI Black" panose="020B0A02040204020203" pitchFamily="34" charset="0"/>
+              <a:cs typeface="Segoe UI Semibold" panose="020B0702040204020203" pitchFamily="34" charset="0"/>
+            </a:endParaRPr>
+          </a:p>
+        </p:txBody>
+      </p:sp>
+      <p:sp>
+        <p:nvSpPr>
+          <p:cNvPr id="8" name="Rectangle: Rounded Corners 7">
+            <a:extLst>
+              <a:ext uri="{FF2B5EF4-FFF2-40B4-BE49-F238E27FC236}">
+                <a16:creationId xmlns:a16="http://schemas.microsoft.com/office/drawing/2014/main" id="{57CD0702-4E35-4C42-F69F-9563069B24EE}"/>
+              </a:ext>
+            </a:extLst>
+          </p:cNvPr>
+          <p:cNvSpPr/>
+          <p:nvPr/>
+        </p:nvSpPr>
+        <p:spPr>
+          <a:xfrm>
+            <a:off x="10019935" y="1393036"/>
+            <a:ext cx="2017341" cy="7339482"/>
+          </a:xfrm>
+          <a:prstGeom prst="roundRect">
+            <a:avLst>
+              <a:gd name="adj" fmla="val 4246"/>
+            </a:avLst>
+          </a:prstGeom>
+          <a:solidFill>
+            <a:schemeClr val="bg1"/>
+          </a:solidFill>
+          <a:ln>
+            <a:noFill/>
+          </a:ln>
+          <a:effectLst>
+            <a:outerShdw blurRad="50800" dist="50800" dir="5400000" sx="102000" sy="102000" algn="ctr" rotWithShape="0">
+              <a:srgbClr val="000000">
+                <a:alpha val="10000"/>
+              </a:srgbClr>
+            </a:outerShdw>
+          </a:effectLst>
+        </p:spPr>
+        <p:style>
+          <a:lnRef idx="2">
+            <a:schemeClr val="accent1">
+              <a:shade val="15000"/>
+            </a:schemeClr>
+          </a:lnRef>
+          <a:fillRef idx="1">
+            <a:schemeClr val="accent1"/>
+          </a:fillRef>
+          <a:effectRef idx="0">
+            <a:schemeClr val="accent1"/>
+          </a:effectRef>
+          <a:fontRef idx="minor">
+            <a:schemeClr val="lt1"/>
+          </a:fontRef>
+        </p:style>
+        <p:txBody>
+          <a:bodyPr rtlCol="0" anchor="ctr"/>
+          <a:lstStyle/>
+          <a:p>
+            <a:endParaRPr lang="en-US" sz="3200" b="1">
+              <a:solidFill>
+                <a:schemeClr val="tx1"/>
+              </a:solidFill>
+              <a:latin typeface="Segoe UI Variable Text" pitchFamily="2" charset="0"/>
+              <a:ea typeface="Segoe UI Black" panose="020B0A02040204020203" pitchFamily="34" charset="0"/>
+              <a:cs typeface="Segoe UI Semibold" panose="020B0702040204020203" pitchFamily="34" charset="0"/>
+            </a:endParaRPr>
+          </a:p>
+        </p:txBody>
+      </p:sp>
+    </p:spTree>
+    <p:extLst>
+      <p:ext uri="{BB962C8B-B14F-4D97-AF65-F5344CB8AC3E}">
+        <p14:creationId xmlns:p14="http://schemas.microsoft.com/office/powerpoint/2010/main" val="1177593292"/>
+      </p:ext>
+    </p:extLst>
+  </p:cSld>
+  <p:clrMapOvr>
+    <a:masterClrMapping/>
+  </p:clrMapOvr>
+</p:sld>
+</file>
+
 <file path=ppt/theme/theme1.xml><?xml version="1.0" encoding="utf-8"?>
 <a:theme xmlns:a="http://schemas.openxmlformats.org/drawingml/2006/main" name="Office Theme">
   <a:themeElements>

--- a/Power BI Report/Dashboard Layout.pptx
+++ b/Power BI Report/Dashboard Layout.pptx
@@ -246,7 +246,7 @@
           <a:p>
             <a:fld id="{7A2C6692-EA0D-4861-862E-DDC209ABBD47}" type="datetimeFigureOut">
               <a:rPr lang="en-US" smtClean="0"/>
-              <a:t>10/25/2025</a:t>
+              <a:t>10/31/2025</a:t>
             </a:fld>
             <a:endParaRPr lang="en-US"/>
           </a:p>
@@ -416,7 +416,7 @@
           <a:p>
             <a:fld id="{7A2C6692-EA0D-4861-862E-DDC209ABBD47}" type="datetimeFigureOut">
               <a:rPr lang="en-US" smtClean="0"/>
-              <a:t>10/25/2025</a:t>
+              <a:t>10/31/2025</a:t>
             </a:fld>
             <a:endParaRPr lang="en-US"/>
           </a:p>
@@ -596,7 +596,7 @@
           <a:p>
             <a:fld id="{7A2C6692-EA0D-4861-862E-DDC209ABBD47}" type="datetimeFigureOut">
               <a:rPr lang="en-US" smtClean="0"/>
-              <a:t>10/25/2025</a:t>
+              <a:t>10/31/2025</a:t>
             </a:fld>
             <a:endParaRPr lang="en-US"/>
           </a:p>
@@ -766,7 +766,7 @@
           <a:p>
             <a:fld id="{7A2C6692-EA0D-4861-862E-DDC209ABBD47}" type="datetimeFigureOut">
               <a:rPr lang="en-US" smtClean="0"/>
-              <a:t>10/25/2025</a:t>
+              <a:t>10/31/2025</a:t>
             </a:fld>
             <a:endParaRPr lang="en-US"/>
           </a:p>
@@ -1012,7 +1012,7 @@
           <a:p>
             <a:fld id="{7A2C6692-EA0D-4861-862E-DDC209ABBD47}" type="datetimeFigureOut">
               <a:rPr lang="en-US" smtClean="0"/>
-              <a:t>10/25/2025</a:t>
+              <a:t>10/31/2025</a:t>
             </a:fld>
             <a:endParaRPr lang="en-US"/>
           </a:p>
@@ -1244,7 +1244,7 @@
           <a:p>
             <a:fld id="{7A2C6692-EA0D-4861-862E-DDC209ABBD47}" type="datetimeFigureOut">
               <a:rPr lang="en-US" smtClean="0"/>
-              <a:t>10/25/2025</a:t>
+              <a:t>10/31/2025</a:t>
             </a:fld>
             <a:endParaRPr lang="en-US"/>
           </a:p>
@@ -1611,7 +1611,7 @@
           <a:p>
             <a:fld id="{7A2C6692-EA0D-4861-862E-DDC209ABBD47}" type="datetimeFigureOut">
               <a:rPr lang="en-US" smtClean="0"/>
-              <a:t>10/25/2025</a:t>
+              <a:t>10/31/2025</a:t>
             </a:fld>
             <a:endParaRPr lang="en-US"/>
           </a:p>
@@ -1729,7 +1729,7 @@
           <a:p>
             <a:fld id="{7A2C6692-EA0D-4861-862E-DDC209ABBD47}" type="datetimeFigureOut">
               <a:rPr lang="en-US" smtClean="0"/>
-              <a:t>10/25/2025</a:t>
+              <a:t>10/31/2025</a:t>
             </a:fld>
             <a:endParaRPr lang="en-US"/>
           </a:p>
@@ -1824,7 +1824,7 @@
           <a:p>
             <a:fld id="{7A2C6692-EA0D-4861-862E-DDC209ABBD47}" type="datetimeFigureOut">
               <a:rPr lang="en-US" smtClean="0"/>
-              <a:t>10/25/2025</a:t>
+              <a:t>10/31/2025</a:t>
             </a:fld>
             <a:endParaRPr lang="en-US"/>
           </a:p>
@@ -2101,7 +2101,7 @@
           <a:p>
             <a:fld id="{7A2C6692-EA0D-4861-862E-DDC209ABBD47}" type="datetimeFigureOut">
               <a:rPr lang="en-US" smtClean="0"/>
-              <a:t>10/25/2025</a:t>
+              <a:t>10/31/2025</a:t>
             </a:fld>
             <a:endParaRPr lang="en-US"/>
           </a:p>
@@ -2358,7 +2358,7 @@
           <a:p>
             <a:fld id="{7A2C6692-EA0D-4861-862E-DDC209ABBD47}" type="datetimeFigureOut">
               <a:rPr lang="en-US" smtClean="0"/>
-              <a:t>10/25/2025</a:t>
+              <a:t>10/31/2025</a:t>
             </a:fld>
             <a:endParaRPr lang="en-US"/>
           </a:p>
@@ -2571,7 +2571,7 @@
           <a:p>
             <a:fld id="{7A2C6692-EA0D-4861-862E-DDC209ABBD47}" type="datetimeFigureOut">
               <a:rPr lang="en-US" smtClean="0"/>
-              <a:t>10/25/2025</a:t>
+              <a:t>10/31/2025</a:t>
             </a:fld>
             <a:endParaRPr lang="en-US"/>
           </a:p>
@@ -5545,7 +5545,7 @@
         <p:cNvPr id="1" name="">
           <a:extLst>
             <a:ext uri="{FF2B5EF4-FFF2-40B4-BE49-F238E27FC236}">
-              <a16:creationId xmlns:a16="http://schemas.microsoft.com/office/drawing/2014/main" id="{31E62497-8B87-6E88-3DDE-E0E8E74DA1B6}"/>
+              <a16:creationId xmlns:a16="http://schemas.microsoft.com/office/drawing/2014/main" id="{32FF2ACE-7852-EE5A-1B18-2B1E0BCDFB4A}"/>
             </a:ext>
           </a:extLst>
         </p:cNvPr>
@@ -5565,7 +5565,7 @@
           <p:cNvPr id="4" name="Rectangle: Rounded Corners 3">
             <a:extLst>
               <a:ext uri="{FF2B5EF4-FFF2-40B4-BE49-F238E27FC236}">
-                <a16:creationId xmlns:a16="http://schemas.microsoft.com/office/drawing/2014/main" id="{74F37936-A7E8-0F4A-E73D-CA511156851C}"/>
+                <a16:creationId xmlns:a16="http://schemas.microsoft.com/office/drawing/2014/main" id="{00D76C1B-C8F3-2496-AAB1-DE32E39550B9}"/>
               </a:ext>
             </a:extLst>
           </p:cNvPr>
@@ -5628,7 +5628,7 @@
           <p:cNvPr id="5" name="Straight Arrow Connector 4">
             <a:extLst>
               <a:ext uri="{FF2B5EF4-FFF2-40B4-BE49-F238E27FC236}">
-                <a16:creationId xmlns:a16="http://schemas.microsoft.com/office/drawing/2014/main" id="{399BC86D-689A-20F9-372C-ECA70F23BE36}"/>
+                <a16:creationId xmlns:a16="http://schemas.microsoft.com/office/drawing/2014/main" id="{7D784777-BE28-3D91-30D3-9D371475519D}"/>
               </a:ext>
             </a:extLst>
           </p:cNvPr>
@@ -5670,39 +5670,116 @@
       </p:cxnSp>
       <p:sp>
         <p:nvSpPr>
-          <p:cNvPr id="12" name="Rectangle: Rounded Corners 11">
+          <p:cNvPr id="11" name="Rectangle 10">
             <a:extLst>
               <a:ext uri="{FF2B5EF4-FFF2-40B4-BE49-F238E27FC236}">
-                <a16:creationId xmlns:a16="http://schemas.microsoft.com/office/drawing/2014/main" id="{84327F47-AAB0-BBD2-7540-75A7D6F81466}"/>
+                <a16:creationId xmlns:a16="http://schemas.microsoft.com/office/drawing/2014/main" id="{B33E979A-ABD4-D37E-FFAB-5FC65B7F853F}"/>
               </a:ext>
             </a:extLst>
           </p:cNvPr>
-          <p:cNvSpPr/>
+          <p:cNvSpPr>
+            <a:spLocks noGrp="1" noRot="1" noMove="1" noResize="1" noEditPoints="1" noAdjustHandles="1" noChangeArrowheads="1" noChangeShapeType="1"/>
+          </p:cNvSpPr>
           <p:nvPr/>
         </p:nvSpPr>
         <p:spPr>
           <a:xfrm>
-            <a:off x="2694358" y="1393036"/>
-            <a:ext cx="2017341" cy="7339482"/>
-          </a:xfrm>
-          <a:prstGeom prst="roundRect">
-            <a:avLst>
-              <a:gd name="adj" fmla="val 4246"/>
-            </a:avLst>
+            <a:off x="2694357" y="411480"/>
+            <a:ext cx="13949917" cy="816819"/>
+          </a:xfrm>
+          <a:prstGeom prst="rect">
+            <a:avLst/>
           </a:prstGeom>
-          <a:solidFill>
-            <a:schemeClr val="bg1"/>
-          </a:solidFill>
+          <a:noFill/>
           <a:ln>
             <a:noFill/>
           </a:ln>
-          <a:effectLst>
-            <a:outerShdw blurRad="50800" dist="50800" dir="5400000" sx="102000" sy="102000" algn="ctr" rotWithShape="0">
-              <a:srgbClr val="000000">
-                <a:alpha val="10000"/>
-              </a:srgbClr>
-            </a:outerShdw>
-          </a:effectLst>
+        </p:spPr>
+        <p:style>
+          <a:lnRef idx="2">
+            <a:schemeClr val="accent1">
+              <a:shade val="15000"/>
+            </a:schemeClr>
+          </a:lnRef>
+          <a:fillRef idx="1">
+            <a:schemeClr val="accent1"/>
+          </a:fillRef>
+          <a:effectRef idx="0">
+            <a:schemeClr val="accent1"/>
+          </a:effectRef>
+          <a:fontRef idx="minor">
+            <a:schemeClr val="lt1"/>
+          </a:fontRef>
+        </p:style>
+        <p:txBody>
+          <a:bodyPr rtlCol="0" anchor="ctr"/>
+          <a:lstStyle/>
+          <a:p>
+            <a:pPr>
+              <a:lnSpc>
+                <a:spcPts val="3000"/>
+              </a:lnSpc>
+            </a:pPr>
+            <a:r>
+              <a:rPr lang="en-US" sz="3200" b="1" dirty="0">
+                <a:solidFill>
+                  <a:schemeClr val="tx1"/>
+                </a:solidFill>
+                <a:latin typeface="Segoe UI Variable Text" pitchFamily="2" charset="0"/>
+                <a:ea typeface="Segoe UI Black" panose="020B0A02040204020203" pitchFamily="34" charset="0"/>
+                <a:cs typeface="Segoe UI Semibold" panose="020B0702040204020203" pitchFamily="34" charset="0"/>
+              </a:rPr>
+              <a:t>Segment Analysis</a:t>
+            </a:r>
+          </a:p>
+          <a:p>
+            <a:pPr>
+              <a:lnSpc>
+                <a:spcPts val="3000"/>
+              </a:lnSpc>
+            </a:pPr>
+            <a:r>
+              <a:rPr lang="en-US" dirty="0">
+                <a:solidFill>
+                  <a:schemeClr val="tx1"/>
+                </a:solidFill>
+                <a:latin typeface="Segoe UI Variable Display Light" pitchFamily="2" charset="0"/>
+                <a:ea typeface="Segoe UI Black" panose="020B0A02040204020203" pitchFamily="34" charset="0"/>
+                <a:cs typeface="Segoe UI Semibold" panose="020B0702040204020203" pitchFamily="34" charset="0"/>
+              </a:rPr>
+              <a:t>Summarize the number of respondents and their demographics.</a:t>
+            </a:r>
+          </a:p>
+        </p:txBody>
+      </p:sp>
+      <p:sp>
+        <p:nvSpPr>
+          <p:cNvPr id="14" name="Rectangle 13" hidden="1">
+            <a:extLst>
+              <a:ext uri="{FF2B5EF4-FFF2-40B4-BE49-F238E27FC236}">
+                <a16:creationId xmlns:a16="http://schemas.microsoft.com/office/drawing/2014/main" id="{15116391-64DA-F56F-51A3-BEA62591E303}"/>
+              </a:ext>
+            </a:extLst>
+          </p:cNvPr>
+          <p:cNvSpPr>
+            <a:spLocks noGrp="1" noRot="1" noMove="1" noResize="1" noEditPoints="1" noAdjustHandles="1" noChangeArrowheads="1" noChangeShapeType="1"/>
+          </p:cNvSpPr>
+          <p:nvPr/>
+        </p:nvSpPr>
+        <p:spPr>
+          <a:xfrm>
+            <a:off x="217716" y="0"/>
+            <a:ext cx="417282" cy="9144000"/>
+          </a:xfrm>
+          <a:prstGeom prst="rect">
+            <a:avLst/>
+          </a:prstGeom>
+          <a:noFill/>
+          <a:ln>
+            <a:solidFill>
+              <a:schemeClr val="tx1"/>
+            </a:solidFill>
+          </a:ln>
         </p:spPr>
         <p:style>
           <a:lnRef idx="2">
@@ -5737,20 +5814,208 @@
       </p:sp>
       <p:sp>
         <p:nvSpPr>
-          <p:cNvPr id="32" name="Rectangle: Rounded Corners 31">
+          <p:cNvPr id="15" name="Rectangle 14" hidden="1">
             <a:extLst>
               <a:ext uri="{FF2B5EF4-FFF2-40B4-BE49-F238E27FC236}">
-                <a16:creationId xmlns:a16="http://schemas.microsoft.com/office/drawing/2014/main" id="{35772C2E-2E0C-B23C-1201-52BA9173C4FD}"/>
+                <a16:creationId xmlns:a16="http://schemas.microsoft.com/office/drawing/2014/main" id="{A19A6584-DDE0-0C07-3D92-7E26D2F05024}"/>
               </a:ext>
             </a:extLst>
           </p:cNvPr>
-          <p:cNvSpPr/>
+          <p:cNvSpPr>
+            <a:spLocks/>
+          </p:cNvSpPr>
           <p:nvPr/>
         </p:nvSpPr>
         <p:spPr>
           <a:xfrm>
-            <a:off x="12471400" y="1393037"/>
-            <a:ext cx="4172879" cy="7339482"/>
+            <a:off x="16651518" y="0"/>
+            <a:ext cx="417282" cy="9144000"/>
+          </a:xfrm>
+          <a:prstGeom prst="rect">
+            <a:avLst/>
+          </a:prstGeom>
+          <a:solidFill>
+            <a:srgbClr val="C00000"/>
+          </a:solidFill>
+          <a:ln>
+            <a:solidFill>
+              <a:schemeClr val="tx1"/>
+            </a:solidFill>
+          </a:ln>
+        </p:spPr>
+        <p:style>
+          <a:lnRef idx="2">
+            <a:schemeClr val="accent1">
+              <a:shade val="15000"/>
+            </a:schemeClr>
+          </a:lnRef>
+          <a:fillRef idx="1">
+            <a:schemeClr val="accent1"/>
+          </a:fillRef>
+          <a:effectRef idx="0">
+            <a:schemeClr val="accent1"/>
+          </a:effectRef>
+          <a:fontRef idx="minor">
+            <a:schemeClr val="lt1"/>
+          </a:fontRef>
+        </p:style>
+        <p:txBody>
+          <a:bodyPr rtlCol="0" anchor="ctr"/>
+          <a:lstStyle/>
+          <a:p>
+            <a:endParaRPr lang="en-US" sz="3200" b="1">
+              <a:solidFill>
+                <a:schemeClr val="tx1"/>
+              </a:solidFill>
+              <a:latin typeface="Segoe UI Variable Text" pitchFamily="2" charset="0"/>
+              <a:ea typeface="Segoe UI Black" panose="020B0A02040204020203" pitchFamily="34" charset="0"/>
+              <a:cs typeface="Segoe UI Semibold" panose="020B0702040204020203" pitchFamily="34" charset="0"/>
+            </a:endParaRPr>
+          </a:p>
+        </p:txBody>
+      </p:sp>
+      <p:sp>
+        <p:nvSpPr>
+          <p:cNvPr id="17" name="Rectangle 16" hidden="1">
+            <a:extLst>
+              <a:ext uri="{FF2B5EF4-FFF2-40B4-BE49-F238E27FC236}">
+                <a16:creationId xmlns:a16="http://schemas.microsoft.com/office/drawing/2014/main" id="{77C2DB82-D424-991C-2321-7E705117762E}"/>
+              </a:ext>
+            </a:extLst>
+          </p:cNvPr>
+          <p:cNvSpPr>
+            <a:spLocks/>
+          </p:cNvSpPr>
+          <p:nvPr/>
+        </p:nvSpPr>
+        <p:spPr>
+          <a:xfrm>
+            <a:off x="2269839" y="0"/>
+            <a:ext cx="417282" cy="9144000"/>
+          </a:xfrm>
+          <a:prstGeom prst="rect">
+            <a:avLst/>
+          </a:prstGeom>
+          <a:solidFill>
+            <a:srgbClr val="C00000"/>
+          </a:solidFill>
+          <a:ln>
+            <a:solidFill>
+              <a:schemeClr val="tx1"/>
+            </a:solidFill>
+          </a:ln>
+        </p:spPr>
+        <p:style>
+          <a:lnRef idx="2">
+            <a:schemeClr val="accent1">
+              <a:shade val="15000"/>
+            </a:schemeClr>
+          </a:lnRef>
+          <a:fillRef idx="1">
+            <a:schemeClr val="accent1"/>
+          </a:fillRef>
+          <a:effectRef idx="0">
+            <a:schemeClr val="accent1"/>
+          </a:effectRef>
+          <a:fontRef idx="minor">
+            <a:schemeClr val="lt1"/>
+          </a:fontRef>
+        </p:style>
+        <p:txBody>
+          <a:bodyPr rtlCol="0" anchor="ctr"/>
+          <a:lstStyle/>
+          <a:p>
+            <a:endParaRPr lang="en-US" sz="3200" b="1">
+              <a:solidFill>
+                <a:schemeClr val="tx1"/>
+              </a:solidFill>
+              <a:latin typeface="Segoe UI Variable Text" pitchFamily="2" charset="0"/>
+              <a:ea typeface="Segoe UI Black" panose="020B0A02040204020203" pitchFamily="34" charset="0"/>
+              <a:cs typeface="Segoe UI Semibold" panose="020B0702040204020203" pitchFamily="34" charset="0"/>
+            </a:endParaRPr>
+          </a:p>
+        </p:txBody>
+      </p:sp>
+      <p:sp>
+        <p:nvSpPr>
+          <p:cNvPr id="20" name="Rectangle 19" hidden="1">
+            <a:extLst>
+              <a:ext uri="{FF2B5EF4-FFF2-40B4-BE49-F238E27FC236}">
+                <a16:creationId xmlns:a16="http://schemas.microsoft.com/office/drawing/2014/main" id="{1A99982D-29B3-AB98-28A3-F76155FD3C15}"/>
+              </a:ext>
+            </a:extLst>
+          </p:cNvPr>
+          <p:cNvSpPr>
+            <a:spLocks/>
+          </p:cNvSpPr>
+          <p:nvPr/>
+        </p:nvSpPr>
+        <p:spPr>
+          <a:xfrm>
+            <a:off x="2694357" y="4803035"/>
+            <a:ext cx="13964397" cy="352188"/>
+          </a:xfrm>
+          <a:prstGeom prst="rect">
+            <a:avLst/>
+          </a:prstGeom>
+          <a:solidFill>
+            <a:srgbClr val="C00000"/>
+          </a:solidFill>
+          <a:ln>
+            <a:solidFill>
+              <a:schemeClr val="tx1"/>
+            </a:solidFill>
+          </a:ln>
+        </p:spPr>
+        <p:style>
+          <a:lnRef idx="2">
+            <a:schemeClr val="accent1">
+              <a:shade val="15000"/>
+            </a:schemeClr>
+          </a:lnRef>
+          <a:fillRef idx="1">
+            <a:schemeClr val="accent1"/>
+          </a:fillRef>
+          <a:effectRef idx="0">
+            <a:schemeClr val="accent1"/>
+          </a:effectRef>
+          <a:fontRef idx="minor">
+            <a:schemeClr val="lt1"/>
+          </a:fontRef>
+        </p:style>
+        <p:txBody>
+          <a:bodyPr rtlCol="0" anchor="ctr"/>
+          <a:lstStyle/>
+          <a:p>
+            <a:endParaRPr lang="en-US" sz="3200" b="1" dirty="0">
+              <a:solidFill>
+                <a:schemeClr val="tx1"/>
+              </a:solidFill>
+              <a:latin typeface="Segoe UI Variable Text" pitchFamily="2" charset="0"/>
+              <a:ea typeface="Segoe UI Black" panose="020B0A02040204020203" pitchFamily="34" charset="0"/>
+              <a:cs typeface="Segoe UI Semibold" panose="020B0702040204020203" pitchFamily="34" charset="0"/>
+            </a:endParaRPr>
+          </a:p>
+        </p:txBody>
+      </p:sp>
+      <p:sp>
+        <p:nvSpPr>
+          <p:cNvPr id="18" name="Rectangle: Rounded Corners 17">
+            <a:extLst>
+              <a:ext uri="{FF2B5EF4-FFF2-40B4-BE49-F238E27FC236}">
+                <a16:creationId xmlns:a16="http://schemas.microsoft.com/office/drawing/2014/main" id="{B78CD461-B176-7858-A872-1541458B383C}"/>
+              </a:ext>
+            </a:extLst>
+          </p:cNvPr>
+          <p:cNvSpPr>
+            <a:spLocks/>
+          </p:cNvSpPr>
+          <p:nvPr/>
+        </p:nvSpPr>
+        <p:spPr>
+          <a:xfrm>
+            <a:off x="2694355" y="3200400"/>
+            <a:ext cx="7688807" cy="5495987"/>
           </a:xfrm>
           <a:prstGeom prst="roundRect">
             <a:avLst>
@@ -5769,6 +6034,7 @@
                 <a:alpha val="10000"/>
               </a:srgbClr>
             </a:outerShdw>
+            <a:softEdge rad="0"/>
           </a:effectLst>
         </p:spPr>
         <p:style>
@@ -5804,166 +6070,22 @@
       </p:sp>
       <p:sp>
         <p:nvSpPr>
-          <p:cNvPr id="11" name="Rectangle 10">
+          <p:cNvPr id="19" name="Rectangle 18" hidden="1">
             <a:extLst>
               <a:ext uri="{FF2B5EF4-FFF2-40B4-BE49-F238E27FC236}">
-                <a16:creationId xmlns:a16="http://schemas.microsoft.com/office/drawing/2014/main" id="{3C7851FC-BFAC-8898-1006-41F5A7C419F8}"/>
+                <a16:creationId xmlns:a16="http://schemas.microsoft.com/office/drawing/2014/main" id="{BB0C3FEE-D5AC-903D-36B6-B6DB86991EA0}"/>
               </a:ext>
             </a:extLst>
           </p:cNvPr>
           <p:cNvSpPr>
-            <a:spLocks noGrp="1" noRot="1" noMove="1" noResize="1" noEditPoints="1" noAdjustHandles="1" noChangeArrowheads="1" noChangeShapeType="1"/>
+            <a:spLocks/>
           </p:cNvSpPr>
           <p:nvPr/>
         </p:nvSpPr>
         <p:spPr>
           <a:xfrm>
-            <a:off x="2694357" y="411480"/>
-            <a:ext cx="13949917" cy="816819"/>
-          </a:xfrm>
-          <a:prstGeom prst="rect">
-            <a:avLst/>
-          </a:prstGeom>
-          <a:noFill/>
-          <a:ln>
-            <a:noFill/>
-          </a:ln>
-        </p:spPr>
-        <p:style>
-          <a:lnRef idx="2">
-            <a:schemeClr val="accent1">
-              <a:shade val="15000"/>
-            </a:schemeClr>
-          </a:lnRef>
-          <a:fillRef idx="1">
-            <a:schemeClr val="accent1"/>
-          </a:fillRef>
-          <a:effectRef idx="0">
-            <a:schemeClr val="accent1"/>
-          </a:effectRef>
-          <a:fontRef idx="minor">
-            <a:schemeClr val="lt1"/>
-          </a:fontRef>
-        </p:style>
-        <p:txBody>
-          <a:bodyPr rtlCol="0" anchor="ctr"/>
-          <a:lstStyle/>
-          <a:p>
-            <a:pPr>
-              <a:lnSpc>
-                <a:spcPts val="3000"/>
-              </a:lnSpc>
-            </a:pPr>
-            <a:r>
-              <a:rPr lang="en-US" sz="3200" b="1" dirty="0">
-                <a:solidFill>
-                  <a:schemeClr val="tx1"/>
-                </a:solidFill>
-                <a:latin typeface="Segoe UI Variable Text" pitchFamily="2" charset="0"/>
-                <a:ea typeface="Segoe UI Black" panose="020B0A02040204020203" pitchFamily="34" charset="0"/>
-                <a:cs typeface="Segoe UI Semibold" panose="020B0702040204020203" pitchFamily="34" charset="0"/>
-              </a:rPr>
-              <a:t>Conversion Analysis Dashboard</a:t>
-            </a:r>
-          </a:p>
-          <a:p>
-            <a:pPr>
-              <a:lnSpc>
-                <a:spcPts val="3000"/>
-              </a:lnSpc>
-            </a:pPr>
-            <a:r>
-              <a:rPr lang="en-US" dirty="0">
-                <a:solidFill>
-                  <a:schemeClr val="tx1"/>
-                </a:solidFill>
-                <a:latin typeface="Segoe UI Variable Display Light" pitchFamily="2" charset="0"/>
-                <a:ea typeface="Segoe UI Black" panose="020B0A02040204020203" pitchFamily="34" charset="0"/>
-                <a:cs typeface="Segoe UI Semibold" panose="020B0702040204020203" pitchFamily="34" charset="0"/>
-              </a:rPr>
-              <a:t>Uncover key leakage points and understand what drives or hinders customer retention.</a:t>
-            </a:r>
-          </a:p>
-        </p:txBody>
-      </p:sp>
-      <p:sp>
-        <p:nvSpPr>
-          <p:cNvPr id="14" name="Rectangle 13" hidden="1">
-            <a:extLst>
-              <a:ext uri="{FF2B5EF4-FFF2-40B4-BE49-F238E27FC236}">
-                <a16:creationId xmlns:a16="http://schemas.microsoft.com/office/drawing/2014/main" id="{A7EDF8A4-EF5D-5376-2613-8B78EAA910E1}"/>
-              </a:ext>
-            </a:extLst>
-          </p:cNvPr>
-          <p:cNvSpPr>
-            <a:spLocks noGrp="1" noRot="1" noMove="1" noResize="1" noEditPoints="1" noAdjustHandles="1" noChangeArrowheads="1" noChangeShapeType="1"/>
-          </p:cNvSpPr>
-          <p:nvPr/>
-        </p:nvSpPr>
-        <p:spPr>
-          <a:xfrm>
-            <a:off x="217716" y="0"/>
-            <a:ext cx="417282" cy="9144000"/>
-          </a:xfrm>
-          <a:prstGeom prst="rect">
-            <a:avLst/>
-          </a:prstGeom>
-          <a:noFill/>
-          <a:ln>
-            <a:solidFill>
-              <a:schemeClr val="tx1"/>
-            </a:solidFill>
-          </a:ln>
-        </p:spPr>
-        <p:style>
-          <a:lnRef idx="2">
-            <a:schemeClr val="accent1">
-              <a:shade val="15000"/>
-            </a:schemeClr>
-          </a:lnRef>
-          <a:fillRef idx="1">
-            <a:schemeClr val="accent1"/>
-          </a:fillRef>
-          <a:effectRef idx="0">
-            <a:schemeClr val="accent1"/>
-          </a:effectRef>
-          <a:fontRef idx="minor">
-            <a:schemeClr val="lt1"/>
-          </a:fontRef>
-        </p:style>
-        <p:txBody>
-          <a:bodyPr rtlCol="0" anchor="ctr"/>
-          <a:lstStyle/>
-          <a:p>
-            <a:endParaRPr lang="en-US" sz="3200" b="1">
-              <a:solidFill>
-                <a:schemeClr val="tx1"/>
-              </a:solidFill>
-              <a:latin typeface="Segoe UI Variable Text" pitchFamily="2" charset="0"/>
-              <a:ea typeface="Segoe UI Black" panose="020B0A02040204020203" pitchFamily="34" charset="0"/>
-              <a:cs typeface="Segoe UI Semibold" panose="020B0702040204020203" pitchFamily="34" charset="0"/>
-            </a:endParaRPr>
-          </a:p>
-        </p:txBody>
-      </p:sp>
-      <p:sp>
-        <p:nvSpPr>
-          <p:cNvPr id="15" name="Rectangle 14" hidden="1">
-            <a:extLst>
-              <a:ext uri="{FF2B5EF4-FFF2-40B4-BE49-F238E27FC236}">
-                <a16:creationId xmlns:a16="http://schemas.microsoft.com/office/drawing/2014/main" id="{1BFA920A-7334-3120-7886-5415295DA717}"/>
-              </a:ext>
-            </a:extLst>
-          </p:cNvPr>
-          <p:cNvSpPr>
-            <a:spLocks/>
-          </p:cNvSpPr>
-          <p:nvPr/>
-        </p:nvSpPr>
-        <p:spPr>
-          <a:xfrm>
-            <a:off x="16651518" y="0"/>
-            <a:ext cx="417282" cy="9144000"/>
+            <a:off x="7994921" y="0"/>
+            <a:ext cx="356616" cy="9144000"/>
           </a:xfrm>
           <a:prstGeom prst="rect">
             <a:avLst/>
@@ -6010,10 +6132,10 @@
       </p:sp>
       <p:sp>
         <p:nvSpPr>
-          <p:cNvPr id="17" name="Rectangle 16" hidden="1">
+          <p:cNvPr id="39" name="Rectangle 38" hidden="1">
             <a:extLst>
               <a:ext uri="{FF2B5EF4-FFF2-40B4-BE49-F238E27FC236}">
-                <a16:creationId xmlns:a16="http://schemas.microsoft.com/office/drawing/2014/main" id="{ABEFB464-4120-1C8F-DB6E-4E1F1D5D06DE}"/>
+                <a16:creationId xmlns:a16="http://schemas.microsoft.com/office/drawing/2014/main" id="{871AC744-764A-D209-4580-3FCE0FCB0C5C}"/>
               </a:ext>
             </a:extLst>
           </p:cNvPr>
@@ -6024,8 +6146,8 @@
         </p:nvSpPr>
         <p:spPr>
           <a:xfrm>
-            <a:off x="2269839" y="0"/>
-            <a:ext cx="417282" cy="9144000"/>
+            <a:off x="12056609" y="0"/>
+            <a:ext cx="356616" cy="9144000"/>
           </a:xfrm>
           <a:prstGeom prst="rect">
             <a:avLst/>
@@ -6072,10 +6194,10 @@
       </p:sp>
       <p:sp>
         <p:nvSpPr>
-          <p:cNvPr id="19" name="Rectangle 18" hidden="1">
+          <p:cNvPr id="3" name="Rectangle: Rounded Corners 2">
             <a:extLst>
               <a:ext uri="{FF2B5EF4-FFF2-40B4-BE49-F238E27FC236}">
-                <a16:creationId xmlns:a16="http://schemas.microsoft.com/office/drawing/2014/main" id="{99CCDCB0-91A2-6068-06D4-C2035F0F3E57}"/>
+                <a16:creationId xmlns:a16="http://schemas.microsoft.com/office/drawing/2014/main" id="{F3EADF42-FFE6-CCE5-386E-49490449D04D}"/>
               </a:ext>
             </a:extLst>
           </p:cNvPr>
@@ -6086,224 +6208,12 @@
         </p:nvSpPr>
         <p:spPr>
           <a:xfrm>
-            <a:off x="9491011" y="0"/>
-            <a:ext cx="356616" cy="9144000"/>
-          </a:xfrm>
-          <a:prstGeom prst="rect">
-            <a:avLst/>
-          </a:prstGeom>
-          <a:solidFill>
-            <a:srgbClr val="C00000"/>
-          </a:solidFill>
-          <a:ln>
-            <a:solidFill>
-              <a:schemeClr val="tx1"/>
-            </a:solidFill>
-          </a:ln>
-        </p:spPr>
-        <p:style>
-          <a:lnRef idx="2">
-            <a:schemeClr val="accent1">
-              <a:shade val="15000"/>
-            </a:schemeClr>
-          </a:lnRef>
-          <a:fillRef idx="1">
-            <a:schemeClr val="accent1"/>
-          </a:fillRef>
-          <a:effectRef idx="0">
-            <a:schemeClr val="accent1"/>
-          </a:effectRef>
-          <a:fontRef idx="minor">
-            <a:schemeClr val="lt1"/>
-          </a:fontRef>
-        </p:style>
-        <p:txBody>
-          <a:bodyPr rtlCol="0" anchor="ctr"/>
-          <a:lstStyle/>
-          <a:p>
-            <a:endParaRPr lang="en-US" sz="3200" b="1">
-              <a:solidFill>
-                <a:schemeClr val="tx1"/>
-              </a:solidFill>
-              <a:latin typeface="Segoe UI Variable Text" pitchFamily="2" charset="0"/>
-              <a:ea typeface="Segoe UI Black" panose="020B0A02040204020203" pitchFamily="34" charset="0"/>
-              <a:cs typeface="Segoe UI Semibold" panose="020B0702040204020203" pitchFamily="34" charset="0"/>
-            </a:endParaRPr>
-          </a:p>
-        </p:txBody>
-      </p:sp>
-      <p:sp>
-        <p:nvSpPr>
-          <p:cNvPr id="20" name="Rectangle 19" hidden="1">
-            <a:extLst>
-              <a:ext uri="{FF2B5EF4-FFF2-40B4-BE49-F238E27FC236}">
-                <a16:creationId xmlns:a16="http://schemas.microsoft.com/office/drawing/2014/main" id="{8D6A04E3-B089-B3E1-1D9D-CF5833991CFF}"/>
-              </a:ext>
-            </a:extLst>
-          </p:cNvPr>
-          <p:cNvSpPr>
-            <a:spLocks/>
-          </p:cNvSpPr>
-          <p:nvPr/>
-        </p:nvSpPr>
-        <p:spPr>
-          <a:xfrm>
-            <a:off x="2687120" y="4902200"/>
-            <a:ext cx="13964397" cy="352188"/>
-          </a:xfrm>
-          <a:prstGeom prst="rect">
-            <a:avLst/>
-          </a:prstGeom>
-          <a:solidFill>
-            <a:srgbClr val="C00000"/>
-          </a:solidFill>
-          <a:ln>
-            <a:solidFill>
-              <a:schemeClr val="tx1"/>
-            </a:solidFill>
-          </a:ln>
-        </p:spPr>
-        <p:style>
-          <a:lnRef idx="2">
-            <a:schemeClr val="accent1">
-              <a:shade val="15000"/>
-            </a:schemeClr>
-          </a:lnRef>
-          <a:fillRef idx="1">
-            <a:schemeClr val="accent1"/>
-          </a:fillRef>
-          <a:effectRef idx="0">
-            <a:schemeClr val="accent1"/>
-          </a:effectRef>
-          <a:fontRef idx="minor">
-            <a:schemeClr val="lt1"/>
-          </a:fontRef>
-        </p:style>
-        <p:txBody>
-          <a:bodyPr rtlCol="0" anchor="ctr"/>
-          <a:lstStyle/>
-          <a:p>
-            <a:endParaRPr lang="en-US" sz="3200" b="1" dirty="0">
-              <a:solidFill>
-                <a:schemeClr val="tx1"/>
-              </a:solidFill>
-              <a:latin typeface="Segoe UI Variable Text" pitchFamily="2" charset="0"/>
-              <a:ea typeface="Segoe UI Black" panose="020B0A02040204020203" pitchFamily="34" charset="0"/>
-              <a:cs typeface="Segoe UI Semibold" panose="020B0702040204020203" pitchFamily="34" charset="0"/>
-            </a:endParaRPr>
-          </a:p>
-        </p:txBody>
-      </p:sp>
-      <p:pic>
-        <p:nvPicPr>
-          <p:cNvPr id="24" name="Picture 23" hidden="1">
-            <a:extLst>
-              <a:ext uri="{FF2B5EF4-FFF2-40B4-BE49-F238E27FC236}">
-                <a16:creationId xmlns:a16="http://schemas.microsoft.com/office/drawing/2014/main" id="{CC9CF4AD-3B1D-E527-9ADB-81BE2C1BBC70}"/>
-              </a:ext>
-            </a:extLst>
-          </p:cNvPr>
-          <p:cNvPicPr>
-            <a:picLocks noChangeAspect="1"/>
-          </p:cNvPicPr>
-          <p:nvPr/>
-        </p:nvPicPr>
-        <p:blipFill>
-          <a:blip r:embed="rId2"/>
-          <a:stretch>
-            <a:fillRect/>
-          </a:stretch>
-        </p:blipFill>
-        <p:spPr>
-          <a:xfrm>
-            <a:off x="2694357" y="1393035"/>
-            <a:ext cx="6803889" cy="3845169"/>
-          </a:xfrm>
-          <a:prstGeom prst="rect">
-            <a:avLst/>
-          </a:prstGeom>
-        </p:spPr>
-      </p:pic>
-      <p:pic>
-        <p:nvPicPr>
-          <p:cNvPr id="26" name="Picture 25" hidden="1">
-            <a:extLst>
-              <a:ext uri="{FF2B5EF4-FFF2-40B4-BE49-F238E27FC236}">
-                <a16:creationId xmlns:a16="http://schemas.microsoft.com/office/drawing/2014/main" id="{17D37E42-9B07-9F7C-43AB-420619CF30B1}"/>
-              </a:ext>
-            </a:extLst>
-          </p:cNvPr>
-          <p:cNvPicPr>
-            <a:picLocks noChangeAspect="1"/>
-          </p:cNvPicPr>
-          <p:nvPr/>
-        </p:nvPicPr>
-        <p:blipFill>
-          <a:blip r:embed="rId3"/>
-          <a:stretch>
-            <a:fillRect/>
-          </a:stretch>
-        </p:blipFill>
-        <p:spPr>
-          <a:xfrm>
-            <a:off x="9854862" y="1393035"/>
-            <a:ext cx="6796655" cy="7339484"/>
-          </a:xfrm>
-          <a:prstGeom prst="rect">
-            <a:avLst/>
-          </a:prstGeom>
-        </p:spPr>
-      </p:pic>
-      <p:pic>
-        <p:nvPicPr>
-          <p:cNvPr id="28" name="Picture 27" hidden="1">
-            <a:extLst>
-              <a:ext uri="{FF2B5EF4-FFF2-40B4-BE49-F238E27FC236}">
-                <a16:creationId xmlns:a16="http://schemas.microsoft.com/office/drawing/2014/main" id="{581ADD51-243C-C10D-D6C6-52621695CB15}"/>
-              </a:ext>
-            </a:extLst>
-          </p:cNvPr>
-          <p:cNvPicPr>
-            <a:picLocks noChangeAspect="1"/>
-          </p:cNvPicPr>
-          <p:nvPr/>
-        </p:nvPicPr>
-        <p:blipFill>
-          <a:blip r:embed="rId4"/>
-          <a:stretch>
-            <a:fillRect/>
-          </a:stretch>
-        </p:blipFill>
-        <p:spPr>
-          <a:xfrm>
-            <a:off x="2694357" y="5572561"/>
-            <a:ext cx="6803887" cy="3159957"/>
-          </a:xfrm>
-          <a:prstGeom prst="rect">
-            <a:avLst/>
-          </a:prstGeom>
-        </p:spPr>
-      </p:pic>
-      <p:sp>
-        <p:nvSpPr>
-          <p:cNvPr id="6" name="Rectangle: Rounded Corners 5">
-            <a:extLst>
-              <a:ext uri="{FF2B5EF4-FFF2-40B4-BE49-F238E27FC236}">
-                <a16:creationId xmlns:a16="http://schemas.microsoft.com/office/drawing/2014/main" id="{183464F4-D255-20BE-2E4D-56DB4D56CB3E}"/>
-              </a:ext>
-            </a:extLst>
-          </p:cNvPr>
-          <p:cNvSpPr/>
-          <p:nvPr/>
-        </p:nvSpPr>
-        <p:spPr>
-          <a:xfrm>
-            <a:off x="5136217" y="1393036"/>
-            <a:ext cx="2017341" cy="7339482"/>
+            <a:off x="2694355" y="1393035"/>
+            <a:ext cx="10711411" cy="1504173"/>
           </a:xfrm>
           <a:prstGeom prst="roundRect">
             <a:avLst>
-              <a:gd name="adj" fmla="val 4246"/>
+              <a:gd name="adj" fmla="val 7453"/>
             </a:avLst>
           </a:prstGeom>
           <a:solidFill>
@@ -6318,6 +6228,7 @@
                 <a:alpha val="10000"/>
               </a:srgbClr>
             </a:outerShdw>
+            <a:softEdge rad="0"/>
           </a:effectLst>
         </p:spPr>
         <p:style>
@@ -6353,24 +6264,26 @@
       </p:sp>
       <p:sp>
         <p:nvSpPr>
-          <p:cNvPr id="7" name="Rectangle: Rounded Corners 6">
+          <p:cNvPr id="2" name="Rectangle: Rounded Corners 1">
             <a:extLst>
               <a:ext uri="{FF2B5EF4-FFF2-40B4-BE49-F238E27FC236}">
-                <a16:creationId xmlns:a16="http://schemas.microsoft.com/office/drawing/2014/main" id="{8FCBD1E4-7478-28F4-48DC-ECB23DA46E22}"/>
+                <a16:creationId xmlns:a16="http://schemas.microsoft.com/office/drawing/2014/main" id="{BBB30D93-9CA5-FC1D-D458-A54BEA7753AF}"/>
               </a:ext>
             </a:extLst>
           </p:cNvPr>
-          <p:cNvSpPr/>
+          <p:cNvSpPr>
+            <a:spLocks/>
+          </p:cNvSpPr>
           <p:nvPr/>
         </p:nvSpPr>
         <p:spPr>
           <a:xfrm>
-            <a:off x="7578076" y="1393036"/>
-            <a:ext cx="2017341" cy="7339482"/>
+            <a:off x="13830300" y="1393036"/>
+            <a:ext cx="2813974" cy="1504172"/>
           </a:xfrm>
           <a:prstGeom prst="roundRect">
             <a:avLst>
-              <a:gd name="adj" fmla="val 4246"/>
+              <a:gd name="adj" fmla="val 7453"/>
             </a:avLst>
           </a:prstGeom>
           <a:solidFill>
@@ -6385,6 +6298,7 @@
                 <a:alpha val="10000"/>
               </a:srgbClr>
             </a:outerShdw>
+            <a:softEdge rad="0"/>
           </a:effectLst>
         </p:spPr>
         <p:style>
@@ -6420,24 +6334,26 @@
       </p:sp>
       <p:sp>
         <p:nvSpPr>
-          <p:cNvPr id="8" name="Rectangle: Rounded Corners 7">
+          <p:cNvPr id="16" name="Rectangle: Rounded Corners 15">
             <a:extLst>
               <a:ext uri="{FF2B5EF4-FFF2-40B4-BE49-F238E27FC236}">
-                <a16:creationId xmlns:a16="http://schemas.microsoft.com/office/drawing/2014/main" id="{57CD0702-4E35-4C42-F69F-9563069B24EE}"/>
+                <a16:creationId xmlns:a16="http://schemas.microsoft.com/office/drawing/2014/main" id="{C7B83CD1-E71C-BDAD-B184-0170A6B72DCA}"/>
               </a:ext>
             </a:extLst>
           </p:cNvPr>
-          <p:cNvSpPr/>
+          <p:cNvSpPr>
+            <a:spLocks/>
+          </p:cNvSpPr>
           <p:nvPr/>
         </p:nvSpPr>
         <p:spPr>
           <a:xfrm>
-            <a:off x="10019935" y="1393036"/>
-            <a:ext cx="2017341" cy="7339482"/>
+            <a:off x="13830295" y="3200400"/>
+            <a:ext cx="2813974" cy="1689100"/>
           </a:xfrm>
           <a:prstGeom prst="roundRect">
             <a:avLst>
-              <a:gd name="adj" fmla="val 4246"/>
+              <a:gd name="adj" fmla="val 7453"/>
             </a:avLst>
           </a:prstGeom>
           <a:solidFill>
@@ -6452,6 +6368,7 @@
                 <a:alpha val="10000"/>
               </a:srgbClr>
             </a:outerShdw>
+            <a:softEdge rad="0"/>
           </a:effectLst>
         </p:spPr>
         <p:style>
@@ -6485,10 +6402,220 @@
           </a:p>
         </p:txBody>
       </p:sp>
+      <p:sp>
+        <p:nvSpPr>
+          <p:cNvPr id="26" name="Rectangle: Rounded Corners 25">
+            <a:extLst>
+              <a:ext uri="{FF2B5EF4-FFF2-40B4-BE49-F238E27FC236}">
+                <a16:creationId xmlns:a16="http://schemas.microsoft.com/office/drawing/2014/main" id="{EFA71D22-134B-5A0E-071A-F11669C8C0BF}"/>
+              </a:ext>
+            </a:extLst>
+          </p:cNvPr>
+          <p:cNvSpPr>
+            <a:spLocks/>
+          </p:cNvSpPr>
+          <p:nvPr/>
+        </p:nvSpPr>
+        <p:spPr>
+          <a:xfrm>
+            <a:off x="10807703" y="3200400"/>
+            <a:ext cx="2598061" cy="5479760"/>
+          </a:xfrm>
+          <a:prstGeom prst="roundRect">
+            <a:avLst>
+              <a:gd name="adj" fmla="val 2037"/>
+            </a:avLst>
+          </a:prstGeom>
+          <a:solidFill>
+            <a:schemeClr val="bg1"/>
+          </a:solidFill>
+          <a:ln>
+            <a:noFill/>
+          </a:ln>
+          <a:effectLst>
+            <a:outerShdw blurRad="50800" dist="50800" dir="5400000" sx="102000" sy="102000" algn="ctr" rotWithShape="0">
+              <a:srgbClr val="000000">
+                <a:alpha val="10000"/>
+              </a:srgbClr>
+            </a:outerShdw>
+            <a:softEdge rad="0"/>
+          </a:effectLst>
+        </p:spPr>
+        <p:style>
+          <a:lnRef idx="2">
+            <a:schemeClr val="accent1">
+              <a:shade val="15000"/>
+            </a:schemeClr>
+          </a:lnRef>
+          <a:fillRef idx="1">
+            <a:schemeClr val="accent1"/>
+          </a:fillRef>
+          <a:effectRef idx="0">
+            <a:schemeClr val="accent1"/>
+          </a:effectRef>
+          <a:fontRef idx="minor">
+            <a:schemeClr val="lt1"/>
+          </a:fontRef>
+        </p:style>
+        <p:txBody>
+          <a:bodyPr rtlCol="0" anchor="ctr"/>
+          <a:lstStyle/>
+          <a:p>
+            <a:endParaRPr lang="en-US" sz="3200" b="1">
+              <a:solidFill>
+                <a:schemeClr val="tx1"/>
+              </a:solidFill>
+              <a:latin typeface="Segoe UI Variable Text" pitchFamily="2" charset="0"/>
+              <a:ea typeface="Segoe UI Black" panose="020B0A02040204020203" pitchFamily="34" charset="0"/>
+              <a:cs typeface="Segoe UI Semibold" panose="020B0702040204020203" pitchFamily="34" charset="0"/>
+            </a:endParaRPr>
+          </a:p>
+        </p:txBody>
+      </p:sp>
+      <p:sp>
+        <p:nvSpPr>
+          <p:cNvPr id="6" name="Rectangle: Rounded Corners 5">
+            <a:extLst>
+              <a:ext uri="{FF2B5EF4-FFF2-40B4-BE49-F238E27FC236}">
+                <a16:creationId xmlns:a16="http://schemas.microsoft.com/office/drawing/2014/main" id="{668E4D27-AACA-91F7-87DE-476555F79544}"/>
+              </a:ext>
+            </a:extLst>
+          </p:cNvPr>
+          <p:cNvSpPr>
+            <a:spLocks/>
+          </p:cNvSpPr>
+          <p:nvPr/>
+        </p:nvSpPr>
+        <p:spPr>
+          <a:xfrm>
+            <a:off x="13830295" y="5095730"/>
+            <a:ext cx="2813974" cy="1689100"/>
+          </a:xfrm>
+          <a:prstGeom prst="roundRect">
+            <a:avLst>
+              <a:gd name="adj" fmla="val 7453"/>
+            </a:avLst>
+          </a:prstGeom>
+          <a:solidFill>
+            <a:schemeClr val="bg1"/>
+          </a:solidFill>
+          <a:ln>
+            <a:noFill/>
+          </a:ln>
+          <a:effectLst>
+            <a:outerShdw blurRad="50800" dist="50800" dir="5400000" sx="102000" sy="102000" algn="ctr" rotWithShape="0">
+              <a:srgbClr val="000000">
+                <a:alpha val="10000"/>
+              </a:srgbClr>
+            </a:outerShdw>
+            <a:softEdge rad="0"/>
+          </a:effectLst>
+        </p:spPr>
+        <p:style>
+          <a:lnRef idx="2">
+            <a:schemeClr val="accent1">
+              <a:shade val="15000"/>
+            </a:schemeClr>
+          </a:lnRef>
+          <a:fillRef idx="1">
+            <a:schemeClr val="accent1"/>
+          </a:fillRef>
+          <a:effectRef idx="0">
+            <a:schemeClr val="accent1"/>
+          </a:effectRef>
+          <a:fontRef idx="minor">
+            <a:schemeClr val="lt1"/>
+          </a:fontRef>
+        </p:style>
+        <p:txBody>
+          <a:bodyPr rtlCol="0" anchor="ctr"/>
+          <a:lstStyle/>
+          <a:p>
+            <a:endParaRPr lang="en-US" sz="3200" b="1">
+              <a:solidFill>
+                <a:schemeClr val="tx1"/>
+              </a:solidFill>
+              <a:latin typeface="Segoe UI Variable Text" pitchFamily="2" charset="0"/>
+              <a:ea typeface="Segoe UI Black" panose="020B0A02040204020203" pitchFamily="34" charset="0"/>
+              <a:cs typeface="Segoe UI Semibold" panose="020B0702040204020203" pitchFamily="34" charset="0"/>
+            </a:endParaRPr>
+          </a:p>
+        </p:txBody>
+      </p:sp>
+      <p:sp>
+        <p:nvSpPr>
+          <p:cNvPr id="7" name="Rectangle: Rounded Corners 6">
+            <a:extLst>
+              <a:ext uri="{FF2B5EF4-FFF2-40B4-BE49-F238E27FC236}">
+                <a16:creationId xmlns:a16="http://schemas.microsoft.com/office/drawing/2014/main" id="{B34A799E-1D7E-F9E1-A60D-59299A4196D8}"/>
+              </a:ext>
+            </a:extLst>
+          </p:cNvPr>
+          <p:cNvSpPr>
+            <a:spLocks/>
+          </p:cNvSpPr>
+          <p:nvPr/>
+        </p:nvSpPr>
+        <p:spPr>
+          <a:xfrm>
+            <a:off x="13830295" y="6991060"/>
+            <a:ext cx="2813974" cy="1689100"/>
+          </a:xfrm>
+          <a:prstGeom prst="roundRect">
+            <a:avLst>
+              <a:gd name="adj" fmla="val 7453"/>
+            </a:avLst>
+          </a:prstGeom>
+          <a:solidFill>
+            <a:schemeClr val="bg1"/>
+          </a:solidFill>
+          <a:ln>
+            <a:noFill/>
+          </a:ln>
+          <a:effectLst>
+            <a:outerShdw blurRad="50800" dist="50800" dir="5400000" sx="102000" sy="102000" algn="ctr" rotWithShape="0">
+              <a:srgbClr val="000000">
+                <a:alpha val="10000"/>
+              </a:srgbClr>
+            </a:outerShdw>
+            <a:softEdge rad="0"/>
+          </a:effectLst>
+        </p:spPr>
+        <p:style>
+          <a:lnRef idx="2">
+            <a:schemeClr val="accent1">
+              <a:shade val="15000"/>
+            </a:schemeClr>
+          </a:lnRef>
+          <a:fillRef idx="1">
+            <a:schemeClr val="accent1"/>
+          </a:fillRef>
+          <a:effectRef idx="0">
+            <a:schemeClr val="accent1"/>
+          </a:effectRef>
+          <a:fontRef idx="minor">
+            <a:schemeClr val="lt1"/>
+          </a:fontRef>
+        </p:style>
+        <p:txBody>
+          <a:bodyPr rtlCol="0" anchor="ctr"/>
+          <a:lstStyle/>
+          <a:p>
+            <a:endParaRPr lang="en-US" sz="3200" b="1">
+              <a:solidFill>
+                <a:schemeClr val="tx1"/>
+              </a:solidFill>
+              <a:latin typeface="Segoe UI Variable Text" pitchFamily="2" charset="0"/>
+              <a:ea typeface="Segoe UI Black" panose="020B0A02040204020203" pitchFamily="34" charset="0"/>
+              <a:cs typeface="Segoe UI Semibold" panose="020B0702040204020203" pitchFamily="34" charset="0"/>
+            </a:endParaRPr>
+          </a:p>
+        </p:txBody>
+      </p:sp>
     </p:spTree>
     <p:extLst>
       <p:ext uri="{BB962C8B-B14F-4D97-AF65-F5344CB8AC3E}">
-        <p14:creationId xmlns:p14="http://schemas.microsoft.com/office/powerpoint/2010/main" val="1177593292"/>
+        <p14:creationId xmlns:p14="http://schemas.microsoft.com/office/powerpoint/2010/main" val="3798665442"/>
       </p:ext>
     </p:extLst>
   </p:cSld>

--- a/Power BI Report/Dashboard Layout.pptx
+++ b/Power BI Report/Dashboard Layout.pptx
@@ -246,7 +246,7 @@
           <a:p>
             <a:fld id="{7A2C6692-EA0D-4861-862E-DDC209ABBD47}" type="datetimeFigureOut">
               <a:rPr lang="en-US" smtClean="0"/>
-              <a:t>10/31/2025</a:t>
+              <a:t>11/5/2025</a:t>
             </a:fld>
             <a:endParaRPr lang="en-US"/>
           </a:p>
@@ -416,7 +416,7 @@
           <a:p>
             <a:fld id="{7A2C6692-EA0D-4861-862E-DDC209ABBD47}" type="datetimeFigureOut">
               <a:rPr lang="en-US" smtClean="0"/>
-              <a:t>10/31/2025</a:t>
+              <a:t>11/5/2025</a:t>
             </a:fld>
             <a:endParaRPr lang="en-US"/>
           </a:p>
@@ -596,7 +596,7 @@
           <a:p>
             <a:fld id="{7A2C6692-EA0D-4861-862E-DDC209ABBD47}" type="datetimeFigureOut">
               <a:rPr lang="en-US" smtClean="0"/>
-              <a:t>10/31/2025</a:t>
+              <a:t>11/5/2025</a:t>
             </a:fld>
             <a:endParaRPr lang="en-US"/>
           </a:p>
@@ -766,7 +766,7 @@
           <a:p>
             <a:fld id="{7A2C6692-EA0D-4861-862E-DDC209ABBD47}" type="datetimeFigureOut">
               <a:rPr lang="en-US" smtClean="0"/>
-              <a:t>10/31/2025</a:t>
+              <a:t>11/5/2025</a:t>
             </a:fld>
             <a:endParaRPr lang="en-US"/>
           </a:p>
@@ -1012,7 +1012,7 @@
           <a:p>
             <a:fld id="{7A2C6692-EA0D-4861-862E-DDC209ABBD47}" type="datetimeFigureOut">
               <a:rPr lang="en-US" smtClean="0"/>
-              <a:t>10/31/2025</a:t>
+              <a:t>11/5/2025</a:t>
             </a:fld>
             <a:endParaRPr lang="en-US"/>
           </a:p>
@@ -1244,7 +1244,7 @@
           <a:p>
             <a:fld id="{7A2C6692-EA0D-4861-862E-DDC209ABBD47}" type="datetimeFigureOut">
               <a:rPr lang="en-US" smtClean="0"/>
-              <a:t>10/31/2025</a:t>
+              <a:t>11/5/2025</a:t>
             </a:fld>
             <a:endParaRPr lang="en-US"/>
           </a:p>
@@ -1611,7 +1611,7 @@
           <a:p>
             <a:fld id="{7A2C6692-EA0D-4861-862E-DDC209ABBD47}" type="datetimeFigureOut">
               <a:rPr lang="en-US" smtClean="0"/>
-              <a:t>10/31/2025</a:t>
+              <a:t>11/5/2025</a:t>
             </a:fld>
             <a:endParaRPr lang="en-US"/>
           </a:p>
@@ -1729,7 +1729,7 @@
           <a:p>
             <a:fld id="{7A2C6692-EA0D-4861-862E-DDC209ABBD47}" type="datetimeFigureOut">
               <a:rPr lang="en-US" smtClean="0"/>
-              <a:t>10/31/2025</a:t>
+              <a:t>11/5/2025</a:t>
             </a:fld>
             <a:endParaRPr lang="en-US"/>
           </a:p>
@@ -1824,7 +1824,7 @@
           <a:p>
             <a:fld id="{7A2C6692-EA0D-4861-862E-DDC209ABBD47}" type="datetimeFigureOut">
               <a:rPr lang="en-US" smtClean="0"/>
-              <a:t>10/31/2025</a:t>
+              <a:t>11/5/2025</a:t>
             </a:fld>
             <a:endParaRPr lang="en-US"/>
           </a:p>
@@ -2101,7 +2101,7 @@
           <a:p>
             <a:fld id="{7A2C6692-EA0D-4861-862E-DDC209ABBD47}" type="datetimeFigureOut">
               <a:rPr lang="en-US" smtClean="0"/>
-              <a:t>10/31/2025</a:t>
+              <a:t>11/5/2025</a:t>
             </a:fld>
             <a:endParaRPr lang="en-US"/>
           </a:p>
@@ -2358,7 +2358,7 @@
           <a:p>
             <a:fld id="{7A2C6692-EA0D-4861-862E-DDC209ABBD47}" type="datetimeFigureOut">
               <a:rPr lang="en-US" smtClean="0"/>
-              <a:t>10/31/2025</a:t>
+              <a:t>11/5/2025</a:t>
             </a:fld>
             <a:endParaRPr lang="en-US"/>
           </a:p>
@@ -2571,7 +2571,7 @@
           <a:p>
             <a:fld id="{7A2C6692-EA0D-4861-862E-DDC209ABBD47}" type="datetimeFigureOut">
               <a:rPr lang="en-US" smtClean="0"/>
-              <a:t>10/31/2025</a:t>
+              <a:t>11/5/2025</a:t>
             </a:fld>
             <a:endParaRPr lang="en-US"/>
           </a:p>
@@ -2965,7 +2965,9 @@
     <p:bg>
       <p:bgPr>
         <a:solidFill>
-          <a:srgbClr val="B2292E"/>
+          <a:srgbClr val="F7F7F7">
+            <a:alpha val="50000"/>
+          </a:srgbClr>
         </a:solidFill>
         <a:effectLst/>
       </p:bgPr>
@@ -2992,114 +2994,6 @@
       </p:grpSpPr>
       <p:sp>
         <p:nvSpPr>
-          <p:cNvPr id="4" name="Rectangle: Rounded Corners 3">
-            <a:extLst>
-              <a:ext uri="{FF2B5EF4-FFF2-40B4-BE49-F238E27FC236}">
-                <a16:creationId xmlns:a16="http://schemas.microsoft.com/office/drawing/2014/main" id="{EB847A09-D76E-0C6D-480A-7D38A67C37EC}"/>
-              </a:ext>
-            </a:extLst>
-          </p:cNvPr>
-          <p:cNvSpPr>
-            <a:spLocks noGrp="1" noRot="1" noMove="1" noResize="1" noEditPoints="1" noAdjustHandles="1" noChangeArrowheads="1" noChangeShapeType="1"/>
-          </p:cNvSpPr>
-          <p:nvPr/>
-        </p:nvSpPr>
-        <p:spPr>
-          <a:xfrm>
-            <a:off x="217716" y="246743"/>
-            <a:ext cx="16851084" cy="8650514"/>
-          </a:xfrm>
-          <a:prstGeom prst="roundRect">
-            <a:avLst>
-              <a:gd name="adj" fmla="val 4623"/>
-            </a:avLst>
-          </a:prstGeom>
-          <a:solidFill>
-            <a:srgbClr val="F7F7F7"/>
-          </a:solidFill>
-          <a:ln>
-            <a:noFill/>
-          </a:ln>
-          <a:effectLst>
-            <a:outerShdw blurRad="50800" dist="50800" dir="5400000" algn="ctr" rotWithShape="0">
-              <a:srgbClr val="000000">
-                <a:alpha val="11000"/>
-              </a:srgbClr>
-            </a:outerShdw>
-          </a:effectLst>
-        </p:spPr>
-        <p:style>
-          <a:lnRef idx="2">
-            <a:schemeClr val="accent1">
-              <a:shade val="15000"/>
-            </a:schemeClr>
-          </a:lnRef>
-          <a:fillRef idx="1">
-            <a:schemeClr val="accent1"/>
-          </a:fillRef>
-          <a:effectRef idx="0">
-            <a:schemeClr val="accent1"/>
-          </a:effectRef>
-          <a:fontRef idx="minor">
-            <a:schemeClr val="lt1"/>
-          </a:fontRef>
-        </p:style>
-        <p:txBody>
-          <a:bodyPr rtlCol="0" anchor="ctr"/>
-          <a:lstStyle/>
-          <a:p>
-            <a:pPr algn="ctr"/>
-            <a:endParaRPr lang="en-US" dirty="0"/>
-          </a:p>
-        </p:txBody>
-      </p:sp>
-      <p:cxnSp>
-        <p:nvCxnSpPr>
-          <p:cNvPr id="5" name="Straight Arrow Connector 4">
-            <a:extLst>
-              <a:ext uri="{FF2B5EF4-FFF2-40B4-BE49-F238E27FC236}">
-                <a16:creationId xmlns:a16="http://schemas.microsoft.com/office/drawing/2014/main" id="{6895C263-55EB-93F9-DF6A-5477876A080C}"/>
-              </a:ext>
-            </a:extLst>
-          </p:cNvPr>
-          <p:cNvCxnSpPr>
-            <a:cxnSpLocks noGrp="1" noRot="1" noMove="1" noResize="1" noEditPoints="1" noAdjustHandles="1" noChangeArrowheads="1" noChangeShapeType="1"/>
-          </p:cNvCxnSpPr>
-          <p:nvPr/>
-        </p:nvCxnSpPr>
-        <p:spPr>
-          <a:xfrm>
-            <a:off x="2269839" y="411480"/>
-            <a:ext cx="0" cy="8321040"/>
-          </a:xfrm>
-          <a:prstGeom prst="straightConnector1">
-            <a:avLst/>
-          </a:prstGeom>
-          <a:ln w="25400">
-            <a:solidFill>
-              <a:schemeClr val="bg1">
-                <a:lumMod val="85000"/>
-              </a:schemeClr>
-            </a:solidFill>
-          </a:ln>
-        </p:spPr>
-        <p:style>
-          <a:lnRef idx="2">
-            <a:schemeClr val="accent1"/>
-          </a:lnRef>
-          <a:fillRef idx="0">
-            <a:schemeClr val="accent1"/>
-          </a:fillRef>
-          <a:effectRef idx="1">
-            <a:schemeClr val="accent1"/>
-          </a:effectRef>
-          <a:fontRef idx="minor">
-            <a:schemeClr val="tx1"/>
-          </a:fontRef>
-        </p:style>
-      </p:cxnSp>
-      <p:sp>
-        <p:nvSpPr>
           <p:cNvPr id="11" name="Rectangle 10">
             <a:extLst>
               <a:ext uri="{FF2B5EF4-FFF2-40B4-BE49-F238E27FC236}">
@@ -3445,7 +3339,7 @@
         <p:spPr>
           <a:xfrm>
             <a:off x="8385488" y="1393035"/>
-            <a:ext cx="8258786" cy="7339480"/>
+            <a:ext cx="8586582" cy="7339480"/>
           </a:xfrm>
           <a:prstGeom prst="roundRect">
             <a:avLst>
@@ -3638,7 +3532,7 @@
         </p:nvSpPr>
         <p:spPr>
           <a:xfrm>
-            <a:off x="2694357" y="1393036"/>
+            <a:off x="2694357" y="1393035"/>
             <a:ext cx="5256953" cy="7339480"/>
           </a:xfrm>
           <a:prstGeom prst="roundRect">
@@ -3753,7 +3647,7 @@
         </p:nvCxnSpPr>
         <p:spPr>
           <a:xfrm flipV="1">
-            <a:off x="11866071" y="2082800"/>
+            <a:off x="12139031" y="2082800"/>
             <a:ext cx="0" cy="6538686"/>
           </a:xfrm>
           <a:prstGeom prst="straightConnector1">
@@ -3799,7 +3693,7 @@
         <p:spPr>
           <a:xfrm flipH="1">
             <a:off x="8634659" y="5009807"/>
-            <a:ext cx="7760445" cy="0"/>
+            <a:ext cx="8009615" cy="0"/>
           </a:xfrm>
           <a:prstGeom prst="straightConnector1">
             <a:avLst/>
@@ -3827,6 +3721,61 @@
           </a:fontRef>
         </p:style>
       </p:cxnSp>
+      <p:sp>
+        <p:nvSpPr>
+          <p:cNvPr id="12" name="Rectangle: Top Corners Rounded 11">
+            <a:extLst>
+              <a:ext uri="{FF2B5EF4-FFF2-40B4-BE49-F238E27FC236}">
+                <a16:creationId xmlns:a16="http://schemas.microsoft.com/office/drawing/2014/main" id="{50669075-21A0-5708-CA7B-466D2C730EDA}"/>
+              </a:ext>
+            </a:extLst>
+          </p:cNvPr>
+          <p:cNvSpPr/>
+          <p:nvPr/>
+        </p:nvSpPr>
+        <p:spPr>
+          <a:xfrm rot="5400000">
+            <a:off x="-3430417" y="3420759"/>
+            <a:ext cx="9144000" cy="2302482"/>
+          </a:xfrm>
+          <a:prstGeom prst="round2SameRect">
+            <a:avLst>
+              <a:gd name="adj1" fmla="val 15107"/>
+              <a:gd name="adj2" fmla="val 0"/>
+            </a:avLst>
+          </a:prstGeom>
+          <a:solidFill>
+            <a:srgbClr val="B2292E"/>
+          </a:solidFill>
+          <a:ln>
+            <a:noFill/>
+          </a:ln>
+        </p:spPr>
+        <p:style>
+          <a:lnRef idx="2">
+            <a:schemeClr val="accent1">
+              <a:shade val="15000"/>
+            </a:schemeClr>
+          </a:lnRef>
+          <a:fillRef idx="1">
+            <a:schemeClr val="accent1"/>
+          </a:fillRef>
+          <a:effectRef idx="0">
+            <a:schemeClr val="accent1"/>
+          </a:effectRef>
+          <a:fontRef idx="minor">
+            <a:schemeClr val="lt1"/>
+          </a:fontRef>
+        </p:style>
+        <p:txBody>
+          <a:bodyPr rtlCol="0" anchor="ctr"/>
+          <a:lstStyle/>
+          <a:p>
+            <a:pPr algn="ctr"/>
+            <a:endParaRPr lang="en-US" dirty="0"/>
+          </a:p>
+        </p:txBody>
+      </p:sp>
     </p:spTree>
     <p:extLst>
       <p:ext uri="{BB962C8B-B14F-4D97-AF65-F5344CB8AC3E}">
@@ -3846,7 +3795,9 @@
     <p:bg>
       <p:bgPr>
         <a:solidFill>
-          <a:srgbClr val="B2292E"/>
+          <a:srgbClr val="F7F7F7">
+            <a:alpha val="50000"/>
+          </a:srgbClr>
         </a:solidFill>
         <a:effectLst/>
       </p:bgPr>
@@ -3873,114 +3824,6 @@
       </p:grpSpPr>
       <p:sp>
         <p:nvSpPr>
-          <p:cNvPr id="4" name="Rectangle: Rounded Corners 3">
-            <a:extLst>
-              <a:ext uri="{FF2B5EF4-FFF2-40B4-BE49-F238E27FC236}">
-                <a16:creationId xmlns:a16="http://schemas.microsoft.com/office/drawing/2014/main" id="{DBB891E1-4906-7DF3-431F-87471927EC0E}"/>
-              </a:ext>
-            </a:extLst>
-          </p:cNvPr>
-          <p:cNvSpPr>
-            <a:spLocks noGrp="1" noRot="1" noMove="1" noResize="1" noEditPoints="1" noAdjustHandles="1" noChangeArrowheads="1" noChangeShapeType="1"/>
-          </p:cNvSpPr>
-          <p:nvPr/>
-        </p:nvSpPr>
-        <p:spPr>
-          <a:xfrm>
-            <a:off x="217716" y="246743"/>
-            <a:ext cx="16851084" cy="8650514"/>
-          </a:xfrm>
-          <a:prstGeom prst="roundRect">
-            <a:avLst>
-              <a:gd name="adj" fmla="val 4623"/>
-            </a:avLst>
-          </a:prstGeom>
-          <a:solidFill>
-            <a:srgbClr val="F7F7F7"/>
-          </a:solidFill>
-          <a:ln>
-            <a:noFill/>
-          </a:ln>
-          <a:effectLst>
-            <a:outerShdw blurRad="50800" dist="50800" dir="5400000" algn="ctr" rotWithShape="0">
-              <a:srgbClr val="000000">
-                <a:alpha val="11000"/>
-              </a:srgbClr>
-            </a:outerShdw>
-          </a:effectLst>
-        </p:spPr>
-        <p:style>
-          <a:lnRef idx="2">
-            <a:schemeClr val="accent1">
-              <a:shade val="15000"/>
-            </a:schemeClr>
-          </a:lnRef>
-          <a:fillRef idx="1">
-            <a:schemeClr val="accent1"/>
-          </a:fillRef>
-          <a:effectRef idx="0">
-            <a:schemeClr val="accent1"/>
-          </a:effectRef>
-          <a:fontRef idx="minor">
-            <a:schemeClr val="lt1"/>
-          </a:fontRef>
-        </p:style>
-        <p:txBody>
-          <a:bodyPr rtlCol="0" anchor="ctr"/>
-          <a:lstStyle/>
-          <a:p>
-            <a:pPr algn="ctr"/>
-            <a:endParaRPr lang="en-US" dirty="0"/>
-          </a:p>
-        </p:txBody>
-      </p:sp>
-      <p:cxnSp>
-        <p:nvCxnSpPr>
-          <p:cNvPr id="5" name="Straight Arrow Connector 4">
-            <a:extLst>
-              <a:ext uri="{FF2B5EF4-FFF2-40B4-BE49-F238E27FC236}">
-                <a16:creationId xmlns:a16="http://schemas.microsoft.com/office/drawing/2014/main" id="{9B367811-EE10-B030-EFA4-D1EEAE13286E}"/>
-              </a:ext>
-            </a:extLst>
-          </p:cNvPr>
-          <p:cNvCxnSpPr>
-            <a:cxnSpLocks noGrp="1" noRot="1" noMove="1" noResize="1" noEditPoints="1" noAdjustHandles="1" noChangeArrowheads="1" noChangeShapeType="1"/>
-          </p:cNvCxnSpPr>
-          <p:nvPr/>
-        </p:nvCxnSpPr>
-        <p:spPr>
-          <a:xfrm>
-            <a:off x="2269839" y="411480"/>
-            <a:ext cx="0" cy="8321040"/>
-          </a:xfrm>
-          <a:prstGeom prst="straightConnector1">
-            <a:avLst/>
-          </a:prstGeom>
-          <a:ln w="25400">
-            <a:solidFill>
-              <a:schemeClr val="bg1">
-                <a:lumMod val="85000"/>
-              </a:schemeClr>
-            </a:solidFill>
-          </a:ln>
-        </p:spPr>
-        <p:style>
-          <a:lnRef idx="2">
-            <a:schemeClr val="accent1"/>
-          </a:lnRef>
-          <a:fillRef idx="0">
-            <a:schemeClr val="accent1"/>
-          </a:fillRef>
-          <a:effectRef idx="1">
-            <a:schemeClr val="accent1"/>
-          </a:effectRef>
-          <a:fontRef idx="minor">
-            <a:schemeClr val="tx1"/>
-          </a:fontRef>
-        </p:style>
-      </p:cxnSp>
-      <p:sp>
-        <p:nvSpPr>
           <p:cNvPr id="11" name="Rectangle 10">
             <a:extLst>
               <a:ext uri="{FF2B5EF4-FFF2-40B4-BE49-F238E27FC236}">
@@ -4326,7 +4169,7 @@
         <p:spPr>
           <a:xfrm>
             <a:off x="8385488" y="1393036"/>
-            <a:ext cx="8258786" cy="2645564"/>
+            <a:ext cx="8586582" cy="2645564"/>
           </a:xfrm>
           <a:prstGeom prst="roundRect">
             <a:avLst>
@@ -4589,8 +4432,8 @@
         </p:nvSpPr>
         <p:spPr>
           <a:xfrm>
-            <a:off x="8385488" y="4301336"/>
-            <a:ext cx="8258786" cy="4431180"/>
+            <a:off x="8385487" y="4301336"/>
+            <a:ext cx="8586581" cy="4431180"/>
           </a:xfrm>
           <a:prstGeom prst="roundRect">
             <a:avLst>
@@ -4687,6 +4530,61 @@
           </a:fontRef>
         </p:style>
       </p:cxnSp>
+      <p:sp>
+        <p:nvSpPr>
+          <p:cNvPr id="7" name="Rectangle: Top Corners Rounded 6">
+            <a:extLst>
+              <a:ext uri="{FF2B5EF4-FFF2-40B4-BE49-F238E27FC236}">
+                <a16:creationId xmlns:a16="http://schemas.microsoft.com/office/drawing/2014/main" id="{EB03576E-3D27-5C4D-57D3-5B6292BB0578}"/>
+              </a:ext>
+            </a:extLst>
+          </p:cNvPr>
+          <p:cNvSpPr/>
+          <p:nvPr/>
+        </p:nvSpPr>
+        <p:spPr>
+          <a:xfrm rot="5400000">
+            <a:off x="-3430417" y="3420759"/>
+            <a:ext cx="9144000" cy="2302482"/>
+          </a:xfrm>
+          <a:prstGeom prst="round2SameRect">
+            <a:avLst>
+              <a:gd name="adj1" fmla="val 15107"/>
+              <a:gd name="adj2" fmla="val 0"/>
+            </a:avLst>
+          </a:prstGeom>
+          <a:solidFill>
+            <a:srgbClr val="B2292E"/>
+          </a:solidFill>
+          <a:ln>
+            <a:noFill/>
+          </a:ln>
+        </p:spPr>
+        <p:style>
+          <a:lnRef idx="2">
+            <a:schemeClr val="accent1">
+              <a:shade val="15000"/>
+            </a:schemeClr>
+          </a:lnRef>
+          <a:fillRef idx="1">
+            <a:schemeClr val="accent1"/>
+          </a:fillRef>
+          <a:effectRef idx="0">
+            <a:schemeClr val="accent1"/>
+          </a:effectRef>
+          <a:fontRef idx="minor">
+            <a:schemeClr val="lt1"/>
+          </a:fontRef>
+        </p:style>
+        <p:txBody>
+          <a:bodyPr rtlCol="0" anchor="ctr"/>
+          <a:lstStyle/>
+          <a:p>
+            <a:pPr algn="ctr"/>
+            <a:endParaRPr lang="en-US" dirty="0"/>
+          </a:p>
+        </p:txBody>
+      </p:sp>
     </p:spTree>
     <p:extLst>
       <p:ext uri="{BB962C8B-B14F-4D97-AF65-F5344CB8AC3E}">
@@ -4706,7 +4604,9 @@
     <p:bg>
       <p:bgPr>
         <a:solidFill>
-          <a:srgbClr val="B2292E"/>
+          <a:srgbClr val="F7F7F7">
+            <a:alpha val="50000"/>
+          </a:srgbClr>
         </a:solidFill>
         <a:effectLst/>
       </p:bgPr>
@@ -4727,114 +4627,6 @@
       </p:grpSpPr>
       <p:sp>
         <p:nvSpPr>
-          <p:cNvPr id="4" name="Rectangle: Rounded Corners 3">
-            <a:extLst>
-              <a:ext uri="{FF2B5EF4-FFF2-40B4-BE49-F238E27FC236}">
-                <a16:creationId xmlns:a16="http://schemas.microsoft.com/office/drawing/2014/main" id="{D1FC6296-D434-692C-6061-B07579B5615B}"/>
-              </a:ext>
-            </a:extLst>
-          </p:cNvPr>
-          <p:cNvSpPr>
-            <a:spLocks noGrp="1" noRot="1" noMove="1" noResize="1" noEditPoints="1" noAdjustHandles="1" noChangeArrowheads="1" noChangeShapeType="1"/>
-          </p:cNvSpPr>
-          <p:nvPr/>
-        </p:nvSpPr>
-        <p:spPr>
-          <a:xfrm>
-            <a:off x="217716" y="246743"/>
-            <a:ext cx="16851084" cy="8650514"/>
-          </a:xfrm>
-          <a:prstGeom prst="roundRect">
-            <a:avLst>
-              <a:gd name="adj" fmla="val 4623"/>
-            </a:avLst>
-          </a:prstGeom>
-          <a:solidFill>
-            <a:srgbClr val="F7F7F7"/>
-          </a:solidFill>
-          <a:ln>
-            <a:noFill/>
-          </a:ln>
-          <a:effectLst>
-            <a:outerShdw blurRad="50800" dist="50800" dir="5400000" algn="ctr" rotWithShape="0">
-              <a:srgbClr val="000000">
-                <a:alpha val="11000"/>
-              </a:srgbClr>
-            </a:outerShdw>
-          </a:effectLst>
-        </p:spPr>
-        <p:style>
-          <a:lnRef idx="2">
-            <a:schemeClr val="accent1">
-              <a:shade val="15000"/>
-            </a:schemeClr>
-          </a:lnRef>
-          <a:fillRef idx="1">
-            <a:schemeClr val="accent1"/>
-          </a:fillRef>
-          <a:effectRef idx="0">
-            <a:schemeClr val="accent1"/>
-          </a:effectRef>
-          <a:fontRef idx="minor">
-            <a:schemeClr val="lt1"/>
-          </a:fontRef>
-        </p:style>
-        <p:txBody>
-          <a:bodyPr rtlCol="0" anchor="ctr"/>
-          <a:lstStyle/>
-          <a:p>
-            <a:pPr algn="ctr"/>
-            <a:endParaRPr lang="en-US" dirty="0"/>
-          </a:p>
-        </p:txBody>
-      </p:sp>
-      <p:cxnSp>
-        <p:nvCxnSpPr>
-          <p:cNvPr id="5" name="Straight Arrow Connector 4">
-            <a:extLst>
-              <a:ext uri="{FF2B5EF4-FFF2-40B4-BE49-F238E27FC236}">
-                <a16:creationId xmlns:a16="http://schemas.microsoft.com/office/drawing/2014/main" id="{53B5EA2F-139A-7FC6-3140-38EFB2A357E4}"/>
-              </a:ext>
-            </a:extLst>
-          </p:cNvPr>
-          <p:cNvCxnSpPr>
-            <a:cxnSpLocks noGrp="1" noRot="1" noMove="1" noResize="1" noEditPoints="1" noAdjustHandles="1" noChangeArrowheads="1" noChangeShapeType="1"/>
-          </p:cNvCxnSpPr>
-          <p:nvPr/>
-        </p:nvCxnSpPr>
-        <p:spPr>
-          <a:xfrm>
-            <a:off x="2269839" y="411480"/>
-            <a:ext cx="0" cy="8321040"/>
-          </a:xfrm>
-          <a:prstGeom prst="straightConnector1">
-            <a:avLst/>
-          </a:prstGeom>
-          <a:ln w="25400">
-            <a:solidFill>
-              <a:schemeClr val="bg1">
-                <a:lumMod val="85000"/>
-              </a:schemeClr>
-            </a:solidFill>
-          </a:ln>
-        </p:spPr>
-        <p:style>
-          <a:lnRef idx="2">
-            <a:schemeClr val="accent1"/>
-          </a:lnRef>
-          <a:fillRef idx="0">
-            <a:schemeClr val="accent1"/>
-          </a:fillRef>
-          <a:effectRef idx="1">
-            <a:schemeClr val="accent1"/>
-          </a:effectRef>
-          <a:fontRef idx="minor">
-            <a:schemeClr val="tx1"/>
-          </a:fontRef>
-        </p:style>
-      </p:cxnSp>
-      <p:sp>
-        <p:nvSpPr>
           <p:cNvPr id="12" name="Rectangle: Rounded Corners 11">
             <a:extLst>
               <a:ext uri="{FF2B5EF4-FFF2-40B4-BE49-F238E27FC236}">
@@ -4982,7 +4774,7 @@
         <p:spPr>
           <a:xfrm>
             <a:off x="10313568" y="1393037"/>
-            <a:ext cx="6330711" cy="7339482"/>
+            <a:ext cx="6658502" cy="7339482"/>
           </a:xfrm>
           <a:prstGeom prst="roundRect">
             <a:avLst>
@@ -5516,6 +5308,61 @@
           </a:prstGeom>
         </p:spPr>
       </p:pic>
+      <p:sp>
+        <p:nvSpPr>
+          <p:cNvPr id="3" name="Rectangle: Top Corners Rounded 2">
+            <a:extLst>
+              <a:ext uri="{FF2B5EF4-FFF2-40B4-BE49-F238E27FC236}">
+                <a16:creationId xmlns:a16="http://schemas.microsoft.com/office/drawing/2014/main" id="{10FEA41C-85AF-88B1-5BFE-58DFDFB6A855}"/>
+              </a:ext>
+            </a:extLst>
+          </p:cNvPr>
+          <p:cNvSpPr/>
+          <p:nvPr/>
+        </p:nvSpPr>
+        <p:spPr>
+          <a:xfrm rot="5400000">
+            <a:off x="-3430417" y="3420759"/>
+            <a:ext cx="9144000" cy="2302482"/>
+          </a:xfrm>
+          <a:prstGeom prst="round2SameRect">
+            <a:avLst>
+              <a:gd name="adj1" fmla="val 15107"/>
+              <a:gd name="adj2" fmla="val 0"/>
+            </a:avLst>
+          </a:prstGeom>
+          <a:solidFill>
+            <a:srgbClr val="B2292E"/>
+          </a:solidFill>
+          <a:ln>
+            <a:noFill/>
+          </a:ln>
+        </p:spPr>
+        <p:style>
+          <a:lnRef idx="2">
+            <a:schemeClr val="accent1">
+              <a:shade val="15000"/>
+            </a:schemeClr>
+          </a:lnRef>
+          <a:fillRef idx="1">
+            <a:schemeClr val="accent1"/>
+          </a:fillRef>
+          <a:effectRef idx="0">
+            <a:schemeClr val="accent1"/>
+          </a:effectRef>
+          <a:fontRef idx="minor">
+            <a:schemeClr val="lt1"/>
+          </a:fontRef>
+        </p:style>
+        <p:txBody>
+          <a:bodyPr rtlCol="0" anchor="ctr"/>
+          <a:lstStyle/>
+          <a:p>
+            <a:pPr algn="ctr"/>
+            <a:endParaRPr lang="en-US" dirty="0"/>
+          </a:p>
+        </p:txBody>
+      </p:sp>
     </p:spTree>
     <p:extLst>
       <p:ext uri="{BB962C8B-B14F-4D97-AF65-F5344CB8AC3E}">
@@ -5535,7 +5382,9 @@
     <p:bg>
       <p:bgPr>
         <a:solidFill>
-          <a:srgbClr val="B2292E"/>
+          <a:srgbClr val="F7F7F7">
+            <a:alpha val="50000"/>
+          </a:srgbClr>
         </a:solidFill>
         <a:effectLst/>
       </p:bgPr>
@@ -5562,114 +5411,6 @@
       </p:grpSpPr>
       <p:sp>
         <p:nvSpPr>
-          <p:cNvPr id="4" name="Rectangle: Rounded Corners 3">
-            <a:extLst>
-              <a:ext uri="{FF2B5EF4-FFF2-40B4-BE49-F238E27FC236}">
-                <a16:creationId xmlns:a16="http://schemas.microsoft.com/office/drawing/2014/main" id="{00D76C1B-C8F3-2496-AAB1-DE32E39550B9}"/>
-              </a:ext>
-            </a:extLst>
-          </p:cNvPr>
-          <p:cNvSpPr>
-            <a:spLocks noGrp="1" noRot="1" noMove="1" noResize="1" noEditPoints="1" noAdjustHandles="1" noChangeArrowheads="1" noChangeShapeType="1"/>
-          </p:cNvSpPr>
-          <p:nvPr/>
-        </p:nvSpPr>
-        <p:spPr>
-          <a:xfrm>
-            <a:off x="217716" y="246743"/>
-            <a:ext cx="16851084" cy="8650514"/>
-          </a:xfrm>
-          <a:prstGeom prst="roundRect">
-            <a:avLst>
-              <a:gd name="adj" fmla="val 4623"/>
-            </a:avLst>
-          </a:prstGeom>
-          <a:solidFill>
-            <a:srgbClr val="F7F7F7"/>
-          </a:solidFill>
-          <a:ln>
-            <a:noFill/>
-          </a:ln>
-          <a:effectLst>
-            <a:outerShdw blurRad="50800" dist="50800" dir="5400000" algn="ctr" rotWithShape="0">
-              <a:srgbClr val="000000">
-                <a:alpha val="11000"/>
-              </a:srgbClr>
-            </a:outerShdw>
-          </a:effectLst>
-        </p:spPr>
-        <p:style>
-          <a:lnRef idx="2">
-            <a:schemeClr val="accent1">
-              <a:shade val="15000"/>
-            </a:schemeClr>
-          </a:lnRef>
-          <a:fillRef idx="1">
-            <a:schemeClr val="accent1"/>
-          </a:fillRef>
-          <a:effectRef idx="0">
-            <a:schemeClr val="accent1"/>
-          </a:effectRef>
-          <a:fontRef idx="minor">
-            <a:schemeClr val="lt1"/>
-          </a:fontRef>
-        </p:style>
-        <p:txBody>
-          <a:bodyPr rtlCol="0" anchor="ctr"/>
-          <a:lstStyle/>
-          <a:p>
-            <a:pPr algn="ctr"/>
-            <a:endParaRPr lang="en-US" dirty="0"/>
-          </a:p>
-        </p:txBody>
-      </p:sp>
-      <p:cxnSp>
-        <p:nvCxnSpPr>
-          <p:cNvPr id="5" name="Straight Arrow Connector 4">
-            <a:extLst>
-              <a:ext uri="{FF2B5EF4-FFF2-40B4-BE49-F238E27FC236}">
-                <a16:creationId xmlns:a16="http://schemas.microsoft.com/office/drawing/2014/main" id="{7D784777-BE28-3D91-30D3-9D371475519D}"/>
-              </a:ext>
-            </a:extLst>
-          </p:cNvPr>
-          <p:cNvCxnSpPr>
-            <a:cxnSpLocks noGrp="1" noRot="1" noMove="1" noResize="1" noEditPoints="1" noAdjustHandles="1" noChangeArrowheads="1" noChangeShapeType="1"/>
-          </p:cNvCxnSpPr>
-          <p:nvPr/>
-        </p:nvCxnSpPr>
-        <p:spPr>
-          <a:xfrm>
-            <a:off x="2269839" y="411480"/>
-            <a:ext cx="0" cy="8321040"/>
-          </a:xfrm>
-          <a:prstGeom prst="straightConnector1">
-            <a:avLst/>
-          </a:prstGeom>
-          <a:ln w="25400">
-            <a:solidFill>
-              <a:schemeClr val="bg1">
-                <a:lumMod val="85000"/>
-              </a:schemeClr>
-            </a:solidFill>
-          </a:ln>
-        </p:spPr>
-        <p:style>
-          <a:lnRef idx="2">
-            <a:schemeClr val="accent1"/>
-          </a:lnRef>
-          <a:fillRef idx="0">
-            <a:schemeClr val="accent1"/>
-          </a:fillRef>
-          <a:effectRef idx="1">
-            <a:schemeClr val="accent1"/>
-          </a:effectRef>
-          <a:fontRef idx="minor">
-            <a:schemeClr val="tx1"/>
-          </a:fontRef>
-        </p:style>
-      </p:cxnSp>
-      <p:sp>
-        <p:nvSpPr>
           <p:cNvPr id="11" name="Rectangle 10">
             <a:extLst>
               <a:ext uri="{FF2B5EF4-FFF2-40B4-BE49-F238E27FC236}">
@@ -5747,7 +5488,7 @@
                 <a:ea typeface="Segoe UI Black" panose="020B0A02040204020203" pitchFamily="34" charset="0"/>
                 <a:cs typeface="Segoe UI Semibold" panose="020B0702040204020203" pitchFamily="34" charset="0"/>
               </a:rPr>
-              <a:t>Summarize the number of respondents and their demographics.</a:t>
+              <a:t>Analyze customer composition, churn behavior, and demographic trends across key segments.</a:t>
             </a:r>
           </a:p>
         </p:txBody>
@@ -6279,7 +6020,7 @@
         <p:spPr>
           <a:xfrm>
             <a:off x="13830300" y="1393036"/>
-            <a:ext cx="2813974" cy="1504172"/>
+            <a:ext cx="3141770" cy="1504172"/>
           </a:xfrm>
           <a:prstGeom prst="roundRect">
             <a:avLst>
@@ -6348,8 +6089,8 @@
         </p:nvSpPr>
         <p:spPr>
           <a:xfrm>
-            <a:off x="13830295" y="3200400"/>
-            <a:ext cx="2813974" cy="1689100"/>
+            <a:off x="13830294" y="3200400"/>
+            <a:ext cx="3141769" cy="1689100"/>
           </a:xfrm>
           <a:prstGeom prst="roundRect">
             <a:avLst>
@@ -6489,7 +6230,7 @@
         <p:spPr>
           <a:xfrm>
             <a:off x="13830295" y="5095730"/>
-            <a:ext cx="2813974" cy="1689100"/>
+            <a:ext cx="3141768" cy="1689100"/>
           </a:xfrm>
           <a:prstGeom prst="roundRect">
             <a:avLst>
@@ -6559,7 +6300,7 @@
         <p:spPr>
           <a:xfrm>
             <a:off x="13830295" y="6991060"/>
-            <a:ext cx="2813974" cy="1689100"/>
+            <a:ext cx="3141768" cy="1689100"/>
           </a:xfrm>
           <a:prstGeom prst="roundRect">
             <a:avLst>
@@ -6609,6 +6350,61 @@
               <a:ea typeface="Segoe UI Black" panose="020B0A02040204020203" pitchFamily="34" charset="0"/>
               <a:cs typeface="Segoe UI Semibold" panose="020B0702040204020203" pitchFamily="34" charset="0"/>
             </a:endParaRPr>
+          </a:p>
+        </p:txBody>
+      </p:sp>
+      <p:sp>
+        <p:nvSpPr>
+          <p:cNvPr id="8" name="Rectangle: Top Corners Rounded 7">
+            <a:extLst>
+              <a:ext uri="{FF2B5EF4-FFF2-40B4-BE49-F238E27FC236}">
+                <a16:creationId xmlns:a16="http://schemas.microsoft.com/office/drawing/2014/main" id="{727A5135-AF33-8ED2-F29B-78370BDF1FB8}"/>
+              </a:ext>
+            </a:extLst>
+          </p:cNvPr>
+          <p:cNvSpPr/>
+          <p:nvPr/>
+        </p:nvSpPr>
+        <p:spPr>
+          <a:xfrm rot="5400000">
+            <a:off x="-3430417" y="3420759"/>
+            <a:ext cx="9144000" cy="2302482"/>
+          </a:xfrm>
+          <a:prstGeom prst="round2SameRect">
+            <a:avLst>
+              <a:gd name="adj1" fmla="val 15107"/>
+              <a:gd name="adj2" fmla="val 0"/>
+            </a:avLst>
+          </a:prstGeom>
+          <a:solidFill>
+            <a:srgbClr val="B2292E"/>
+          </a:solidFill>
+          <a:ln>
+            <a:noFill/>
+          </a:ln>
+        </p:spPr>
+        <p:style>
+          <a:lnRef idx="2">
+            <a:schemeClr val="accent1">
+              <a:shade val="15000"/>
+            </a:schemeClr>
+          </a:lnRef>
+          <a:fillRef idx="1">
+            <a:schemeClr val="accent1"/>
+          </a:fillRef>
+          <a:effectRef idx="0">
+            <a:schemeClr val="accent1"/>
+          </a:effectRef>
+          <a:fontRef idx="minor">
+            <a:schemeClr val="lt1"/>
+          </a:fontRef>
+        </p:style>
+        <p:txBody>
+          <a:bodyPr rtlCol="0" anchor="ctr"/>
+          <a:lstStyle/>
+          <a:p>
+            <a:pPr algn="ctr"/>
+            <a:endParaRPr lang="en-US" dirty="0"/>
           </a:p>
         </p:txBody>
       </p:sp>

--- a/Power BI Report/Dashboard Layout.pptx
+++ b/Power BI Report/Dashboard Layout.pptx
@@ -6408,6 +6408,196 @@
           </a:p>
         </p:txBody>
       </p:sp>
+      <p:pic>
+        <p:nvPicPr>
+          <p:cNvPr id="5" name="Picture 4">
+            <a:extLst>
+              <a:ext uri="{FF2B5EF4-FFF2-40B4-BE49-F238E27FC236}">
+                <a16:creationId xmlns:a16="http://schemas.microsoft.com/office/drawing/2014/main" id="{35B02EA1-21FB-C2ED-B50E-391F009E70DA}"/>
+              </a:ext>
+            </a:extLst>
+          </p:cNvPr>
+          <p:cNvPicPr>
+            <a:picLocks noChangeAspect="1"/>
+          </p:cNvPicPr>
+          <p:nvPr/>
+        </p:nvPicPr>
+        <p:blipFill>
+          <a:blip r:embed="rId2">
+            <a:duotone>
+              <a:schemeClr val="bg2">
+                <a:shade val="45000"/>
+                <a:satMod val="135000"/>
+              </a:schemeClr>
+              <a:prstClr val="white"/>
+            </a:duotone>
+          </a:blip>
+          <a:stretch>
+            <a:fillRect/>
+          </a:stretch>
+        </p:blipFill>
+        <p:spPr>
+          <a:xfrm>
+            <a:off x="16580774" y="1523429"/>
+            <a:ext cx="274320" cy="274320"/>
+          </a:xfrm>
+          <a:prstGeom prst="rect">
+            <a:avLst/>
+          </a:prstGeom>
+        </p:spPr>
+      </p:pic>
+      <p:pic>
+        <p:nvPicPr>
+          <p:cNvPr id="10" name="Picture 9">
+            <a:extLst>
+              <a:ext uri="{FF2B5EF4-FFF2-40B4-BE49-F238E27FC236}">
+                <a16:creationId xmlns:a16="http://schemas.microsoft.com/office/drawing/2014/main" id="{941DF447-04E6-E221-2F45-0A728A81562C}"/>
+              </a:ext>
+            </a:extLst>
+          </p:cNvPr>
+          <p:cNvPicPr>
+            <a:picLocks noChangeAspect="1"/>
+          </p:cNvPicPr>
+          <p:nvPr/>
+        </p:nvPicPr>
+        <p:blipFill>
+          <a:blip r:embed="rId3">
+            <a:duotone>
+              <a:schemeClr val="bg2">
+                <a:shade val="45000"/>
+                <a:satMod val="135000"/>
+              </a:schemeClr>
+              <a:prstClr val="white"/>
+            </a:duotone>
+          </a:blip>
+          <a:stretch>
+            <a:fillRect/>
+          </a:stretch>
+        </p:blipFill>
+        <p:spPr>
+          <a:xfrm>
+            <a:off x="13040004" y="3263900"/>
+            <a:ext cx="274320" cy="274320"/>
+          </a:xfrm>
+          <a:prstGeom prst="rect">
+            <a:avLst/>
+          </a:prstGeom>
+        </p:spPr>
+      </p:pic>
+      <p:pic>
+        <p:nvPicPr>
+          <p:cNvPr id="22" name="Picture 21">
+            <a:extLst>
+              <a:ext uri="{FF2B5EF4-FFF2-40B4-BE49-F238E27FC236}">
+                <a16:creationId xmlns:a16="http://schemas.microsoft.com/office/drawing/2014/main" id="{21564B09-B8FC-EBAD-3EF8-3090B5B54E7D}"/>
+              </a:ext>
+            </a:extLst>
+          </p:cNvPr>
+          <p:cNvPicPr>
+            <a:picLocks noChangeAspect="1"/>
+          </p:cNvPicPr>
+          <p:nvPr/>
+        </p:nvPicPr>
+        <p:blipFill>
+          <a:blip r:embed="rId4">
+            <a:duotone>
+              <a:schemeClr val="bg2">
+                <a:shade val="45000"/>
+                <a:satMod val="135000"/>
+              </a:schemeClr>
+              <a:prstClr val="white"/>
+            </a:duotone>
+          </a:blip>
+          <a:stretch>
+            <a:fillRect/>
+          </a:stretch>
+        </p:blipFill>
+        <p:spPr>
+          <a:xfrm>
+            <a:off x="16580774" y="3289300"/>
+            <a:ext cx="274320" cy="274320"/>
+          </a:xfrm>
+          <a:prstGeom prst="rect">
+            <a:avLst/>
+          </a:prstGeom>
+        </p:spPr>
+      </p:pic>
+      <p:pic>
+        <p:nvPicPr>
+          <p:cNvPr id="27" name="Picture 26">
+            <a:extLst>
+              <a:ext uri="{FF2B5EF4-FFF2-40B4-BE49-F238E27FC236}">
+                <a16:creationId xmlns:a16="http://schemas.microsoft.com/office/drawing/2014/main" id="{37A3136A-7C24-66A7-9E0F-4772D2B858F6}"/>
+              </a:ext>
+            </a:extLst>
+          </p:cNvPr>
+          <p:cNvPicPr>
+            <a:picLocks noChangeAspect="1"/>
+          </p:cNvPicPr>
+          <p:nvPr/>
+        </p:nvPicPr>
+        <p:blipFill>
+          <a:blip r:embed="rId5">
+            <a:duotone>
+              <a:schemeClr val="bg2">
+                <a:shade val="45000"/>
+                <a:satMod val="135000"/>
+              </a:schemeClr>
+              <a:prstClr val="white"/>
+            </a:duotone>
+          </a:blip>
+          <a:stretch>
+            <a:fillRect/>
+          </a:stretch>
+        </p:blipFill>
+        <p:spPr>
+          <a:xfrm>
+            <a:off x="16580774" y="7079960"/>
+            <a:ext cx="274320" cy="274320"/>
+          </a:xfrm>
+          <a:prstGeom prst="rect">
+            <a:avLst/>
+          </a:prstGeom>
+        </p:spPr>
+      </p:pic>
+      <p:pic>
+        <p:nvPicPr>
+          <p:cNvPr id="29" name="Picture 28">
+            <a:extLst>
+              <a:ext uri="{FF2B5EF4-FFF2-40B4-BE49-F238E27FC236}">
+                <a16:creationId xmlns:a16="http://schemas.microsoft.com/office/drawing/2014/main" id="{D97F249B-4740-E6DE-0105-FF7B10682C4B}"/>
+              </a:ext>
+            </a:extLst>
+          </p:cNvPr>
+          <p:cNvPicPr>
+            <a:picLocks noChangeAspect="1"/>
+          </p:cNvPicPr>
+          <p:nvPr/>
+        </p:nvPicPr>
+        <p:blipFill>
+          <a:blip r:embed="rId6">
+            <a:duotone>
+              <a:schemeClr val="bg2">
+                <a:shade val="45000"/>
+                <a:satMod val="135000"/>
+              </a:schemeClr>
+              <a:prstClr val="white"/>
+            </a:duotone>
+          </a:blip>
+          <a:stretch>
+            <a:fillRect/>
+          </a:stretch>
+        </p:blipFill>
+        <p:spPr>
+          <a:xfrm>
+            <a:off x="16580774" y="5184630"/>
+            <a:ext cx="274320" cy="274320"/>
+          </a:xfrm>
+          <a:prstGeom prst="rect">
+            <a:avLst/>
+          </a:prstGeom>
+        </p:spPr>
+      </p:pic>
     </p:spTree>
     <p:extLst>
       <p:ext uri="{BB962C8B-B14F-4D97-AF65-F5344CB8AC3E}">
